--- a/최종.pptx
+++ b/최종.pptx
@@ -151,7 +151,7 @@
   </p:defaultTextStyle>
   <p:extLst>
     <p:ext uri="{EFAFB233-063F-42B5-8137-9DF3F51BA10A}">
-      <p15:sldGuideLst xmlns="" xmlns:p15="http://schemas.microsoft.com/office/powerpoint/2012/main">
+      <p15:sldGuideLst xmlns:p15="http://schemas.microsoft.com/office/powerpoint/2012/main" xmlns="">
         <p15:guide id="1" orient="horz" pos="2251" userDrawn="1">
           <p15:clr>
             <a:srgbClr val="A4A3A4"/>
@@ -190,7 +190,7 @@
           <p:cNvPr id="2" name="제목 1">
             <a:extLst>
               <a:ext uri="{FF2B5EF4-FFF2-40B4-BE49-F238E27FC236}">
-                <a16:creationId xmlns="" xmlns:a16="http://schemas.microsoft.com/office/drawing/2014/main" id="{77CBCA8E-9333-1A22-8D6C-82B722AF14EA}"/>
+                <a16:creationId xmlns:a16="http://schemas.microsoft.com/office/drawing/2014/main" xmlns="" id="{77CBCA8E-9333-1A22-8D6C-82B722AF14EA}"/>
               </a:ext>
             </a:extLst>
           </p:cNvPr>
@@ -227,7 +227,7 @@
           <p:cNvPr id="3" name="부제목 2">
             <a:extLst>
               <a:ext uri="{FF2B5EF4-FFF2-40B4-BE49-F238E27FC236}">
-                <a16:creationId xmlns="" xmlns:a16="http://schemas.microsoft.com/office/drawing/2014/main" id="{BF4C31B4-6BE5-7C44-56EC-AF6EBE24A9CF}"/>
+                <a16:creationId xmlns:a16="http://schemas.microsoft.com/office/drawing/2014/main" xmlns="" id="{BF4C31B4-6BE5-7C44-56EC-AF6EBE24A9CF}"/>
               </a:ext>
             </a:extLst>
           </p:cNvPr>
@@ -297,7 +297,7 @@
           <p:cNvPr id="4" name="날짜 개체 틀 3">
             <a:extLst>
               <a:ext uri="{FF2B5EF4-FFF2-40B4-BE49-F238E27FC236}">
-                <a16:creationId xmlns="" xmlns:a16="http://schemas.microsoft.com/office/drawing/2014/main" id="{7707ABBF-32EF-7FE5-C7EC-6FC483CB38A4}"/>
+                <a16:creationId xmlns:a16="http://schemas.microsoft.com/office/drawing/2014/main" xmlns="" id="{7707ABBF-32EF-7FE5-C7EC-6FC483CB38A4}"/>
               </a:ext>
             </a:extLst>
           </p:cNvPr>
@@ -327,7 +327,7 @@
           <p:cNvPr id="5" name="바닥글 개체 틀 4">
             <a:extLst>
               <a:ext uri="{FF2B5EF4-FFF2-40B4-BE49-F238E27FC236}">
-                <a16:creationId xmlns="" xmlns:a16="http://schemas.microsoft.com/office/drawing/2014/main" id="{BA6E8EED-C703-8DFF-8BC6-8E14E91FD3D7}"/>
+                <a16:creationId xmlns:a16="http://schemas.microsoft.com/office/drawing/2014/main" xmlns="" id="{BA6E8EED-C703-8DFF-8BC6-8E14E91FD3D7}"/>
               </a:ext>
             </a:extLst>
           </p:cNvPr>
@@ -352,7 +352,7 @@
           <p:cNvPr id="6" name="슬라이드 번호 개체 틀 5">
             <a:extLst>
               <a:ext uri="{FF2B5EF4-FFF2-40B4-BE49-F238E27FC236}">
-                <a16:creationId xmlns="" xmlns:a16="http://schemas.microsoft.com/office/drawing/2014/main" id="{221FA66A-F5E6-3555-DD68-9418AB22D295}"/>
+                <a16:creationId xmlns:a16="http://schemas.microsoft.com/office/drawing/2014/main" xmlns="" id="{221FA66A-F5E6-3555-DD68-9418AB22D295}"/>
               </a:ext>
             </a:extLst>
           </p:cNvPr>
@@ -380,7 +380,7 @@
     </p:spTree>
     <p:extLst>
       <p:ext uri="{BB962C8B-B14F-4D97-AF65-F5344CB8AC3E}">
-        <p14:creationId xmlns="" xmlns:p14="http://schemas.microsoft.com/office/powerpoint/2010/main" val="3925378688"/>
+        <p14:creationId xmlns:p14="http://schemas.microsoft.com/office/powerpoint/2010/main" xmlns="" val="3925378688"/>
       </p:ext>
     </p:extLst>
   </p:cSld>
@@ -412,7 +412,7 @@
           <p:cNvPr id="2" name="제목 1">
             <a:extLst>
               <a:ext uri="{FF2B5EF4-FFF2-40B4-BE49-F238E27FC236}">
-                <a16:creationId xmlns="" xmlns:a16="http://schemas.microsoft.com/office/drawing/2014/main" id="{7C88ED6C-5183-A3FB-1A03-797A1D8CE781}"/>
+                <a16:creationId xmlns:a16="http://schemas.microsoft.com/office/drawing/2014/main" xmlns="" id="{7C88ED6C-5183-A3FB-1A03-797A1D8CE781}"/>
               </a:ext>
             </a:extLst>
           </p:cNvPr>
@@ -449,7 +449,7 @@
           <p:cNvPr id="3" name="그림 개체 틀 2">
             <a:extLst>
               <a:ext uri="{FF2B5EF4-FFF2-40B4-BE49-F238E27FC236}">
-                <a16:creationId xmlns="" xmlns:a16="http://schemas.microsoft.com/office/drawing/2014/main" id="{19F050E2-AAE2-825E-6686-9B6F6531A619}"/>
+                <a16:creationId xmlns:a16="http://schemas.microsoft.com/office/drawing/2014/main" xmlns="" id="{19F050E2-AAE2-825E-6686-9B6F6531A619}"/>
               </a:ext>
             </a:extLst>
           </p:cNvPr>
@@ -516,7 +516,7 @@
           <p:cNvPr id="4" name="텍스트 개체 틀 3">
             <a:extLst>
               <a:ext uri="{FF2B5EF4-FFF2-40B4-BE49-F238E27FC236}">
-                <a16:creationId xmlns="" xmlns:a16="http://schemas.microsoft.com/office/drawing/2014/main" id="{FE3B9788-4959-86F2-9B63-0FD8A162ABAF}"/>
+                <a16:creationId xmlns:a16="http://schemas.microsoft.com/office/drawing/2014/main" xmlns="" id="{FE3B9788-4959-86F2-9B63-0FD8A162ABAF}"/>
               </a:ext>
             </a:extLst>
           </p:cNvPr>
@@ -587,7 +587,7 @@
           <p:cNvPr id="5" name="날짜 개체 틀 4">
             <a:extLst>
               <a:ext uri="{FF2B5EF4-FFF2-40B4-BE49-F238E27FC236}">
-                <a16:creationId xmlns="" xmlns:a16="http://schemas.microsoft.com/office/drawing/2014/main" id="{B3F920C9-87ED-E541-CA6D-B8E4E8173079}"/>
+                <a16:creationId xmlns:a16="http://schemas.microsoft.com/office/drawing/2014/main" xmlns="" id="{B3F920C9-87ED-E541-CA6D-B8E4E8173079}"/>
               </a:ext>
             </a:extLst>
           </p:cNvPr>
@@ -617,7 +617,7 @@
           <p:cNvPr id="6" name="바닥글 개체 틀 5">
             <a:extLst>
               <a:ext uri="{FF2B5EF4-FFF2-40B4-BE49-F238E27FC236}">
-                <a16:creationId xmlns="" xmlns:a16="http://schemas.microsoft.com/office/drawing/2014/main" id="{B67A7335-EAEE-ACDB-396B-5B98DACCFBC8}"/>
+                <a16:creationId xmlns:a16="http://schemas.microsoft.com/office/drawing/2014/main" xmlns="" id="{B67A7335-EAEE-ACDB-396B-5B98DACCFBC8}"/>
               </a:ext>
             </a:extLst>
           </p:cNvPr>
@@ -642,7 +642,7 @@
           <p:cNvPr id="7" name="슬라이드 번호 개체 틀 6">
             <a:extLst>
               <a:ext uri="{FF2B5EF4-FFF2-40B4-BE49-F238E27FC236}">
-                <a16:creationId xmlns="" xmlns:a16="http://schemas.microsoft.com/office/drawing/2014/main" id="{8B843874-E41E-D21C-891E-7BEBBCEAD2A6}"/>
+                <a16:creationId xmlns:a16="http://schemas.microsoft.com/office/drawing/2014/main" xmlns="" id="{8B843874-E41E-D21C-891E-7BEBBCEAD2A6}"/>
               </a:ext>
             </a:extLst>
           </p:cNvPr>
@@ -670,7 +670,7 @@
     </p:spTree>
     <p:extLst>
       <p:ext uri="{BB962C8B-B14F-4D97-AF65-F5344CB8AC3E}">
-        <p14:creationId xmlns="" xmlns:p14="http://schemas.microsoft.com/office/powerpoint/2010/main" val="905445281"/>
+        <p14:creationId xmlns:p14="http://schemas.microsoft.com/office/powerpoint/2010/main" xmlns="" val="905445281"/>
       </p:ext>
     </p:extLst>
   </p:cSld>
@@ -702,7 +702,7 @@
           <p:cNvPr id="2" name="제목 1">
             <a:extLst>
               <a:ext uri="{FF2B5EF4-FFF2-40B4-BE49-F238E27FC236}">
-                <a16:creationId xmlns="" xmlns:a16="http://schemas.microsoft.com/office/drawing/2014/main" id="{94AE314F-E467-35EF-4F00-603D5830BC11}"/>
+                <a16:creationId xmlns:a16="http://schemas.microsoft.com/office/drawing/2014/main" xmlns="" id="{94AE314F-E467-35EF-4F00-603D5830BC11}"/>
               </a:ext>
             </a:extLst>
           </p:cNvPr>
@@ -730,7 +730,7 @@
           <p:cNvPr id="3" name="세로 텍스트 개체 틀 2">
             <a:extLst>
               <a:ext uri="{FF2B5EF4-FFF2-40B4-BE49-F238E27FC236}">
-                <a16:creationId xmlns="" xmlns:a16="http://schemas.microsoft.com/office/drawing/2014/main" id="{D05E4629-7EB6-787C-5B77-44E349D7ED36}"/>
+                <a16:creationId xmlns:a16="http://schemas.microsoft.com/office/drawing/2014/main" xmlns="" id="{D05E4629-7EB6-787C-5B77-44E349D7ED36}"/>
               </a:ext>
             </a:extLst>
           </p:cNvPr>
@@ -787,7 +787,7 @@
           <p:cNvPr id="4" name="날짜 개체 틀 3">
             <a:extLst>
               <a:ext uri="{FF2B5EF4-FFF2-40B4-BE49-F238E27FC236}">
-                <a16:creationId xmlns="" xmlns:a16="http://schemas.microsoft.com/office/drawing/2014/main" id="{7C9E16D5-3A7C-950D-70B1-30EB2D922A3C}"/>
+                <a16:creationId xmlns:a16="http://schemas.microsoft.com/office/drawing/2014/main" xmlns="" id="{7C9E16D5-3A7C-950D-70B1-30EB2D922A3C}"/>
               </a:ext>
             </a:extLst>
           </p:cNvPr>
@@ -817,7 +817,7 @@
           <p:cNvPr id="5" name="바닥글 개체 틀 4">
             <a:extLst>
               <a:ext uri="{FF2B5EF4-FFF2-40B4-BE49-F238E27FC236}">
-                <a16:creationId xmlns="" xmlns:a16="http://schemas.microsoft.com/office/drawing/2014/main" id="{4B4C0A0D-326F-2397-9114-A0D8DB699D2A}"/>
+                <a16:creationId xmlns:a16="http://schemas.microsoft.com/office/drawing/2014/main" xmlns="" id="{4B4C0A0D-326F-2397-9114-A0D8DB699D2A}"/>
               </a:ext>
             </a:extLst>
           </p:cNvPr>
@@ -842,7 +842,7 @@
           <p:cNvPr id="6" name="슬라이드 번호 개체 틀 5">
             <a:extLst>
               <a:ext uri="{FF2B5EF4-FFF2-40B4-BE49-F238E27FC236}">
-                <a16:creationId xmlns="" xmlns:a16="http://schemas.microsoft.com/office/drawing/2014/main" id="{CF9F77D4-2B62-D295-622F-11DC5BEF6ADC}"/>
+                <a16:creationId xmlns:a16="http://schemas.microsoft.com/office/drawing/2014/main" xmlns="" id="{CF9F77D4-2B62-D295-622F-11DC5BEF6ADC}"/>
               </a:ext>
             </a:extLst>
           </p:cNvPr>
@@ -870,7 +870,7 @@
     </p:spTree>
     <p:extLst>
       <p:ext uri="{BB962C8B-B14F-4D97-AF65-F5344CB8AC3E}">
-        <p14:creationId xmlns="" xmlns:p14="http://schemas.microsoft.com/office/powerpoint/2010/main" val="1124326107"/>
+        <p14:creationId xmlns:p14="http://schemas.microsoft.com/office/powerpoint/2010/main" xmlns="" val="1124326107"/>
       </p:ext>
     </p:extLst>
   </p:cSld>
@@ -902,7 +902,7 @@
           <p:cNvPr id="2" name="세로 제목 1">
             <a:extLst>
               <a:ext uri="{FF2B5EF4-FFF2-40B4-BE49-F238E27FC236}">
-                <a16:creationId xmlns="" xmlns:a16="http://schemas.microsoft.com/office/drawing/2014/main" id="{86D5072C-363A-3523-AD61-1B211EF25157}"/>
+                <a16:creationId xmlns:a16="http://schemas.microsoft.com/office/drawing/2014/main" xmlns="" id="{86D5072C-363A-3523-AD61-1B211EF25157}"/>
               </a:ext>
             </a:extLst>
           </p:cNvPr>
@@ -935,7 +935,7 @@
           <p:cNvPr id="3" name="세로 텍스트 개체 틀 2">
             <a:extLst>
               <a:ext uri="{FF2B5EF4-FFF2-40B4-BE49-F238E27FC236}">
-                <a16:creationId xmlns="" xmlns:a16="http://schemas.microsoft.com/office/drawing/2014/main" id="{0BB27046-E80F-B9C6-5F50-974FBF8AB00A}"/>
+                <a16:creationId xmlns:a16="http://schemas.microsoft.com/office/drawing/2014/main" xmlns="" id="{0BB27046-E80F-B9C6-5F50-974FBF8AB00A}"/>
               </a:ext>
             </a:extLst>
           </p:cNvPr>
@@ -997,7 +997,7 @@
           <p:cNvPr id="4" name="날짜 개체 틀 3">
             <a:extLst>
               <a:ext uri="{FF2B5EF4-FFF2-40B4-BE49-F238E27FC236}">
-                <a16:creationId xmlns="" xmlns:a16="http://schemas.microsoft.com/office/drawing/2014/main" id="{1CE7CC4A-74E9-CF69-1444-2EC892A6127D}"/>
+                <a16:creationId xmlns:a16="http://schemas.microsoft.com/office/drawing/2014/main" xmlns="" id="{1CE7CC4A-74E9-CF69-1444-2EC892A6127D}"/>
               </a:ext>
             </a:extLst>
           </p:cNvPr>
@@ -1027,7 +1027,7 @@
           <p:cNvPr id="5" name="바닥글 개체 틀 4">
             <a:extLst>
               <a:ext uri="{FF2B5EF4-FFF2-40B4-BE49-F238E27FC236}">
-                <a16:creationId xmlns="" xmlns:a16="http://schemas.microsoft.com/office/drawing/2014/main" id="{A680EBEF-7225-ABF1-494A-172059F67D94}"/>
+                <a16:creationId xmlns:a16="http://schemas.microsoft.com/office/drawing/2014/main" xmlns="" id="{A680EBEF-7225-ABF1-494A-172059F67D94}"/>
               </a:ext>
             </a:extLst>
           </p:cNvPr>
@@ -1052,7 +1052,7 @@
           <p:cNvPr id="6" name="슬라이드 번호 개체 틀 5">
             <a:extLst>
               <a:ext uri="{FF2B5EF4-FFF2-40B4-BE49-F238E27FC236}">
-                <a16:creationId xmlns="" xmlns:a16="http://schemas.microsoft.com/office/drawing/2014/main" id="{A8DC465E-95E6-5FB7-F923-8A5054F8EAE8}"/>
+                <a16:creationId xmlns:a16="http://schemas.microsoft.com/office/drawing/2014/main" xmlns="" id="{A8DC465E-95E6-5FB7-F923-8A5054F8EAE8}"/>
               </a:ext>
             </a:extLst>
           </p:cNvPr>
@@ -1080,7 +1080,7 @@
     </p:spTree>
     <p:extLst>
       <p:ext uri="{BB962C8B-B14F-4D97-AF65-F5344CB8AC3E}">
-        <p14:creationId xmlns="" xmlns:p14="http://schemas.microsoft.com/office/powerpoint/2010/main" val="3087435274"/>
+        <p14:creationId xmlns:p14="http://schemas.microsoft.com/office/powerpoint/2010/main" xmlns="" val="3087435274"/>
       </p:ext>
     </p:extLst>
   </p:cSld>
@@ -1112,7 +1112,7 @@
           <p:cNvPr id="2" name="제목 1">
             <a:extLst>
               <a:ext uri="{FF2B5EF4-FFF2-40B4-BE49-F238E27FC236}">
-                <a16:creationId xmlns="" xmlns:a16="http://schemas.microsoft.com/office/drawing/2014/main" id="{91C2FDEE-C897-F129-D246-B32B8E95EE05}"/>
+                <a16:creationId xmlns:a16="http://schemas.microsoft.com/office/drawing/2014/main" xmlns="" id="{91C2FDEE-C897-F129-D246-B32B8E95EE05}"/>
               </a:ext>
             </a:extLst>
           </p:cNvPr>
@@ -1140,7 +1140,7 @@
           <p:cNvPr id="3" name="내용 개체 틀 2">
             <a:extLst>
               <a:ext uri="{FF2B5EF4-FFF2-40B4-BE49-F238E27FC236}">
-                <a16:creationId xmlns="" xmlns:a16="http://schemas.microsoft.com/office/drawing/2014/main" id="{781E1BD4-D9D9-FEC7-0C3F-360852DB257F}"/>
+                <a16:creationId xmlns:a16="http://schemas.microsoft.com/office/drawing/2014/main" xmlns="" id="{781E1BD4-D9D9-FEC7-0C3F-360852DB257F}"/>
               </a:ext>
             </a:extLst>
           </p:cNvPr>
@@ -1197,7 +1197,7 @@
           <p:cNvPr id="4" name="날짜 개체 틀 3">
             <a:extLst>
               <a:ext uri="{FF2B5EF4-FFF2-40B4-BE49-F238E27FC236}">
-                <a16:creationId xmlns="" xmlns:a16="http://schemas.microsoft.com/office/drawing/2014/main" id="{44A6FE90-D859-F938-13E6-BAAA70C817B5}"/>
+                <a16:creationId xmlns:a16="http://schemas.microsoft.com/office/drawing/2014/main" xmlns="" id="{44A6FE90-D859-F938-13E6-BAAA70C817B5}"/>
               </a:ext>
             </a:extLst>
           </p:cNvPr>
@@ -1227,7 +1227,7 @@
           <p:cNvPr id="5" name="바닥글 개체 틀 4">
             <a:extLst>
               <a:ext uri="{FF2B5EF4-FFF2-40B4-BE49-F238E27FC236}">
-                <a16:creationId xmlns="" xmlns:a16="http://schemas.microsoft.com/office/drawing/2014/main" id="{34DDF352-075F-272E-2F53-F85D6A90272E}"/>
+                <a16:creationId xmlns:a16="http://schemas.microsoft.com/office/drawing/2014/main" xmlns="" id="{34DDF352-075F-272E-2F53-F85D6A90272E}"/>
               </a:ext>
             </a:extLst>
           </p:cNvPr>
@@ -1252,7 +1252,7 @@
           <p:cNvPr id="6" name="슬라이드 번호 개체 틀 5">
             <a:extLst>
               <a:ext uri="{FF2B5EF4-FFF2-40B4-BE49-F238E27FC236}">
-                <a16:creationId xmlns="" xmlns:a16="http://schemas.microsoft.com/office/drawing/2014/main" id="{B934B452-0FA6-383B-1481-59F5EB30DA84}"/>
+                <a16:creationId xmlns:a16="http://schemas.microsoft.com/office/drawing/2014/main" xmlns="" id="{B934B452-0FA6-383B-1481-59F5EB30DA84}"/>
               </a:ext>
             </a:extLst>
           </p:cNvPr>
@@ -1280,7 +1280,7 @@
     </p:spTree>
     <p:extLst>
       <p:ext uri="{BB962C8B-B14F-4D97-AF65-F5344CB8AC3E}">
-        <p14:creationId xmlns="" xmlns:p14="http://schemas.microsoft.com/office/powerpoint/2010/main" val="101321263"/>
+        <p14:creationId xmlns:p14="http://schemas.microsoft.com/office/powerpoint/2010/main" xmlns="" val="101321263"/>
       </p:ext>
     </p:extLst>
   </p:cSld>
@@ -1312,7 +1312,7 @@
           <p:cNvPr id="2" name="제목 1">
             <a:extLst>
               <a:ext uri="{FF2B5EF4-FFF2-40B4-BE49-F238E27FC236}">
-                <a16:creationId xmlns="" xmlns:a16="http://schemas.microsoft.com/office/drawing/2014/main" id="{45C86095-1742-B860-1825-48029917101A}"/>
+                <a16:creationId xmlns:a16="http://schemas.microsoft.com/office/drawing/2014/main" xmlns="" id="{45C86095-1742-B860-1825-48029917101A}"/>
               </a:ext>
             </a:extLst>
           </p:cNvPr>
@@ -1349,7 +1349,7 @@
           <p:cNvPr id="3" name="텍스트 개체 틀 2">
             <a:extLst>
               <a:ext uri="{FF2B5EF4-FFF2-40B4-BE49-F238E27FC236}">
-                <a16:creationId xmlns="" xmlns:a16="http://schemas.microsoft.com/office/drawing/2014/main" id="{57573687-87D8-7034-EF12-057997BAD4EA}"/>
+                <a16:creationId xmlns:a16="http://schemas.microsoft.com/office/drawing/2014/main" xmlns="" id="{57573687-87D8-7034-EF12-057997BAD4EA}"/>
               </a:ext>
             </a:extLst>
           </p:cNvPr>
@@ -1474,7 +1474,7 @@
           <p:cNvPr id="4" name="날짜 개체 틀 3">
             <a:extLst>
               <a:ext uri="{FF2B5EF4-FFF2-40B4-BE49-F238E27FC236}">
-                <a16:creationId xmlns="" xmlns:a16="http://schemas.microsoft.com/office/drawing/2014/main" id="{6ECA4964-316D-BF52-3259-00D33469E2F6}"/>
+                <a16:creationId xmlns:a16="http://schemas.microsoft.com/office/drawing/2014/main" xmlns="" id="{6ECA4964-316D-BF52-3259-00D33469E2F6}"/>
               </a:ext>
             </a:extLst>
           </p:cNvPr>
@@ -1504,7 +1504,7 @@
           <p:cNvPr id="5" name="바닥글 개체 틀 4">
             <a:extLst>
               <a:ext uri="{FF2B5EF4-FFF2-40B4-BE49-F238E27FC236}">
-                <a16:creationId xmlns="" xmlns:a16="http://schemas.microsoft.com/office/drawing/2014/main" id="{0849A15B-A458-C5FD-C763-290E1647C9D1}"/>
+                <a16:creationId xmlns:a16="http://schemas.microsoft.com/office/drawing/2014/main" xmlns="" id="{0849A15B-A458-C5FD-C763-290E1647C9D1}"/>
               </a:ext>
             </a:extLst>
           </p:cNvPr>
@@ -1529,7 +1529,7 @@
           <p:cNvPr id="6" name="슬라이드 번호 개체 틀 5">
             <a:extLst>
               <a:ext uri="{FF2B5EF4-FFF2-40B4-BE49-F238E27FC236}">
-                <a16:creationId xmlns="" xmlns:a16="http://schemas.microsoft.com/office/drawing/2014/main" id="{6B2925DD-0C98-0F0B-23D3-92672DBDD59C}"/>
+                <a16:creationId xmlns:a16="http://schemas.microsoft.com/office/drawing/2014/main" xmlns="" id="{6B2925DD-0C98-0F0B-23D3-92672DBDD59C}"/>
               </a:ext>
             </a:extLst>
           </p:cNvPr>
@@ -1557,7 +1557,7 @@
     </p:spTree>
     <p:extLst>
       <p:ext uri="{BB962C8B-B14F-4D97-AF65-F5344CB8AC3E}">
-        <p14:creationId xmlns="" xmlns:p14="http://schemas.microsoft.com/office/powerpoint/2010/main" val="4242968291"/>
+        <p14:creationId xmlns:p14="http://schemas.microsoft.com/office/powerpoint/2010/main" xmlns="" val="4242968291"/>
       </p:ext>
     </p:extLst>
   </p:cSld>
@@ -1589,7 +1589,7 @@
           <p:cNvPr id="2" name="제목 1">
             <a:extLst>
               <a:ext uri="{FF2B5EF4-FFF2-40B4-BE49-F238E27FC236}">
-                <a16:creationId xmlns="" xmlns:a16="http://schemas.microsoft.com/office/drawing/2014/main" id="{69E967BC-4278-5FF8-8579-9466CAE98FB8}"/>
+                <a16:creationId xmlns:a16="http://schemas.microsoft.com/office/drawing/2014/main" xmlns="" id="{69E967BC-4278-5FF8-8579-9466CAE98FB8}"/>
               </a:ext>
             </a:extLst>
           </p:cNvPr>
@@ -1617,7 +1617,7 @@
           <p:cNvPr id="3" name="내용 개체 틀 2">
             <a:extLst>
               <a:ext uri="{FF2B5EF4-FFF2-40B4-BE49-F238E27FC236}">
-                <a16:creationId xmlns="" xmlns:a16="http://schemas.microsoft.com/office/drawing/2014/main" id="{807E2CCE-5787-4972-0ADB-5ABD85810C90}"/>
+                <a16:creationId xmlns:a16="http://schemas.microsoft.com/office/drawing/2014/main" xmlns="" id="{807E2CCE-5787-4972-0ADB-5ABD85810C90}"/>
               </a:ext>
             </a:extLst>
           </p:cNvPr>
@@ -1679,7 +1679,7 @@
           <p:cNvPr id="4" name="내용 개체 틀 3">
             <a:extLst>
               <a:ext uri="{FF2B5EF4-FFF2-40B4-BE49-F238E27FC236}">
-                <a16:creationId xmlns="" xmlns:a16="http://schemas.microsoft.com/office/drawing/2014/main" id="{F912C45C-2B58-6298-6D0D-1004932F2C72}"/>
+                <a16:creationId xmlns:a16="http://schemas.microsoft.com/office/drawing/2014/main" xmlns="" id="{F912C45C-2B58-6298-6D0D-1004932F2C72}"/>
               </a:ext>
             </a:extLst>
           </p:cNvPr>
@@ -1741,7 +1741,7 @@
           <p:cNvPr id="5" name="날짜 개체 틀 4">
             <a:extLst>
               <a:ext uri="{FF2B5EF4-FFF2-40B4-BE49-F238E27FC236}">
-                <a16:creationId xmlns="" xmlns:a16="http://schemas.microsoft.com/office/drawing/2014/main" id="{F2EF1905-C7DE-F249-27BA-8A1D1546574D}"/>
+                <a16:creationId xmlns:a16="http://schemas.microsoft.com/office/drawing/2014/main" xmlns="" id="{F2EF1905-C7DE-F249-27BA-8A1D1546574D}"/>
               </a:ext>
             </a:extLst>
           </p:cNvPr>
@@ -1771,7 +1771,7 @@
           <p:cNvPr id="6" name="바닥글 개체 틀 5">
             <a:extLst>
               <a:ext uri="{FF2B5EF4-FFF2-40B4-BE49-F238E27FC236}">
-                <a16:creationId xmlns="" xmlns:a16="http://schemas.microsoft.com/office/drawing/2014/main" id="{814E9606-DED8-A0C5-13E6-B8669EB3FB51}"/>
+                <a16:creationId xmlns:a16="http://schemas.microsoft.com/office/drawing/2014/main" xmlns="" id="{814E9606-DED8-A0C5-13E6-B8669EB3FB51}"/>
               </a:ext>
             </a:extLst>
           </p:cNvPr>
@@ -1796,7 +1796,7 @@
           <p:cNvPr id="7" name="슬라이드 번호 개체 틀 6">
             <a:extLst>
               <a:ext uri="{FF2B5EF4-FFF2-40B4-BE49-F238E27FC236}">
-                <a16:creationId xmlns="" xmlns:a16="http://schemas.microsoft.com/office/drawing/2014/main" id="{AA837C64-B2C3-2E00-15E6-4CB954C5DC8F}"/>
+                <a16:creationId xmlns:a16="http://schemas.microsoft.com/office/drawing/2014/main" xmlns="" id="{AA837C64-B2C3-2E00-15E6-4CB954C5DC8F}"/>
               </a:ext>
             </a:extLst>
           </p:cNvPr>
@@ -1824,7 +1824,7 @@
     </p:spTree>
     <p:extLst>
       <p:ext uri="{BB962C8B-B14F-4D97-AF65-F5344CB8AC3E}">
-        <p14:creationId xmlns="" xmlns:p14="http://schemas.microsoft.com/office/powerpoint/2010/main" val="729495668"/>
+        <p14:creationId xmlns:p14="http://schemas.microsoft.com/office/powerpoint/2010/main" xmlns="" val="729495668"/>
       </p:ext>
     </p:extLst>
   </p:cSld>
@@ -1856,7 +1856,7 @@
           <p:cNvPr id="2" name="제목 1">
             <a:extLst>
               <a:ext uri="{FF2B5EF4-FFF2-40B4-BE49-F238E27FC236}">
-                <a16:creationId xmlns="" xmlns:a16="http://schemas.microsoft.com/office/drawing/2014/main" id="{B04B11D4-3611-61D6-5467-072C8CF789A5}"/>
+                <a16:creationId xmlns:a16="http://schemas.microsoft.com/office/drawing/2014/main" xmlns="" id="{B04B11D4-3611-61D6-5467-072C8CF789A5}"/>
               </a:ext>
             </a:extLst>
           </p:cNvPr>
@@ -1889,7 +1889,7 @@
           <p:cNvPr id="3" name="텍스트 개체 틀 2">
             <a:extLst>
               <a:ext uri="{FF2B5EF4-FFF2-40B4-BE49-F238E27FC236}">
-                <a16:creationId xmlns="" xmlns:a16="http://schemas.microsoft.com/office/drawing/2014/main" id="{CD1B5751-3842-6443-CC8C-32FC46DAA6B4}"/>
+                <a16:creationId xmlns:a16="http://schemas.microsoft.com/office/drawing/2014/main" xmlns="" id="{CD1B5751-3842-6443-CC8C-32FC46DAA6B4}"/>
               </a:ext>
             </a:extLst>
           </p:cNvPr>
@@ -1960,7 +1960,7 @@
           <p:cNvPr id="4" name="내용 개체 틀 3">
             <a:extLst>
               <a:ext uri="{FF2B5EF4-FFF2-40B4-BE49-F238E27FC236}">
-                <a16:creationId xmlns="" xmlns:a16="http://schemas.microsoft.com/office/drawing/2014/main" id="{52AAB91A-8C96-5B49-0AE2-CCAFA98FFEA4}"/>
+                <a16:creationId xmlns:a16="http://schemas.microsoft.com/office/drawing/2014/main" xmlns="" id="{52AAB91A-8C96-5B49-0AE2-CCAFA98FFEA4}"/>
               </a:ext>
             </a:extLst>
           </p:cNvPr>
@@ -2022,7 +2022,7 @@
           <p:cNvPr id="5" name="텍스트 개체 틀 4">
             <a:extLst>
               <a:ext uri="{FF2B5EF4-FFF2-40B4-BE49-F238E27FC236}">
-                <a16:creationId xmlns="" xmlns:a16="http://schemas.microsoft.com/office/drawing/2014/main" id="{18EC570F-2EC3-BA5B-2B61-8701351AEE65}"/>
+                <a16:creationId xmlns:a16="http://schemas.microsoft.com/office/drawing/2014/main" xmlns="" id="{18EC570F-2EC3-BA5B-2B61-8701351AEE65}"/>
               </a:ext>
             </a:extLst>
           </p:cNvPr>
@@ -2093,7 +2093,7 @@
           <p:cNvPr id="6" name="내용 개체 틀 5">
             <a:extLst>
               <a:ext uri="{FF2B5EF4-FFF2-40B4-BE49-F238E27FC236}">
-                <a16:creationId xmlns="" xmlns:a16="http://schemas.microsoft.com/office/drawing/2014/main" id="{87D72C66-37FF-5D37-D8DA-B3F4A01D3F5A}"/>
+                <a16:creationId xmlns:a16="http://schemas.microsoft.com/office/drawing/2014/main" xmlns="" id="{87D72C66-37FF-5D37-D8DA-B3F4A01D3F5A}"/>
               </a:ext>
             </a:extLst>
           </p:cNvPr>
@@ -2155,7 +2155,7 @@
           <p:cNvPr id="7" name="날짜 개체 틀 6">
             <a:extLst>
               <a:ext uri="{FF2B5EF4-FFF2-40B4-BE49-F238E27FC236}">
-                <a16:creationId xmlns="" xmlns:a16="http://schemas.microsoft.com/office/drawing/2014/main" id="{7E79DB17-00E3-CBB2-212E-4E184D7F7E7E}"/>
+                <a16:creationId xmlns:a16="http://schemas.microsoft.com/office/drawing/2014/main" xmlns="" id="{7E79DB17-00E3-CBB2-212E-4E184D7F7E7E}"/>
               </a:ext>
             </a:extLst>
           </p:cNvPr>
@@ -2185,7 +2185,7 @@
           <p:cNvPr id="8" name="바닥글 개체 틀 7">
             <a:extLst>
               <a:ext uri="{FF2B5EF4-FFF2-40B4-BE49-F238E27FC236}">
-                <a16:creationId xmlns="" xmlns:a16="http://schemas.microsoft.com/office/drawing/2014/main" id="{B0C0F0B4-B15D-70B5-4D8F-19A3D100DC9A}"/>
+                <a16:creationId xmlns:a16="http://schemas.microsoft.com/office/drawing/2014/main" xmlns="" id="{B0C0F0B4-B15D-70B5-4D8F-19A3D100DC9A}"/>
               </a:ext>
             </a:extLst>
           </p:cNvPr>
@@ -2210,7 +2210,7 @@
           <p:cNvPr id="9" name="슬라이드 번호 개체 틀 8">
             <a:extLst>
               <a:ext uri="{FF2B5EF4-FFF2-40B4-BE49-F238E27FC236}">
-                <a16:creationId xmlns="" xmlns:a16="http://schemas.microsoft.com/office/drawing/2014/main" id="{ADA8191F-8E35-311A-0ACC-7C51A3782409}"/>
+                <a16:creationId xmlns:a16="http://schemas.microsoft.com/office/drawing/2014/main" xmlns="" id="{ADA8191F-8E35-311A-0ACC-7C51A3782409}"/>
               </a:ext>
             </a:extLst>
           </p:cNvPr>
@@ -2238,7 +2238,7 @@
     </p:spTree>
     <p:extLst>
       <p:ext uri="{BB962C8B-B14F-4D97-AF65-F5344CB8AC3E}">
-        <p14:creationId xmlns="" xmlns:p14="http://schemas.microsoft.com/office/powerpoint/2010/main" val="811000162"/>
+        <p14:creationId xmlns:p14="http://schemas.microsoft.com/office/powerpoint/2010/main" xmlns="" val="811000162"/>
       </p:ext>
     </p:extLst>
   </p:cSld>
@@ -2270,7 +2270,7 @@
           <p:cNvPr id="2" name="제목 1">
             <a:extLst>
               <a:ext uri="{FF2B5EF4-FFF2-40B4-BE49-F238E27FC236}">
-                <a16:creationId xmlns="" xmlns:a16="http://schemas.microsoft.com/office/drawing/2014/main" id="{36C14434-86EA-5F4D-DB5E-94C503F4A434}"/>
+                <a16:creationId xmlns:a16="http://schemas.microsoft.com/office/drawing/2014/main" xmlns="" id="{36C14434-86EA-5F4D-DB5E-94C503F4A434}"/>
               </a:ext>
             </a:extLst>
           </p:cNvPr>
@@ -2298,7 +2298,7 @@
           <p:cNvPr id="3" name="날짜 개체 틀 2">
             <a:extLst>
               <a:ext uri="{FF2B5EF4-FFF2-40B4-BE49-F238E27FC236}">
-                <a16:creationId xmlns="" xmlns:a16="http://schemas.microsoft.com/office/drawing/2014/main" id="{674701CB-78BD-8716-9B8E-9C655D983DB0}"/>
+                <a16:creationId xmlns:a16="http://schemas.microsoft.com/office/drawing/2014/main" xmlns="" id="{674701CB-78BD-8716-9B8E-9C655D983DB0}"/>
               </a:ext>
             </a:extLst>
           </p:cNvPr>
@@ -2328,7 +2328,7 @@
           <p:cNvPr id="4" name="바닥글 개체 틀 3">
             <a:extLst>
               <a:ext uri="{FF2B5EF4-FFF2-40B4-BE49-F238E27FC236}">
-                <a16:creationId xmlns="" xmlns:a16="http://schemas.microsoft.com/office/drawing/2014/main" id="{952565ED-13CF-5451-6FBE-204E065BC59D}"/>
+                <a16:creationId xmlns:a16="http://schemas.microsoft.com/office/drawing/2014/main" xmlns="" id="{952565ED-13CF-5451-6FBE-204E065BC59D}"/>
               </a:ext>
             </a:extLst>
           </p:cNvPr>
@@ -2353,7 +2353,7 @@
           <p:cNvPr id="5" name="슬라이드 번호 개체 틀 4">
             <a:extLst>
               <a:ext uri="{FF2B5EF4-FFF2-40B4-BE49-F238E27FC236}">
-                <a16:creationId xmlns="" xmlns:a16="http://schemas.microsoft.com/office/drawing/2014/main" id="{2ABA4CA3-8260-23C9-B14D-2820F6E170A0}"/>
+                <a16:creationId xmlns:a16="http://schemas.microsoft.com/office/drawing/2014/main" xmlns="" id="{2ABA4CA3-8260-23C9-B14D-2820F6E170A0}"/>
               </a:ext>
             </a:extLst>
           </p:cNvPr>
@@ -2381,7 +2381,7 @@
     </p:spTree>
     <p:extLst>
       <p:ext uri="{BB962C8B-B14F-4D97-AF65-F5344CB8AC3E}">
-        <p14:creationId xmlns="" xmlns:p14="http://schemas.microsoft.com/office/powerpoint/2010/main" val="1693013196"/>
+        <p14:creationId xmlns:p14="http://schemas.microsoft.com/office/powerpoint/2010/main" xmlns="" val="1693013196"/>
       </p:ext>
     </p:extLst>
   </p:cSld>
@@ -2413,7 +2413,7 @@
           <p:cNvPr id="2" name="날짜 개체 틀 1">
             <a:extLst>
               <a:ext uri="{FF2B5EF4-FFF2-40B4-BE49-F238E27FC236}">
-                <a16:creationId xmlns="" xmlns:a16="http://schemas.microsoft.com/office/drawing/2014/main" id="{BD9201A1-5D41-A577-3DCD-550551029A7A}"/>
+                <a16:creationId xmlns:a16="http://schemas.microsoft.com/office/drawing/2014/main" xmlns="" id="{BD9201A1-5D41-A577-3DCD-550551029A7A}"/>
               </a:ext>
             </a:extLst>
           </p:cNvPr>
@@ -2443,7 +2443,7 @@
           <p:cNvPr id="3" name="바닥글 개체 틀 2">
             <a:extLst>
               <a:ext uri="{FF2B5EF4-FFF2-40B4-BE49-F238E27FC236}">
-                <a16:creationId xmlns="" xmlns:a16="http://schemas.microsoft.com/office/drawing/2014/main" id="{D0B7C009-AC52-2E17-DB36-213CA106B326}"/>
+                <a16:creationId xmlns:a16="http://schemas.microsoft.com/office/drawing/2014/main" xmlns="" id="{D0B7C009-AC52-2E17-DB36-213CA106B326}"/>
               </a:ext>
             </a:extLst>
           </p:cNvPr>
@@ -2468,7 +2468,7 @@
           <p:cNvPr id="4" name="슬라이드 번호 개체 틀 3">
             <a:extLst>
               <a:ext uri="{FF2B5EF4-FFF2-40B4-BE49-F238E27FC236}">
-                <a16:creationId xmlns="" xmlns:a16="http://schemas.microsoft.com/office/drawing/2014/main" id="{C197DDDA-5FB7-20DE-6893-D7B2481933B0}"/>
+                <a16:creationId xmlns:a16="http://schemas.microsoft.com/office/drawing/2014/main" xmlns="" id="{C197DDDA-5FB7-20DE-6893-D7B2481933B0}"/>
               </a:ext>
             </a:extLst>
           </p:cNvPr>
@@ -2496,7 +2496,7 @@
     </p:spTree>
     <p:extLst>
       <p:ext uri="{BB962C8B-B14F-4D97-AF65-F5344CB8AC3E}">
-        <p14:creationId xmlns="" xmlns:p14="http://schemas.microsoft.com/office/powerpoint/2010/main" val="1519683298"/>
+        <p14:creationId xmlns:p14="http://schemas.microsoft.com/office/powerpoint/2010/main" xmlns="" val="1519683298"/>
       </p:ext>
     </p:extLst>
   </p:cSld>
@@ -2505,7 +2505,7 @@
   </p:clrMapOvr>
   <p:extLst mod="1">
     <p:ext uri="{DCECCB84-F9BA-43D5-87BE-67443E8EF086}">
-      <p15:sldGuideLst xmlns="" xmlns:p15="http://schemas.microsoft.com/office/powerpoint/2012/main">
+      <p15:sldGuideLst xmlns:p15="http://schemas.microsoft.com/office/powerpoint/2012/main" xmlns="">
         <p15:guide id="1" orient="horz" pos="2160" userDrawn="1">
           <p15:clr>
             <a:srgbClr val="FBAE40"/>
@@ -2544,7 +2544,7 @@
           <p:cNvPr id="5" name="TextBox 4">
             <a:extLst>
               <a:ext uri="{FF2B5EF4-FFF2-40B4-BE49-F238E27FC236}">
-                <a16:creationId xmlns="" xmlns:a16="http://schemas.microsoft.com/office/drawing/2014/main" id="{0569EA3E-9787-6A4F-6F0B-F6ADC809FB9C}"/>
+                <a16:creationId xmlns:a16="http://schemas.microsoft.com/office/drawing/2014/main" xmlns="" id="{0569EA3E-9787-6A4F-6F0B-F6ADC809FB9C}"/>
               </a:ext>
             </a:extLst>
           </p:cNvPr>
@@ -2633,7 +2633,7 @@
           <p:cNvPr id="2" name="날짜 개체 틀 1">
             <a:extLst>
               <a:ext uri="{FF2B5EF4-FFF2-40B4-BE49-F238E27FC236}">
-                <a16:creationId xmlns="" xmlns:a16="http://schemas.microsoft.com/office/drawing/2014/main" id="{BD9201A1-5D41-A577-3DCD-550551029A7A}"/>
+                <a16:creationId xmlns:a16="http://schemas.microsoft.com/office/drawing/2014/main" xmlns="" id="{BD9201A1-5D41-A577-3DCD-550551029A7A}"/>
               </a:ext>
             </a:extLst>
           </p:cNvPr>
@@ -2663,7 +2663,7 @@
           <p:cNvPr id="3" name="바닥글 개체 틀 2">
             <a:extLst>
               <a:ext uri="{FF2B5EF4-FFF2-40B4-BE49-F238E27FC236}">
-                <a16:creationId xmlns="" xmlns:a16="http://schemas.microsoft.com/office/drawing/2014/main" id="{D0B7C009-AC52-2E17-DB36-213CA106B326}"/>
+                <a16:creationId xmlns:a16="http://schemas.microsoft.com/office/drawing/2014/main" xmlns="" id="{D0B7C009-AC52-2E17-DB36-213CA106B326}"/>
               </a:ext>
             </a:extLst>
           </p:cNvPr>
@@ -2688,7 +2688,7 @@
           <p:cNvPr id="4" name="슬라이드 번호 개체 틀 3">
             <a:extLst>
               <a:ext uri="{FF2B5EF4-FFF2-40B4-BE49-F238E27FC236}">
-                <a16:creationId xmlns="" xmlns:a16="http://schemas.microsoft.com/office/drawing/2014/main" id="{C197DDDA-5FB7-20DE-6893-D7B2481933B0}"/>
+                <a16:creationId xmlns:a16="http://schemas.microsoft.com/office/drawing/2014/main" xmlns="" id="{C197DDDA-5FB7-20DE-6893-D7B2481933B0}"/>
               </a:ext>
             </a:extLst>
           </p:cNvPr>
@@ -2716,7 +2716,7 @@
     </p:spTree>
     <p:extLst>
       <p:ext uri="{BB962C8B-B14F-4D97-AF65-F5344CB8AC3E}">
-        <p14:creationId xmlns="" xmlns:p14="http://schemas.microsoft.com/office/powerpoint/2010/main" val="2795873190"/>
+        <p14:creationId xmlns:p14="http://schemas.microsoft.com/office/powerpoint/2010/main" xmlns="" val="2795873190"/>
       </p:ext>
     </p:extLst>
   </p:cSld>
@@ -2725,7 +2725,7 @@
   </p:clrMapOvr>
   <p:extLst>
     <p:ext uri="{DCECCB84-F9BA-43D5-87BE-67443E8EF086}">
-      <p15:sldGuideLst xmlns="" xmlns:p15="http://schemas.microsoft.com/office/powerpoint/2012/main">
+      <p15:sldGuideLst xmlns:p15="http://schemas.microsoft.com/office/powerpoint/2012/main" xmlns="">
         <p15:guide id="1" orient="horz" pos="2160" userDrawn="1">
           <p15:clr>
             <a:srgbClr val="FBAE40"/>
@@ -2764,7 +2764,7 @@
           <p:cNvPr id="2" name="제목 1">
             <a:extLst>
               <a:ext uri="{FF2B5EF4-FFF2-40B4-BE49-F238E27FC236}">
-                <a16:creationId xmlns="" xmlns:a16="http://schemas.microsoft.com/office/drawing/2014/main" id="{B3C59282-6318-1FDD-1EC2-338E85681B4F}"/>
+                <a16:creationId xmlns:a16="http://schemas.microsoft.com/office/drawing/2014/main" xmlns="" id="{B3C59282-6318-1FDD-1EC2-338E85681B4F}"/>
               </a:ext>
             </a:extLst>
           </p:cNvPr>
@@ -2801,7 +2801,7 @@
           <p:cNvPr id="3" name="내용 개체 틀 2">
             <a:extLst>
               <a:ext uri="{FF2B5EF4-FFF2-40B4-BE49-F238E27FC236}">
-                <a16:creationId xmlns="" xmlns:a16="http://schemas.microsoft.com/office/drawing/2014/main" id="{DE80E4C4-FFA8-A132-883C-2FFDEB6BCA2D}"/>
+                <a16:creationId xmlns:a16="http://schemas.microsoft.com/office/drawing/2014/main" xmlns="" id="{DE80E4C4-FFA8-A132-883C-2FFDEB6BCA2D}"/>
               </a:ext>
             </a:extLst>
           </p:cNvPr>
@@ -2891,7 +2891,7 @@
           <p:cNvPr id="4" name="텍스트 개체 틀 3">
             <a:extLst>
               <a:ext uri="{FF2B5EF4-FFF2-40B4-BE49-F238E27FC236}">
-                <a16:creationId xmlns="" xmlns:a16="http://schemas.microsoft.com/office/drawing/2014/main" id="{68DAD9D8-45F8-071D-F97E-250AA36FE40C}"/>
+                <a16:creationId xmlns:a16="http://schemas.microsoft.com/office/drawing/2014/main" xmlns="" id="{68DAD9D8-45F8-071D-F97E-250AA36FE40C}"/>
               </a:ext>
             </a:extLst>
           </p:cNvPr>
@@ -2962,7 +2962,7 @@
           <p:cNvPr id="5" name="날짜 개체 틀 4">
             <a:extLst>
               <a:ext uri="{FF2B5EF4-FFF2-40B4-BE49-F238E27FC236}">
-                <a16:creationId xmlns="" xmlns:a16="http://schemas.microsoft.com/office/drawing/2014/main" id="{1D62BE8C-4F48-C745-0FF2-FEB9C3CD3E35}"/>
+                <a16:creationId xmlns:a16="http://schemas.microsoft.com/office/drawing/2014/main" xmlns="" id="{1D62BE8C-4F48-C745-0FF2-FEB9C3CD3E35}"/>
               </a:ext>
             </a:extLst>
           </p:cNvPr>
@@ -2992,7 +2992,7 @@
           <p:cNvPr id="6" name="바닥글 개체 틀 5">
             <a:extLst>
               <a:ext uri="{FF2B5EF4-FFF2-40B4-BE49-F238E27FC236}">
-                <a16:creationId xmlns="" xmlns:a16="http://schemas.microsoft.com/office/drawing/2014/main" id="{C0D7D53F-2E5E-FCE0-7FAB-0EF17EE23DCF}"/>
+                <a16:creationId xmlns:a16="http://schemas.microsoft.com/office/drawing/2014/main" xmlns="" id="{C0D7D53F-2E5E-FCE0-7FAB-0EF17EE23DCF}"/>
               </a:ext>
             </a:extLst>
           </p:cNvPr>
@@ -3017,7 +3017,7 @@
           <p:cNvPr id="7" name="슬라이드 번호 개체 틀 6">
             <a:extLst>
               <a:ext uri="{FF2B5EF4-FFF2-40B4-BE49-F238E27FC236}">
-                <a16:creationId xmlns="" xmlns:a16="http://schemas.microsoft.com/office/drawing/2014/main" id="{D2EF84C0-2B17-AD6D-5DBB-098367179837}"/>
+                <a16:creationId xmlns:a16="http://schemas.microsoft.com/office/drawing/2014/main" xmlns="" id="{D2EF84C0-2B17-AD6D-5DBB-098367179837}"/>
               </a:ext>
             </a:extLst>
           </p:cNvPr>
@@ -3045,7 +3045,7 @@
     </p:spTree>
     <p:extLst>
       <p:ext uri="{BB962C8B-B14F-4D97-AF65-F5344CB8AC3E}">
-        <p14:creationId xmlns="" xmlns:p14="http://schemas.microsoft.com/office/powerpoint/2010/main" val="473484116"/>
+        <p14:creationId xmlns:p14="http://schemas.microsoft.com/office/powerpoint/2010/main" xmlns="" val="473484116"/>
       </p:ext>
     </p:extLst>
   </p:cSld>
@@ -3082,7 +3082,7 @@
           <p:cNvPr id="2" name="제목 개체 틀 1">
             <a:extLst>
               <a:ext uri="{FF2B5EF4-FFF2-40B4-BE49-F238E27FC236}">
-                <a16:creationId xmlns="" xmlns:a16="http://schemas.microsoft.com/office/drawing/2014/main" id="{C94AD12C-E34C-2CFC-6012-AA49B50D9762}"/>
+                <a16:creationId xmlns:a16="http://schemas.microsoft.com/office/drawing/2014/main" xmlns="" id="{C94AD12C-E34C-2CFC-6012-AA49B50D9762}"/>
               </a:ext>
             </a:extLst>
           </p:cNvPr>
@@ -3120,7 +3120,7 @@
           <p:cNvPr id="3" name="텍스트 개체 틀 2">
             <a:extLst>
               <a:ext uri="{FF2B5EF4-FFF2-40B4-BE49-F238E27FC236}">
-                <a16:creationId xmlns="" xmlns:a16="http://schemas.microsoft.com/office/drawing/2014/main" id="{B896D85B-6C15-7A9B-0C6D-8F0FF9582A3F}"/>
+                <a16:creationId xmlns:a16="http://schemas.microsoft.com/office/drawing/2014/main" xmlns="" id="{B896D85B-6C15-7A9B-0C6D-8F0FF9582A3F}"/>
               </a:ext>
             </a:extLst>
           </p:cNvPr>
@@ -3187,7 +3187,7 @@
           <p:cNvPr id="4" name="날짜 개체 틀 3">
             <a:extLst>
               <a:ext uri="{FF2B5EF4-FFF2-40B4-BE49-F238E27FC236}">
-                <a16:creationId xmlns="" xmlns:a16="http://schemas.microsoft.com/office/drawing/2014/main" id="{C6374A3F-C782-2EDE-055B-98C8434A06C6}"/>
+                <a16:creationId xmlns:a16="http://schemas.microsoft.com/office/drawing/2014/main" xmlns="" id="{C6374A3F-C782-2EDE-055B-98C8434A06C6}"/>
               </a:ext>
             </a:extLst>
           </p:cNvPr>
@@ -3235,7 +3235,7 @@
           <p:cNvPr id="5" name="바닥글 개체 틀 4">
             <a:extLst>
               <a:ext uri="{FF2B5EF4-FFF2-40B4-BE49-F238E27FC236}">
-                <a16:creationId xmlns="" xmlns:a16="http://schemas.microsoft.com/office/drawing/2014/main" id="{5249CC79-1BD6-A4E8-EA80-D5EE06E7BE5A}"/>
+                <a16:creationId xmlns:a16="http://schemas.microsoft.com/office/drawing/2014/main" xmlns="" id="{5249CC79-1BD6-A4E8-EA80-D5EE06E7BE5A}"/>
               </a:ext>
             </a:extLst>
           </p:cNvPr>
@@ -3278,7 +3278,7 @@
           <p:cNvPr id="6" name="슬라이드 번호 개체 틀 5">
             <a:extLst>
               <a:ext uri="{FF2B5EF4-FFF2-40B4-BE49-F238E27FC236}">
-                <a16:creationId xmlns="" xmlns:a16="http://schemas.microsoft.com/office/drawing/2014/main" id="{668DA7DB-5A38-8891-D878-570510BCBC1C}"/>
+                <a16:creationId xmlns:a16="http://schemas.microsoft.com/office/drawing/2014/main" xmlns="" id="{668DA7DB-5A38-8891-D878-570510BCBC1C}"/>
               </a:ext>
             </a:extLst>
           </p:cNvPr>
@@ -3324,7 +3324,7 @@
     </p:spTree>
     <p:extLst>
       <p:ext uri="{BB962C8B-B14F-4D97-AF65-F5344CB8AC3E}">
-        <p14:creationId xmlns="" xmlns:p14="http://schemas.microsoft.com/office/powerpoint/2010/main" val="388159306"/>
+        <p14:creationId xmlns:p14="http://schemas.microsoft.com/office/powerpoint/2010/main" xmlns="" val="388159306"/>
       </p:ext>
     </p:extLst>
   </p:cSld>
@@ -3648,7 +3648,7 @@
           <p:cNvPr id="3" name="그림 2">
             <a:extLst>
               <a:ext uri="{FF2B5EF4-FFF2-40B4-BE49-F238E27FC236}">
-                <a16:creationId xmlns="" xmlns:a16="http://schemas.microsoft.com/office/drawing/2014/main" id="{C3FA9500-EA3E-B795-B595-3B7201544120}"/>
+                <a16:creationId xmlns:a16="http://schemas.microsoft.com/office/drawing/2014/main" xmlns="" id="{C3FA9500-EA3E-B795-B595-3B7201544120}"/>
               </a:ext>
             </a:extLst>
           </p:cNvPr>
@@ -3661,7 +3661,7 @@
           <a:blip r:embed="rId2" cstate="screen">
             <a:extLst>
               <a:ext uri="{28A0092B-C50C-407E-A947-70E740481C1C}">
-                <a14:useLocalDpi xmlns="" xmlns:a14="http://schemas.microsoft.com/office/drawing/2010/main" val="0"/>
+                <a14:useLocalDpi xmlns:a14="http://schemas.microsoft.com/office/drawing/2010/main" xmlns="" val="0"/>
               </a:ext>
             </a:extLst>
           </a:blip>
@@ -3683,7 +3683,7 @@
           <p:cNvPr id="17" name="그룹 16">
             <a:extLst>
               <a:ext uri="{FF2B5EF4-FFF2-40B4-BE49-F238E27FC236}">
-                <a16:creationId xmlns="" xmlns:a16="http://schemas.microsoft.com/office/drawing/2014/main" id="{3F33F6C4-6B8E-C891-642C-0B19DC3BC471}"/>
+                <a16:creationId xmlns:a16="http://schemas.microsoft.com/office/drawing/2014/main" xmlns="" id="{3F33F6C4-6B8E-C891-642C-0B19DC3BC471}"/>
               </a:ext>
             </a:extLst>
           </p:cNvPr>
@@ -3703,7 +3703,7 @@
             <p:cNvPr id="13" name="타원 12">
               <a:extLst>
                 <a:ext uri="{FF2B5EF4-FFF2-40B4-BE49-F238E27FC236}">
-                  <a16:creationId xmlns="" xmlns:a16="http://schemas.microsoft.com/office/drawing/2014/main" id="{463D27EF-8904-9836-43AC-6F29128F1866}"/>
+                  <a16:creationId xmlns:a16="http://schemas.microsoft.com/office/drawing/2014/main" xmlns="" id="{463D27EF-8904-9836-43AC-6F29128F1866}"/>
                 </a:ext>
               </a:extLst>
             </p:cNvPr>
@@ -3942,7 +3942,7 @@
             <p:cNvPr id="12" name="TextBox 11">
               <a:extLst>
                 <a:ext uri="{FF2B5EF4-FFF2-40B4-BE49-F238E27FC236}">
-                  <a16:creationId xmlns="" xmlns:a16="http://schemas.microsoft.com/office/drawing/2014/main" id="{BAD5E8FB-4ECB-0FE5-50F2-F9573239F5DA}"/>
+                  <a16:creationId xmlns:a16="http://schemas.microsoft.com/office/drawing/2014/main" xmlns="" id="{BAD5E8FB-4ECB-0FE5-50F2-F9573239F5DA}"/>
                 </a:ext>
               </a:extLst>
             </p:cNvPr>
@@ -3987,7 +3987,7 @@
             <p:cNvPr id="15" name="그래픽 14" descr="가로줄로 채워진 원">
               <a:extLst>
                 <a:ext uri="{FF2B5EF4-FFF2-40B4-BE49-F238E27FC236}">
-                  <a16:creationId xmlns="" xmlns:a16="http://schemas.microsoft.com/office/drawing/2014/main" id="{4ACDD8B4-2ABA-CBFD-B8B9-F72065E54394}"/>
+                  <a16:creationId xmlns:a16="http://schemas.microsoft.com/office/drawing/2014/main" xmlns="" id="{4ACDD8B4-2ABA-CBFD-B8B9-F72065E54394}"/>
                 </a:ext>
               </a:extLst>
             </p:cNvPr>
@@ -4000,10 +4000,10 @@
             <a:blip r:embed="rId3" cstate="screen">
               <a:extLst>
                 <a:ext uri="{28A0092B-C50C-407E-A947-70E740481C1C}">
-                  <a14:useLocalDpi xmlns="" xmlns:a14="http://schemas.microsoft.com/office/drawing/2010/main" val="0"/>
+                  <a14:useLocalDpi xmlns:a14="http://schemas.microsoft.com/office/drawing/2010/main" xmlns="" val="0"/>
                 </a:ext>
                 <a:ext uri="{96DAC541-7B7A-43D3-8B79-37D633B846F1}">
-                  <asvg:svgBlip xmlns="" xmlns:asvg="http://schemas.microsoft.com/office/drawing/2016/SVG/main" r:embed="rId4"/>
+                  <asvg:svgBlip xmlns:asvg="http://schemas.microsoft.com/office/drawing/2016/SVG/main" xmlns="" r:embed="rId4"/>
                 </a:ext>
               </a:extLst>
             </a:blip>
@@ -4026,7 +4026,7 @@
             <p:cNvPr id="16" name="그래픽 15" descr="가로줄로 채워진 원">
               <a:extLst>
                 <a:ext uri="{FF2B5EF4-FFF2-40B4-BE49-F238E27FC236}">
-                  <a16:creationId xmlns="" xmlns:a16="http://schemas.microsoft.com/office/drawing/2014/main" id="{2AFC23EE-49E4-D3E0-AC7B-3DADBE00C9D9}"/>
+                  <a16:creationId xmlns:a16="http://schemas.microsoft.com/office/drawing/2014/main" xmlns="" id="{2AFC23EE-49E4-D3E0-AC7B-3DADBE00C9D9}"/>
                 </a:ext>
               </a:extLst>
             </p:cNvPr>
@@ -4039,10 +4039,10 @@
             <a:blip r:embed="rId5" cstate="screen">
               <a:extLst>
                 <a:ext uri="{28A0092B-C50C-407E-A947-70E740481C1C}">
-                  <a14:useLocalDpi xmlns="" xmlns:a14="http://schemas.microsoft.com/office/drawing/2010/main" val="0"/>
+                  <a14:useLocalDpi xmlns:a14="http://schemas.microsoft.com/office/drawing/2010/main" xmlns="" val="0"/>
                 </a:ext>
                 <a:ext uri="{96DAC541-7B7A-43D3-8B79-37D633B846F1}">
-                  <asvg:svgBlip xmlns="" xmlns:asvg="http://schemas.microsoft.com/office/drawing/2016/SVG/main" r:embed="rId4"/>
+                  <asvg:svgBlip xmlns:asvg="http://schemas.microsoft.com/office/drawing/2016/SVG/main" xmlns="" r:embed="rId4"/>
                 </a:ext>
               </a:extLst>
             </a:blip>
@@ -4066,7 +4066,7 @@
           <p:cNvPr id="19" name="직선 연결선 18">
             <a:extLst>
               <a:ext uri="{FF2B5EF4-FFF2-40B4-BE49-F238E27FC236}">
-                <a16:creationId xmlns="" xmlns:a16="http://schemas.microsoft.com/office/drawing/2014/main" id="{1E728352-64C4-EA6C-25AD-65AC25FFE18B}"/>
+                <a16:creationId xmlns:a16="http://schemas.microsoft.com/office/drawing/2014/main" xmlns="" id="{1E728352-64C4-EA6C-25AD-65AC25FFE18B}"/>
               </a:ext>
             </a:extLst>
           </p:cNvPr>
@@ -4109,7 +4109,7 @@
           <p:cNvPr id="21" name="TextBox 20">
             <a:extLst>
               <a:ext uri="{FF2B5EF4-FFF2-40B4-BE49-F238E27FC236}">
-                <a16:creationId xmlns="" xmlns:a16="http://schemas.microsoft.com/office/drawing/2014/main" id="{53EF0C5F-A466-A7E1-87E4-1DB43FA3990D}"/>
+                <a16:creationId xmlns:a16="http://schemas.microsoft.com/office/drawing/2014/main" xmlns="" id="{53EF0C5F-A466-A7E1-87E4-1DB43FA3990D}"/>
               </a:ext>
             </a:extLst>
           </p:cNvPr>
@@ -4148,7 +4148,7 @@
           <p:cNvPr id="22" name="TextBox 21">
             <a:extLst>
               <a:ext uri="{FF2B5EF4-FFF2-40B4-BE49-F238E27FC236}">
-                <a16:creationId xmlns="" xmlns:a16="http://schemas.microsoft.com/office/drawing/2014/main" id="{D2C23AC2-38BE-535F-431B-4442BB7ABF4B}"/>
+                <a16:creationId xmlns:a16="http://schemas.microsoft.com/office/drawing/2014/main" xmlns="" id="{D2C23AC2-38BE-535F-431B-4442BB7ABF4B}"/>
               </a:ext>
             </a:extLst>
           </p:cNvPr>
@@ -4191,7 +4191,7 @@
     </p:spTree>
     <p:extLst>
       <p:ext uri="{BB962C8B-B14F-4D97-AF65-F5344CB8AC3E}">
-        <p14:creationId xmlns="" xmlns:p14="http://schemas.microsoft.com/office/powerpoint/2010/main" val="301099232"/>
+        <p14:creationId xmlns:p14="http://schemas.microsoft.com/office/powerpoint/2010/main" xmlns="" val="301099232"/>
       </p:ext>
     </p:extLst>
   </p:cSld>
@@ -4199,7 +4199,7 @@
     <a:masterClrMapping/>
   </p:clrMapOvr>
   <mc:AlternateContent xmlns:mc="http://schemas.openxmlformats.org/markup-compatibility/2006">
-    <mc:Choice xmlns="" xmlns:p14="http://schemas.microsoft.com/office/powerpoint/2010/main" Requires="p14">
+    <mc:Choice xmlns:p14="http://schemas.microsoft.com/office/powerpoint/2010/main" xmlns="" Requires="p14">
       <p:transition spd="med" p14:dur="700">
         <p:fade/>
       </p:transition>
@@ -4235,7 +4235,7 @@
           <p:cNvPr id="2" name="직사각형 1">
             <a:extLst>
               <a:ext uri="{FF2B5EF4-FFF2-40B4-BE49-F238E27FC236}">
-                <a16:creationId xmlns:a16="http://schemas.microsoft.com/office/drawing/2014/main" xmlns="" id="{5B745BF1-E258-4F57-8959-96BA37268667}"/>
+                <a16:creationId xmlns="" xmlns:a16="http://schemas.microsoft.com/office/drawing/2014/main" id="{5B745BF1-E258-4F57-8959-96BA37268667}"/>
               </a:ext>
             </a:extLst>
           </p:cNvPr>
@@ -4295,7 +4295,7 @@
           <p:cNvPr id="12" name="직사각형 11">
             <a:extLst>
               <a:ext uri="{FF2B5EF4-FFF2-40B4-BE49-F238E27FC236}">
-                <a16:creationId xmlns:a16="http://schemas.microsoft.com/office/drawing/2014/main" xmlns="" id="{EF2063EC-5C64-4CDD-80D8-A28E4D41C7AD}"/>
+                <a16:creationId xmlns="" xmlns:a16="http://schemas.microsoft.com/office/drawing/2014/main" id="{EF2063EC-5C64-4CDD-80D8-A28E4D41C7AD}"/>
               </a:ext>
             </a:extLst>
           </p:cNvPr>
@@ -4347,7 +4347,7 @@
           <p:cNvPr id="8" name="TextBox 7">
             <a:extLst>
               <a:ext uri="{FF2B5EF4-FFF2-40B4-BE49-F238E27FC236}">
-                <a16:creationId xmlns:a16="http://schemas.microsoft.com/office/drawing/2014/main" xmlns="" id="{D7FA6B07-9DE8-417B-9929-FD64FAE65C5D}"/>
+                <a16:creationId xmlns="" xmlns:a16="http://schemas.microsoft.com/office/drawing/2014/main" id="{D7FA6B07-9DE8-417B-9929-FD64FAE65C5D}"/>
               </a:ext>
             </a:extLst>
           </p:cNvPr>
@@ -4383,7 +4383,7 @@
           <p:cNvPr id="11" name="사각형: 둥근 위쪽 모서리 1">
             <a:extLst>
               <a:ext uri="{FF2B5EF4-FFF2-40B4-BE49-F238E27FC236}">
-                <a16:creationId xmlns="" xmlns:a16="http://schemas.microsoft.com/office/drawing/2014/main" id="{72AD9708-7184-D0D2-8447-0FC756BFA607}"/>
+                <a16:creationId xmlns:a16="http://schemas.microsoft.com/office/drawing/2014/main" xmlns="" id="{72AD9708-7184-D0D2-8447-0FC756BFA607}"/>
               </a:ext>
             </a:extLst>
           </p:cNvPr>
@@ -4435,7 +4435,7 @@
           <p:cNvPr id="13" name="TextBox 12">
             <a:extLst>
               <a:ext uri="{FF2B5EF4-FFF2-40B4-BE49-F238E27FC236}">
-                <a16:creationId xmlns="" xmlns:a16="http://schemas.microsoft.com/office/drawing/2014/main" id="{C8C11F40-27D1-5395-3684-92A7CD1FC542}"/>
+                <a16:creationId xmlns:a16="http://schemas.microsoft.com/office/drawing/2014/main" xmlns="" id="{C8C11F40-27D1-5395-3684-92A7CD1FC542}"/>
               </a:ext>
             </a:extLst>
           </p:cNvPr>
@@ -4503,7 +4503,7 @@
           <p:cNvPr id="14" name="TextBox 13">
             <a:extLst>
               <a:ext uri="{FF2B5EF4-FFF2-40B4-BE49-F238E27FC236}">
-                <a16:creationId xmlns="" xmlns:a16="http://schemas.microsoft.com/office/drawing/2014/main" id="{7C2D047E-1061-5FD3-12F9-1D2A82F1D472}"/>
+                <a16:creationId xmlns:a16="http://schemas.microsoft.com/office/drawing/2014/main" xmlns="" id="{7C2D047E-1061-5FD3-12F9-1D2A82F1D472}"/>
               </a:ext>
             </a:extLst>
           </p:cNvPr>
@@ -4564,7 +4564,7 @@
           <p:cNvPr id="16" name="TextBox 15">
             <a:extLst>
               <a:ext uri="{FF2B5EF4-FFF2-40B4-BE49-F238E27FC236}">
-                <a16:creationId xmlns="" xmlns:a16="http://schemas.microsoft.com/office/drawing/2014/main" id="{46917226-5A41-A010-242B-90432022EB60}"/>
+                <a16:creationId xmlns:a16="http://schemas.microsoft.com/office/drawing/2014/main" xmlns="" id="{46917226-5A41-A010-242B-90432022EB60}"/>
               </a:ext>
             </a:extLst>
           </p:cNvPr>
@@ -4617,7 +4617,7 @@
           <p:cNvPr id="17" name="TextBox 16">
             <a:extLst>
               <a:ext uri="{FF2B5EF4-FFF2-40B4-BE49-F238E27FC236}">
-                <a16:creationId xmlns:a16="http://schemas.microsoft.com/office/drawing/2014/main" xmlns="" id="{D7FA6B07-9DE8-417B-9929-FD64FAE65C5D}"/>
+                <a16:creationId xmlns="" xmlns:a16="http://schemas.microsoft.com/office/drawing/2014/main" id="{D7FA6B07-9DE8-417B-9929-FD64FAE65C5D}"/>
               </a:ext>
             </a:extLst>
           </p:cNvPr>
@@ -4656,7 +4656,7 @@
           <p:cNvPr id="18" name="TextBox 17">
             <a:extLst>
               <a:ext uri="{FF2B5EF4-FFF2-40B4-BE49-F238E27FC236}">
-                <a16:creationId xmlns:a16="http://schemas.microsoft.com/office/drawing/2014/main" xmlns="" id="{D7FA6B07-9DE8-417B-9929-FD64FAE65C5D}"/>
+                <a16:creationId xmlns="" xmlns:a16="http://schemas.microsoft.com/office/drawing/2014/main" id="{D7FA6B07-9DE8-417B-9929-FD64FAE65C5D}"/>
               </a:ext>
             </a:extLst>
           </p:cNvPr>
@@ -4695,7 +4695,7 @@
           <p:cNvPr id="19" name="TextBox 18">
             <a:extLst>
               <a:ext uri="{FF2B5EF4-FFF2-40B4-BE49-F238E27FC236}">
-                <a16:creationId xmlns="" xmlns:a16="http://schemas.microsoft.com/office/drawing/2014/main" id="{36B48812-6320-5617-7B1E-780BA099D7CB}"/>
+                <a16:creationId xmlns:a16="http://schemas.microsoft.com/office/drawing/2014/main" xmlns="" id="{36B48812-6320-5617-7B1E-780BA099D7CB}"/>
               </a:ext>
             </a:extLst>
           </p:cNvPr>
@@ -4781,7 +4781,7 @@
           <p:cNvPr id="20" name="TextBox 19">
             <a:extLst>
               <a:ext uri="{FF2B5EF4-FFF2-40B4-BE49-F238E27FC236}">
-                <a16:creationId xmlns="" xmlns:a16="http://schemas.microsoft.com/office/drawing/2014/main" id="{36B48812-6320-5617-7B1E-780BA099D7CB}"/>
+                <a16:creationId xmlns:a16="http://schemas.microsoft.com/office/drawing/2014/main" xmlns="" id="{36B48812-6320-5617-7B1E-780BA099D7CB}"/>
               </a:ext>
             </a:extLst>
           </p:cNvPr>
@@ -4889,7 +4889,7 @@
     </p:spTree>
     <p:extLst>
       <p:ext uri="{BB962C8B-B14F-4D97-AF65-F5344CB8AC3E}">
-        <p14:creationId xmlns:p14="http://schemas.microsoft.com/office/powerpoint/2010/main" xmlns="" val="1125010594"/>
+        <p14:creationId xmlns="" xmlns:p14="http://schemas.microsoft.com/office/powerpoint/2010/main" val="1125010594"/>
       </p:ext>
     </p:extLst>
   </p:cSld>
@@ -4897,7 +4897,7 @@
     <a:masterClrMapping/>
   </p:clrMapOvr>
   <mc:AlternateContent xmlns:mc="http://schemas.openxmlformats.org/markup-compatibility/2006">
-    <mc:Choice xmlns:p14="http://schemas.microsoft.com/office/powerpoint/2010/main" xmlns="" Requires="p14">
+    <mc:Choice xmlns="" xmlns:p14="http://schemas.microsoft.com/office/powerpoint/2010/main" Requires="p14">
       <p:transition spd="med" p14:dur="700">
         <p:fade/>
       </p:transition>
@@ -4933,7 +4933,7 @@
           <p:cNvPr id="3" name="그림 2" descr="실내, 벽, 욕실, 바둑판식이(가) 표시된 사진&#10;&#10;자동 생성된 설명">
             <a:extLst>
               <a:ext uri="{FF2B5EF4-FFF2-40B4-BE49-F238E27FC236}">
-                <a16:creationId xmlns="" xmlns:a16="http://schemas.microsoft.com/office/drawing/2014/main" id="{FCF8EEB9-6C36-D678-969B-95008B5C24A3}"/>
+                <a16:creationId xmlns:a16="http://schemas.microsoft.com/office/drawing/2014/main" xmlns="" id="{FCF8EEB9-6C36-D678-969B-95008B5C24A3}"/>
               </a:ext>
             </a:extLst>
           </p:cNvPr>
@@ -4946,7 +4946,7 @@
           <a:blip r:embed="rId2" cstate="screen">
             <a:extLst>
               <a:ext uri="{28A0092B-C50C-407E-A947-70E740481C1C}">
-                <a14:useLocalDpi xmlns="" xmlns:a14="http://schemas.microsoft.com/office/drawing/2010/main" val="0"/>
+                <a14:useLocalDpi xmlns:a14="http://schemas.microsoft.com/office/drawing/2010/main" xmlns="" val="0"/>
               </a:ext>
             </a:extLst>
           </a:blip>
@@ -4968,7 +4968,7 @@
           <p:cNvPr id="4" name="그래픽 3" descr="가로줄로 채워진 원">
             <a:extLst>
               <a:ext uri="{FF2B5EF4-FFF2-40B4-BE49-F238E27FC236}">
-                <a16:creationId xmlns="" xmlns:a16="http://schemas.microsoft.com/office/drawing/2014/main" id="{8D48E086-7ACE-7E17-8A3D-0D67B96B8DE3}"/>
+                <a16:creationId xmlns:a16="http://schemas.microsoft.com/office/drawing/2014/main" xmlns="" id="{8D48E086-7ACE-7E17-8A3D-0D67B96B8DE3}"/>
               </a:ext>
             </a:extLst>
           </p:cNvPr>
@@ -4981,10 +4981,10 @@
           <a:blip r:embed="rId3" cstate="screen">
             <a:extLst>
               <a:ext uri="{28A0092B-C50C-407E-A947-70E740481C1C}">
-                <a14:useLocalDpi xmlns="" xmlns:a14="http://schemas.microsoft.com/office/drawing/2010/main" val="0"/>
+                <a14:useLocalDpi xmlns:a14="http://schemas.microsoft.com/office/drawing/2010/main" xmlns="" val="0"/>
               </a:ext>
               <a:ext uri="{96DAC541-7B7A-43D3-8B79-37D633B846F1}">
-                <asvg:svgBlip xmlns="" xmlns:asvg="http://schemas.microsoft.com/office/drawing/2016/SVG/main" r:embed="rId4"/>
+                <asvg:svgBlip xmlns:asvg="http://schemas.microsoft.com/office/drawing/2016/SVG/main" xmlns="" r:embed="rId4"/>
               </a:ext>
             </a:extLst>
           </a:blip>
@@ -5007,7 +5007,7 @@
           <p:cNvPr id="5" name="그래픽 4" descr="가로줄로 채워진 원">
             <a:extLst>
               <a:ext uri="{FF2B5EF4-FFF2-40B4-BE49-F238E27FC236}">
-                <a16:creationId xmlns="" xmlns:a16="http://schemas.microsoft.com/office/drawing/2014/main" id="{1B34D3BC-DC04-6CA2-035E-D48BBB2CC567}"/>
+                <a16:creationId xmlns:a16="http://schemas.microsoft.com/office/drawing/2014/main" xmlns="" id="{1B34D3BC-DC04-6CA2-035E-D48BBB2CC567}"/>
               </a:ext>
             </a:extLst>
           </p:cNvPr>
@@ -5020,10 +5020,10 @@
           <a:blip r:embed="rId5" cstate="screen">
             <a:extLst>
               <a:ext uri="{28A0092B-C50C-407E-A947-70E740481C1C}">
-                <a14:useLocalDpi xmlns="" xmlns:a14="http://schemas.microsoft.com/office/drawing/2010/main" val="0"/>
+                <a14:useLocalDpi xmlns:a14="http://schemas.microsoft.com/office/drawing/2010/main" xmlns="" val="0"/>
               </a:ext>
               <a:ext uri="{96DAC541-7B7A-43D3-8B79-37D633B846F1}">
-                <asvg:svgBlip xmlns="" xmlns:asvg="http://schemas.microsoft.com/office/drawing/2016/SVG/main" r:embed="rId6"/>
+                <asvg:svgBlip xmlns:asvg="http://schemas.microsoft.com/office/drawing/2016/SVG/main" xmlns="" r:embed="rId6"/>
               </a:ext>
             </a:extLst>
           </a:blip>
@@ -5046,7 +5046,7 @@
           <p:cNvPr id="6" name="그룹 5">
             <a:extLst>
               <a:ext uri="{FF2B5EF4-FFF2-40B4-BE49-F238E27FC236}">
-                <a16:creationId xmlns="" xmlns:a16="http://schemas.microsoft.com/office/drawing/2014/main" id="{D12D8A24-FCC6-A2C8-35F8-5BC534D3372F}"/>
+                <a16:creationId xmlns:a16="http://schemas.microsoft.com/office/drawing/2014/main" xmlns="" id="{D12D8A24-FCC6-A2C8-35F8-5BC534D3372F}"/>
               </a:ext>
             </a:extLst>
           </p:cNvPr>
@@ -5066,7 +5066,7 @@
             <p:cNvPr id="7" name="TextBox 6">
               <a:extLst>
                 <a:ext uri="{FF2B5EF4-FFF2-40B4-BE49-F238E27FC236}">
-                  <a16:creationId xmlns="" xmlns:a16="http://schemas.microsoft.com/office/drawing/2014/main" id="{E8AF2223-683C-C944-F8CA-68539AE3FA54}"/>
+                  <a16:creationId xmlns:a16="http://schemas.microsoft.com/office/drawing/2014/main" xmlns="" id="{E8AF2223-683C-C944-F8CA-68539AE3FA54}"/>
                 </a:ext>
               </a:extLst>
             </p:cNvPr>
@@ -5110,7 +5110,7 @@
             <p:cNvPr id="8" name="TextBox 7">
               <a:extLst>
                 <a:ext uri="{FF2B5EF4-FFF2-40B4-BE49-F238E27FC236}">
-                  <a16:creationId xmlns="" xmlns:a16="http://schemas.microsoft.com/office/drawing/2014/main" id="{AA6C7412-49A8-C898-54B1-A13FDFB7C4C6}"/>
+                  <a16:creationId xmlns:a16="http://schemas.microsoft.com/office/drawing/2014/main" xmlns="" id="{AA6C7412-49A8-C898-54B1-A13FDFB7C4C6}"/>
                 </a:ext>
               </a:extLst>
             </p:cNvPr>
@@ -5161,7 +5161,7 @@
     </p:spTree>
     <p:extLst>
       <p:ext uri="{BB962C8B-B14F-4D97-AF65-F5344CB8AC3E}">
-        <p14:creationId xmlns="" xmlns:p14="http://schemas.microsoft.com/office/powerpoint/2010/main" val="981888483"/>
+        <p14:creationId xmlns:p14="http://schemas.microsoft.com/office/powerpoint/2010/main" xmlns="" val="981888483"/>
       </p:ext>
     </p:extLst>
   </p:cSld>
@@ -5169,7 +5169,7 @@
     <a:masterClrMapping/>
   </p:clrMapOvr>
   <mc:AlternateContent xmlns:mc="http://schemas.openxmlformats.org/markup-compatibility/2006">
-    <mc:Choice xmlns="" xmlns:p14="http://schemas.microsoft.com/office/powerpoint/2010/main" Requires="p14">
+    <mc:Choice xmlns:p14="http://schemas.microsoft.com/office/powerpoint/2010/main" xmlns="" Requires="p14">
       <p:transition spd="med" p14:dur="700">
         <p:fade/>
       </p:transition>
@@ -5205,7 +5205,7 @@
           <p:cNvPr id="6" name="TextBox 5">
             <a:extLst>
               <a:ext uri="{FF2B5EF4-FFF2-40B4-BE49-F238E27FC236}">
-                <a16:creationId xmlns:a16="http://schemas.microsoft.com/office/drawing/2014/main" xmlns="" id="{FE6519DB-A69A-7603-5B35-0E36F6ACAE65}"/>
+                <a16:creationId xmlns="" xmlns:a16="http://schemas.microsoft.com/office/drawing/2014/main" id="{FE6519DB-A69A-7603-5B35-0E36F6ACAE65}"/>
               </a:ext>
             </a:extLst>
           </p:cNvPr>
@@ -5258,7 +5258,7 @@
           <p:cNvPr id="7" name="사각형: 둥근 위쪽 모서리 1">
             <a:extLst>
               <a:ext uri="{FF2B5EF4-FFF2-40B4-BE49-F238E27FC236}">
-                <a16:creationId xmlns="" xmlns:a16="http://schemas.microsoft.com/office/drawing/2014/main" id="{72AD9708-7184-D0D2-8447-0FC756BFA607}"/>
+                <a16:creationId xmlns:a16="http://schemas.microsoft.com/office/drawing/2014/main" xmlns="" id="{72AD9708-7184-D0D2-8447-0FC756BFA607}"/>
               </a:ext>
             </a:extLst>
           </p:cNvPr>
@@ -5310,7 +5310,7 @@
           <p:cNvPr id="8" name="TextBox 7">
             <a:extLst>
               <a:ext uri="{FF2B5EF4-FFF2-40B4-BE49-F238E27FC236}">
-                <a16:creationId xmlns="" xmlns:a16="http://schemas.microsoft.com/office/drawing/2014/main" id="{C8C11F40-27D1-5395-3684-92A7CD1FC542}"/>
+                <a16:creationId xmlns:a16="http://schemas.microsoft.com/office/drawing/2014/main" xmlns="" id="{C8C11F40-27D1-5395-3684-92A7CD1FC542}"/>
               </a:ext>
             </a:extLst>
           </p:cNvPr>
@@ -5358,7 +5358,7 @@
           <p:cNvPr id="10" name="TextBox 9">
             <a:extLst>
               <a:ext uri="{FF2B5EF4-FFF2-40B4-BE49-F238E27FC236}">
-                <a16:creationId xmlns="" xmlns:a16="http://schemas.microsoft.com/office/drawing/2014/main" id="{46917226-5A41-A010-242B-90432022EB60}"/>
+                <a16:creationId xmlns:a16="http://schemas.microsoft.com/office/drawing/2014/main" xmlns="" id="{46917226-5A41-A010-242B-90432022EB60}"/>
               </a:ext>
             </a:extLst>
           </p:cNvPr>
@@ -5403,7 +5403,7 @@
           <p:cNvPr id="12" name="TextBox 11">
             <a:extLst>
               <a:ext uri="{FF2B5EF4-FFF2-40B4-BE49-F238E27FC236}">
-                <a16:creationId xmlns="" xmlns:a16="http://schemas.microsoft.com/office/drawing/2014/main" id="{7C2D047E-1061-5FD3-12F9-1D2A82F1D472}"/>
+                <a16:creationId xmlns:a16="http://schemas.microsoft.com/office/drawing/2014/main" xmlns="" id="{7C2D047E-1061-5FD3-12F9-1D2A82F1D472}"/>
               </a:ext>
             </a:extLst>
           </p:cNvPr>
@@ -5495,7 +5495,7 @@
     </p:spTree>
     <p:extLst>
       <p:ext uri="{BB962C8B-B14F-4D97-AF65-F5344CB8AC3E}">
-        <p14:creationId xmlns:p14="http://schemas.microsoft.com/office/powerpoint/2010/main" xmlns="" val="3893919778"/>
+        <p14:creationId xmlns="" xmlns:p14="http://schemas.microsoft.com/office/powerpoint/2010/main" val="3893919778"/>
       </p:ext>
     </p:extLst>
   </p:cSld>
@@ -5503,7 +5503,7 @@
     <a:masterClrMapping/>
   </p:clrMapOvr>
   <mc:AlternateContent xmlns:mc="http://schemas.openxmlformats.org/markup-compatibility/2006">
-    <mc:Choice xmlns:p14="http://schemas.microsoft.com/office/powerpoint/2010/main" xmlns="" Requires="p14">
+    <mc:Choice xmlns="" xmlns:p14="http://schemas.microsoft.com/office/powerpoint/2010/main" Requires="p14">
       <p:transition spd="med" p14:dur="700">
         <p:fade/>
       </p:transition>
@@ -5539,7 +5539,7 @@
           <p:cNvPr id="2" name="직사각형 1">
             <a:extLst>
               <a:ext uri="{FF2B5EF4-FFF2-40B4-BE49-F238E27FC236}">
-                <a16:creationId xmlns="" xmlns:a16="http://schemas.microsoft.com/office/drawing/2014/main" id="{598CDF40-98C4-4448-B94A-655387F17874}"/>
+                <a16:creationId xmlns:a16="http://schemas.microsoft.com/office/drawing/2014/main" xmlns="" id="{598CDF40-98C4-4448-B94A-655387F17874}"/>
               </a:ext>
             </a:extLst>
           </p:cNvPr>
@@ -5624,7 +5624,7 @@
           <p:cNvPr id="7" name="TextBox 6">
             <a:extLst>
               <a:ext uri="{FF2B5EF4-FFF2-40B4-BE49-F238E27FC236}">
-                <a16:creationId xmlns:a16="http://schemas.microsoft.com/office/drawing/2014/main" xmlns="" id="{FE6519DB-A69A-7603-5B35-0E36F6ACAE65}"/>
+                <a16:creationId xmlns="" xmlns:a16="http://schemas.microsoft.com/office/drawing/2014/main" id="{FE6519DB-A69A-7603-5B35-0E36F6ACAE65}"/>
               </a:ext>
             </a:extLst>
           </p:cNvPr>
@@ -5677,7 +5677,7 @@
           <p:cNvPr id="8" name="사각형: 둥근 위쪽 모서리 1">
             <a:extLst>
               <a:ext uri="{FF2B5EF4-FFF2-40B4-BE49-F238E27FC236}">
-                <a16:creationId xmlns="" xmlns:a16="http://schemas.microsoft.com/office/drawing/2014/main" id="{72AD9708-7184-D0D2-8447-0FC756BFA607}"/>
+                <a16:creationId xmlns:a16="http://schemas.microsoft.com/office/drawing/2014/main" xmlns="" id="{72AD9708-7184-D0D2-8447-0FC756BFA607}"/>
               </a:ext>
             </a:extLst>
           </p:cNvPr>
@@ -5729,7 +5729,7 @@
           <p:cNvPr id="9" name="TextBox 8">
             <a:extLst>
               <a:ext uri="{FF2B5EF4-FFF2-40B4-BE49-F238E27FC236}">
-                <a16:creationId xmlns="" xmlns:a16="http://schemas.microsoft.com/office/drawing/2014/main" id="{C8C11F40-27D1-5395-3684-92A7CD1FC542}"/>
+                <a16:creationId xmlns:a16="http://schemas.microsoft.com/office/drawing/2014/main" xmlns="" id="{C8C11F40-27D1-5395-3684-92A7CD1FC542}"/>
               </a:ext>
             </a:extLst>
           </p:cNvPr>
@@ -5777,7 +5777,7 @@
           <p:cNvPr id="10" name="TextBox 9">
             <a:extLst>
               <a:ext uri="{FF2B5EF4-FFF2-40B4-BE49-F238E27FC236}">
-                <a16:creationId xmlns="" xmlns:a16="http://schemas.microsoft.com/office/drawing/2014/main" id="{46917226-5A41-A010-242B-90432022EB60}"/>
+                <a16:creationId xmlns:a16="http://schemas.microsoft.com/office/drawing/2014/main" xmlns="" id="{46917226-5A41-A010-242B-90432022EB60}"/>
               </a:ext>
             </a:extLst>
           </p:cNvPr>
@@ -5822,7 +5822,7 @@
           <p:cNvPr id="11" name="TextBox 10">
             <a:extLst>
               <a:ext uri="{FF2B5EF4-FFF2-40B4-BE49-F238E27FC236}">
-                <a16:creationId xmlns="" xmlns:a16="http://schemas.microsoft.com/office/drawing/2014/main" id="{7C2D047E-1061-5FD3-12F9-1D2A82F1D472}"/>
+                <a16:creationId xmlns:a16="http://schemas.microsoft.com/office/drawing/2014/main" xmlns="" id="{7C2D047E-1061-5FD3-12F9-1D2A82F1D472}"/>
               </a:ext>
             </a:extLst>
           </p:cNvPr>
@@ -5881,7 +5881,7 @@
     </p:spTree>
     <p:extLst>
       <p:ext uri="{BB962C8B-B14F-4D97-AF65-F5344CB8AC3E}">
-        <p14:creationId xmlns="" xmlns:p14="http://schemas.microsoft.com/office/powerpoint/2010/main" val="239500367"/>
+        <p14:creationId xmlns:p14="http://schemas.microsoft.com/office/powerpoint/2010/main" xmlns="" val="239500367"/>
       </p:ext>
     </p:extLst>
   </p:cSld>
@@ -5889,7 +5889,7 @@
     <a:masterClrMapping/>
   </p:clrMapOvr>
   <mc:AlternateContent xmlns:mc="http://schemas.openxmlformats.org/markup-compatibility/2006">
-    <mc:Choice xmlns="" xmlns:p14="http://schemas.microsoft.com/office/powerpoint/2010/main" Requires="p14">
+    <mc:Choice xmlns:p14="http://schemas.microsoft.com/office/powerpoint/2010/main" xmlns="" Requires="p14">
       <p:transition spd="med" p14:dur="700">
         <p:fade/>
       </p:transition>
@@ -5925,7 +5925,7 @@
           <p:cNvPr id="7" name="사각형: 둥근 위쪽 모서리 1">
             <a:extLst>
               <a:ext uri="{FF2B5EF4-FFF2-40B4-BE49-F238E27FC236}">
-                <a16:creationId xmlns="" xmlns:a16="http://schemas.microsoft.com/office/drawing/2014/main" id="{72AD9708-7184-D0D2-8447-0FC756BFA607}"/>
+                <a16:creationId xmlns:a16="http://schemas.microsoft.com/office/drawing/2014/main" xmlns="" id="{72AD9708-7184-D0D2-8447-0FC756BFA607}"/>
               </a:ext>
             </a:extLst>
           </p:cNvPr>
@@ -5977,7 +5977,7 @@
           <p:cNvPr id="8" name="TextBox 7">
             <a:extLst>
               <a:ext uri="{FF2B5EF4-FFF2-40B4-BE49-F238E27FC236}">
-                <a16:creationId xmlns="" xmlns:a16="http://schemas.microsoft.com/office/drawing/2014/main" id="{C8C11F40-27D1-5395-3684-92A7CD1FC542}"/>
+                <a16:creationId xmlns:a16="http://schemas.microsoft.com/office/drawing/2014/main" xmlns="" id="{C8C11F40-27D1-5395-3684-92A7CD1FC542}"/>
               </a:ext>
             </a:extLst>
           </p:cNvPr>
@@ -6025,7 +6025,7 @@
           <p:cNvPr id="10" name="TextBox 9">
             <a:extLst>
               <a:ext uri="{FF2B5EF4-FFF2-40B4-BE49-F238E27FC236}">
-                <a16:creationId xmlns="" xmlns:a16="http://schemas.microsoft.com/office/drawing/2014/main" id="{46917226-5A41-A010-242B-90432022EB60}"/>
+                <a16:creationId xmlns:a16="http://schemas.microsoft.com/office/drawing/2014/main" xmlns="" id="{46917226-5A41-A010-242B-90432022EB60}"/>
               </a:ext>
             </a:extLst>
           </p:cNvPr>
@@ -6070,7 +6070,7 @@
           <p:cNvPr id="12" name="TextBox 11">
             <a:extLst>
               <a:ext uri="{FF2B5EF4-FFF2-40B4-BE49-F238E27FC236}">
-                <a16:creationId xmlns="" xmlns:a16="http://schemas.microsoft.com/office/drawing/2014/main" id="{7C2D047E-1061-5FD3-12F9-1D2A82F1D472}"/>
+                <a16:creationId xmlns:a16="http://schemas.microsoft.com/office/drawing/2014/main" xmlns="" id="{7C2D047E-1061-5FD3-12F9-1D2A82F1D472}"/>
               </a:ext>
             </a:extLst>
           </p:cNvPr>
@@ -6164,7 +6164,7 @@
           <p:cNvPr id="9" name="TextBox 8">
             <a:extLst>
               <a:ext uri="{FF2B5EF4-FFF2-40B4-BE49-F238E27FC236}">
-                <a16:creationId xmlns:a16="http://schemas.microsoft.com/office/drawing/2014/main" xmlns="" id="{D7FA6B07-9DE8-417B-9929-FD64FAE65C5D}"/>
+                <a16:creationId xmlns="" xmlns:a16="http://schemas.microsoft.com/office/drawing/2014/main" id="{D7FA6B07-9DE8-417B-9929-FD64FAE65C5D}"/>
               </a:ext>
             </a:extLst>
           </p:cNvPr>
@@ -6201,7 +6201,7 @@
     </p:spTree>
     <p:extLst>
       <p:ext uri="{BB962C8B-B14F-4D97-AF65-F5344CB8AC3E}">
-        <p14:creationId xmlns:p14="http://schemas.microsoft.com/office/powerpoint/2010/main" xmlns="" val="3893919778"/>
+        <p14:creationId xmlns="" xmlns:p14="http://schemas.microsoft.com/office/powerpoint/2010/main" val="3893919778"/>
       </p:ext>
     </p:extLst>
   </p:cSld>
@@ -6209,7 +6209,7 @@
     <a:masterClrMapping/>
   </p:clrMapOvr>
   <mc:AlternateContent xmlns:mc="http://schemas.openxmlformats.org/markup-compatibility/2006">
-    <mc:Choice xmlns:p14="http://schemas.microsoft.com/office/powerpoint/2010/main" xmlns="" Requires="p14">
+    <mc:Choice xmlns="" xmlns:p14="http://schemas.microsoft.com/office/powerpoint/2010/main" Requires="p14">
       <p:transition spd="med" p14:dur="700">
         <p:fade/>
       </p:transition>
@@ -6245,7 +6245,7 @@
           <p:cNvPr id="7" name="사각형: 둥근 위쪽 모서리 1">
             <a:extLst>
               <a:ext uri="{FF2B5EF4-FFF2-40B4-BE49-F238E27FC236}">
-                <a16:creationId xmlns="" xmlns:a16="http://schemas.microsoft.com/office/drawing/2014/main" id="{72AD9708-7184-D0D2-8447-0FC756BFA607}"/>
+                <a16:creationId xmlns:a16="http://schemas.microsoft.com/office/drawing/2014/main" xmlns="" id="{72AD9708-7184-D0D2-8447-0FC756BFA607}"/>
               </a:ext>
             </a:extLst>
           </p:cNvPr>
@@ -6297,7 +6297,7 @@
           <p:cNvPr id="8" name="TextBox 7">
             <a:extLst>
               <a:ext uri="{FF2B5EF4-FFF2-40B4-BE49-F238E27FC236}">
-                <a16:creationId xmlns="" xmlns:a16="http://schemas.microsoft.com/office/drawing/2014/main" id="{C8C11F40-27D1-5395-3684-92A7CD1FC542}"/>
+                <a16:creationId xmlns:a16="http://schemas.microsoft.com/office/drawing/2014/main" xmlns="" id="{C8C11F40-27D1-5395-3684-92A7CD1FC542}"/>
               </a:ext>
             </a:extLst>
           </p:cNvPr>
@@ -6345,7 +6345,7 @@
           <p:cNvPr id="10" name="TextBox 9">
             <a:extLst>
               <a:ext uri="{FF2B5EF4-FFF2-40B4-BE49-F238E27FC236}">
-                <a16:creationId xmlns="" xmlns:a16="http://schemas.microsoft.com/office/drawing/2014/main" id="{46917226-5A41-A010-242B-90432022EB60}"/>
+                <a16:creationId xmlns:a16="http://schemas.microsoft.com/office/drawing/2014/main" xmlns="" id="{46917226-5A41-A010-242B-90432022EB60}"/>
               </a:ext>
             </a:extLst>
           </p:cNvPr>
@@ -6390,7 +6390,7 @@
           <p:cNvPr id="12" name="TextBox 11">
             <a:extLst>
               <a:ext uri="{FF2B5EF4-FFF2-40B4-BE49-F238E27FC236}">
-                <a16:creationId xmlns="" xmlns:a16="http://schemas.microsoft.com/office/drawing/2014/main" id="{7C2D047E-1061-5FD3-12F9-1D2A82F1D472}"/>
+                <a16:creationId xmlns:a16="http://schemas.microsoft.com/office/drawing/2014/main" xmlns="" id="{7C2D047E-1061-5FD3-12F9-1D2A82F1D472}"/>
               </a:ext>
             </a:extLst>
           </p:cNvPr>
@@ -6484,7 +6484,7 @@
           <p:cNvPr id="9" name="TextBox 8">
             <a:extLst>
               <a:ext uri="{FF2B5EF4-FFF2-40B4-BE49-F238E27FC236}">
-                <a16:creationId xmlns:a16="http://schemas.microsoft.com/office/drawing/2014/main" xmlns="" id="{D7FA6B07-9DE8-417B-9929-FD64FAE65C5D}"/>
+                <a16:creationId xmlns="" xmlns:a16="http://schemas.microsoft.com/office/drawing/2014/main" id="{D7FA6B07-9DE8-417B-9929-FD64FAE65C5D}"/>
               </a:ext>
             </a:extLst>
           </p:cNvPr>
@@ -6521,7 +6521,7 @@
     </p:spTree>
     <p:extLst>
       <p:ext uri="{BB962C8B-B14F-4D97-AF65-F5344CB8AC3E}">
-        <p14:creationId xmlns:p14="http://schemas.microsoft.com/office/powerpoint/2010/main" xmlns="" val="3893919778"/>
+        <p14:creationId xmlns="" xmlns:p14="http://schemas.microsoft.com/office/powerpoint/2010/main" val="3893919778"/>
       </p:ext>
     </p:extLst>
   </p:cSld>
@@ -6529,7 +6529,7 @@
     <a:masterClrMapping/>
   </p:clrMapOvr>
   <mc:AlternateContent xmlns:mc="http://schemas.openxmlformats.org/markup-compatibility/2006">
-    <mc:Choice xmlns:p14="http://schemas.microsoft.com/office/powerpoint/2010/main" xmlns="" Requires="p14">
+    <mc:Choice xmlns="" xmlns:p14="http://schemas.microsoft.com/office/powerpoint/2010/main" Requires="p14">
       <p:transition spd="med" p14:dur="700">
         <p:fade/>
       </p:transition>
@@ -6565,7 +6565,7 @@
           <p:cNvPr id="7" name="사각형: 둥근 위쪽 모서리 1">
             <a:extLst>
               <a:ext uri="{FF2B5EF4-FFF2-40B4-BE49-F238E27FC236}">
-                <a16:creationId xmlns="" xmlns:a16="http://schemas.microsoft.com/office/drawing/2014/main" id="{72AD9708-7184-D0D2-8447-0FC756BFA607}"/>
+                <a16:creationId xmlns:a16="http://schemas.microsoft.com/office/drawing/2014/main" xmlns="" id="{72AD9708-7184-D0D2-8447-0FC756BFA607}"/>
               </a:ext>
             </a:extLst>
           </p:cNvPr>
@@ -6617,7 +6617,7 @@
           <p:cNvPr id="8" name="TextBox 7">
             <a:extLst>
               <a:ext uri="{FF2B5EF4-FFF2-40B4-BE49-F238E27FC236}">
-                <a16:creationId xmlns="" xmlns:a16="http://schemas.microsoft.com/office/drawing/2014/main" id="{C8C11F40-27D1-5395-3684-92A7CD1FC542}"/>
+                <a16:creationId xmlns:a16="http://schemas.microsoft.com/office/drawing/2014/main" xmlns="" id="{C8C11F40-27D1-5395-3684-92A7CD1FC542}"/>
               </a:ext>
             </a:extLst>
           </p:cNvPr>
@@ -6665,7 +6665,7 @@
           <p:cNvPr id="10" name="TextBox 9">
             <a:extLst>
               <a:ext uri="{FF2B5EF4-FFF2-40B4-BE49-F238E27FC236}">
-                <a16:creationId xmlns="" xmlns:a16="http://schemas.microsoft.com/office/drawing/2014/main" id="{46917226-5A41-A010-242B-90432022EB60}"/>
+                <a16:creationId xmlns:a16="http://schemas.microsoft.com/office/drawing/2014/main" xmlns="" id="{46917226-5A41-A010-242B-90432022EB60}"/>
               </a:ext>
             </a:extLst>
           </p:cNvPr>
@@ -6710,7 +6710,7 @@
           <p:cNvPr id="12" name="TextBox 11">
             <a:extLst>
               <a:ext uri="{FF2B5EF4-FFF2-40B4-BE49-F238E27FC236}">
-                <a16:creationId xmlns="" xmlns:a16="http://schemas.microsoft.com/office/drawing/2014/main" id="{7C2D047E-1061-5FD3-12F9-1D2A82F1D472}"/>
+                <a16:creationId xmlns:a16="http://schemas.microsoft.com/office/drawing/2014/main" xmlns="" id="{7C2D047E-1061-5FD3-12F9-1D2A82F1D472}"/>
               </a:ext>
             </a:extLst>
           </p:cNvPr>
@@ -6804,7 +6804,7 @@
           <p:cNvPr id="9" name="TextBox 8">
             <a:extLst>
               <a:ext uri="{FF2B5EF4-FFF2-40B4-BE49-F238E27FC236}">
-                <a16:creationId xmlns:a16="http://schemas.microsoft.com/office/drawing/2014/main" xmlns="" id="{D7FA6B07-9DE8-417B-9929-FD64FAE65C5D}"/>
+                <a16:creationId xmlns="" xmlns:a16="http://schemas.microsoft.com/office/drawing/2014/main" id="{D7FA6B07-9DE8-417B-9929-FD64FAE65C5D}"/>
               </a:ext>
             </a:extLst>
           </p:cNvPr>
@@ -6841,7 +6841,7 @@
     </p:spTree>
     <p:extLst>
       <p:ext uri="{BB962C8B-B14F-4D97-AF65-F5344CB8AC3E}">
-        <p14:creationId xmlns:p14="http://schemas.microsoft.com/office/powerpoint/2010/main" xmlns="" val="3893919778"/>
+        <p14:creationId xmlns="" xmlns:p14="http://schemas.microsoft.com/office/powerpoint/2010/main" val="3893919778"/>
       </p:ext>
     </p:extLst>
   </p:cSld>
@@ -6849,7 +6849,7 @@
     <a:masterClrMapping/>
   </p:clrMapOvr>
   <mc:AlternateContent xmlns:mc="http://schemas.openxmlformats.org/markup-compatibility/2006">
-    <mc:Choice xmlns:p14="http://schemas.microsoft.com/office/powerpoint/2010/main" xmlns="" Requires="p14">
+    <mc:Choice xmlns="" xmlns:p14="http://schemas.microsoft.com/office/powerpoint/2010/main" Requires="p14">
       <p:transition spd="med" p14:dur="700">
         <p:fade/>
       </p:transition>
@@ -6885,7 +6885,7 @@
           <p:cNvPr id="3" name="그림 2" descr="실내, 벽, 욕실, 바둑판식이(가) 표시된 사진&#10;&#10;자동 생성된 설명">
             <a:extLst>
               <a:ext uri="{FF2B5EF4-FFF2-40B4-BE49-F238E27FC236}">
-                <a16:creationId xmlns="" xmlns:a16="http://schemas.microsoft.com/office/drawing/2014/main" id="{FCF8EEB9-6C36-D678-969B-95008B5C24A3}"/>
+                <a16:creationId xmlns:a16="http://schemas.microsoft.com/office/drawing/2014/main" xmlns="" id="{FCF8EEB9-6C36-D678-969B-95008B5C24A3}"/>
               </a:ext>
             </a:extLst>
           </p:cNvPr>
@@ -6898,7 +6898,7 @@
           <a:blip r:embed="rId2" cstate="screen">
             <a:extLst>
               <a:ext uri="{28A0092B-C50C-407E-A947-70E740481C1C}">
-                <a14:useLocalDpi xmlns="" xmlns:a14="http://schemas.microsoft.com/office/drawing/2010/main" val="0"/>
+                <a14:useLocalDpi xmlns:a14="http://schemas.microsoft.com/office/drawing/2010/main" xmlns="" val="0"/>
               </a:ext>
             </a:extLst>
           </a:blip>
@@ -6920,7 +6920,7 @@
           <p:cNvPr id="4" name="그래픽 3" descr="가로줄로 채워진 원">
             <a:extLst>
               <a:ext uri="{FF2B5EF4-FFF2-40B4-BE49-F238E27FC236}">
-                <a16:creationId xmlns="" xmlns:a16="http://schemas.microsoft.com/office/drawing/2014/main" id="{8D48E086-7ACE-7E17-8A3D-0D67B96B8DE3}"/>
+                <a16:creationId xmlns:a16="http://schemas.microsoft.com/office/drawing/2014/main" xmlns="" id="{8D48E086-7ACE-7E17-8A3D-0D67B96B8DE3}"/>
               </a:ext>
             </a:extLst>
           </p:cNvPr>
@@ -6933,10 +6933,10 @@
           <a:blip r:embed="rId3" cstate="screen">
             <a:extLst>
               <a:ext uri="{28A0092B-C50C-407E-A947-70E740481C1C}">
-                <a14:useLocalDpi xmlns="" xmlns:a14="http://schemas.microsoft.com/office/drawing/2010/main" val="0"/>
+                <a14:useLocalDpi xmlns:a14="http://schemas.microsoft.com/office/drawing/2010/main" xmlns="" val="0"/>
               </a:ext>
               <a:ext uri="{96DAC541-7B7A-43D3-8B79-37D633B846F1}">
-                <asvg:svgBlip xmlns="" xmlns:asvg="http://schemas.microsoft.com/office/drawing/2016/SVG/main" r:embed="rId4"/>
+                <asvg:svgBlip xmlns:asvg="http://schemas.microsoft.com/office/drawing/2016/SVG/main" xmlns="" r:embed="rId4"/>
               </a:ext>
             </a:extLst>
           </a:blip>
@@ -6959,7 +6959,7 @@
           <p:cNvPr id="5" name="그래픽 4" descr="가로줄로 채워진 원">
             <a:extLst>
               <a:ext uri="{FF2B5EF4-FFF2-40B4-BE49-F238E27FC236}">
-                <a16:creationId xmlns="" xmlns:a16="http://schemas.microsoft.com/office/drawing/2014/main" id="{1B34D3BC-DC04-6CA2-035E-D48BBB2CC567}"/>
+                <a16:creationId xmlns:a16="http://schemas.microsoft.com/office/drawing/2014/main" xmlns="" id="{1B34D3BC-DC04-6CA2-035E-D48BBB2CC567}"/>
               </a:ext>
             </a:extLst>
           </p:cNvPr>
@@ -6972,10 +6972,10 @@
           <a:blip r:embed="rId5" cstate="screen">
             <a:extLst>
               <a:ext uri="{28A0092B-C50C-407E-A947-70E740481C1C}">
-                <a14:useLocalDpi xmlns="" xmlns:a14="http://schemas.microsoft.com/office/drawing/2010/main" val="0"/>
+                <a14:useLocalDpi xmlns:a14="http://schemas.microsoft.com/office/drawing/2010/main" xmlns="" val="0"/>
               </a:ext>
               <a:ext uri="{96DAC541-7B7A-43D3-8B79-37D633B846F1}">
-                <asvg:svgBlip xmlns="" xmlns:asvg="http://schemas.microsoft.com/office/drawing/2016/SVG/main" r:embed="rId6"/>
+                <asvg:svgBlip xmlns:asvg="http://schemas.microsoft.com/office/drawing/2016/SVG/main" xmlns="" r:embed="rId6"/>
               </a:ext>
             </a:extLst>
           </a:blip>
@@ -6998,7 +6998,7 @@
           <p:cNvPr id="2" name="그룹 5">
             <a:extLst>
               <a:ext uri="{FF2B5EF4-FFF2-40B4-BE49-F238E27FC236}">
-                <a16:creationId xmlns="" xmlns:a16="http://schemas.microsoft.com/office/drawing/2014/main" id="{D12D8A24-FCC6-A2C8-35F8-5BC534D3372F}"/>
+                <a16:creationId xmlns:a16="http://schemas.microsoft.com/office/drawing/2014/main" xmlns="" id="{D12D8A24-FCC6-A2C8-35F8-5BC534D3372F}"/>
               </a:ext>
             </a:extLst>
           </p:cNvPr>
@@ -7018,7 +7018,7 @@
             <p:cNvPr id="7" name="TextBox 6">
               <a:extLst>
                 <a:ext uri="{FF2B5EF4-FFF2-40B4-BE49-F238E27FC236}">
-                  <a16:creationId xmlns="" xmlns:a16="http://schemas.microsoft.com/office/drawing/2014/main" id="{E8AF2223-683C-C944-F8CA-68539AE3FA54}"/>
+                  <a16:creationId xmlns:a16="http://schemas.microsoft.com/office/drawing/2014/main" xmlns="" id="{E8AF2223-683C-C944-F8CA-68539AE3FA54}"/>
                 </a:ext>
               </a:extLst>
             </p:cNvPr>
@@ -7078,7 +7078,7 @@
             <p:cNvPr id="8" name="TextBox 7">
               <a:extLst>
                 <a:ext uri="{FF2B5EF4-FFF2-40B4-BE49-F238E27FC236}">
-                  <a16:creationId xmlns="" xmlns:a16="http://schemas.microsoft.com/office/drawing/2014/main" id="{AA6C7412-49A8-C898-54B1-A13FDFB7C4C6}"/>
+                  <a16:creationId xmlns:a16="http://schemas.microsoft.com/office/drawing/2014/main" xmlns="" id="{AA6C7412-49A8-C898-54B1-A13FDFB7C4C6}"/>
                 </a:ext>
               </a:extLst>
             </p:cNvPr>
@@ -7129,7 +7129,7 @@
     </p:spTree>
     <p:extLst>
       <p:ext uri="{BB962C8B-B14F-4D97-AF65-F5344CB8AC3E}">
-        <p14:creationId xmlns="" xmlns:p14="http://schemas.microsoft.com/office/powerpoint/2010/main" val="981888483"/>
+        <p14:creationId xmlns:p14="http://schemas.microsoft.com/office/powerpoint/2010/main" xmlns="" val="981888483"/>
       </p:ext>
     </p:extLst>
   </p:cSld>
@@ -7137,7 +7137,7 @@
     <a:masterClrMapping/>
   </p:clrMapOvr>
   <mc:AlternateContent xmlns:mc="http://schemas.openxmlformats.org/markup-compatibility/2006">
-    <mc:Choice xmlns="" xmlns:p14="http://schemas.microsoft.com/office/powerpoint/2010/main" Requires="p14">
+    <mc:Choice xmlns:p14="http://schemas.microsoft.com/office/powerpoint/2010/main" xmlns="" Requires="p14">
       <p:transition spd="med" p14:dur="700">
         <p:fade/>
       </p:transition>
@@ -7173,7 +7173,7 @@
           <p:cNvPr id="65" name="직선 연결선 64">
             <a:extLst>
               <a:ext uri="{FF2B5EF4-FFF2-40B4-BE49-F238E27FC236}">
-                <a16:creationId xmlns:a16="http://schemas.microsoft.com/office/drawing/2014/main" xmlns="" id="{BE0CD140-3559-4EB8-BC02-B1FBC1F87433}"/>
+                <a16:creationId xmlns="" xmlns:a16="http://schemas.microsoft.com/office/drawing/2014/main" id="{BE0CD140-3559-4EB8-BC02-B1FBC1F87433}"/>
               </a:ext>
             </a:extLst>
           </p:cNvPr>
@@ -7216,7 +7216,7 @@
           <p:cNvPr id="67" name="TextBox 66">
             <a:extLst>
               <a:ext uri="{FF2B5EF4-FFF2-40B4-BE49-F238E27FC236}">
-                <a16:creationId xmlns:a16="http://schemas.microsoft.com/office/drawing/2014/main" xmlns="" id="{DA9677D3-89C6-4D5F-AAFA-DF45D6D3D092}"/>
+                <a16:creationId xmlns="" xmlns:a16="http://schemas.microsoft.com/office/drawing/2014/main" id="{DA9677D3-89C6-4D5F-AAFA-DF45D6D3D092}"/>
               </a:ext>
             </a:extLst>
           </p:cNvPr>
@@ -7264,7 +7264,7 @@
           <p:cNvPr id="68" name="TextBox 67">
             <a:extLst>
               <a:ext uri="{FF2B5EF4-FFF2-40B4-BE49-F238E27FC236}">
-                <a16:creationId xmlns:a16="http://schemas.microsoft.com/office/drawing/2014/main" xmlns="" id="{D3E34B18-A1E8-4E37-B477-DF8A778CC5BA}"/>
+                <a16:creationId xmlns="" xmlns:a16="http://schemas.microsoft.com/office/drawing/2014/main" id="{D3E34B18-A1E8-4E37-B477-DF8A778CC5BA}"/>
               </a:ext>
             </a:extLst>
           </p:cNvPr>
@@ -7312,7 +7312,7 @@
           <p:cNvPr id="69" name="TextBox 68">
             <a:extLst>
               <a:ext uri="{FF2B5EF4-FFF2-40B4-BE49-F238E27FC236}">
-                <a16:creationId xmlns:a16="http://schemas.microsoft.com/office/drawing/2014/main" xmlns="" id="{48BE0A4C-06E3-45D8-80EF-3DBE89DF4F35}"/>
+                <a16:creationId xmlns="" xmlns:a16="http://schemas.microsoft.com/office/drawing/2014/main" id="{48BE0A4C-06E3-45D8-80EF-3DBE89DF4F35}"/>
               </a:ext>
             </a:extLst>
           </p:cNvPr>
@@ -7364,7 +7364,7 @@
           <p:cNvPr id="71" name="TextBox 70">
             <a:extLst>
               <a:ext uri="{FF2B5EF4-FFF2-40B4-BE49-F238E27FC236}">
-                <a16:creationId xmlns:a16="http://schemas.microsoft.com/office/drawing/2014/main" xmlns="" id="{25F03234-4A1F-4265-BF24-292B3E0A118A}"/>
+                <a16:creationId xmlns="" xmlns:a16="http://schemas.microsoft.com/office/drawing/2014/main" id="{25F03234-4A1F-4265-BF24-292B3E0A118A}"/>
               </a:ext>
             </a:extLst>
           </p:cNvPr>
@@ -7412,7 +7412,7 @@
           <p:cNvPr id="72" name="TextBox 71">
             <a:extLst>
               <a:ext uri="{FF2B5EF4-FFF2-40B4-BE49-F238E27FC236}">
-                <a16:creationId xmlns:a16="http://schemas.microsoft.com/office/drawing/2014/main" xmlns="" id="{9EB56E54-2D8D-435C-A048-9DE619AD4501}"/>
+                <a16:creationId xmlns="" xmlns:a16="http://schemas.microsoft.com/office/drawing/2014/main" id="{9EB56E54-2D8D-435C-A048-9DE619AD4501}"/>
               </a:ext>
             </a:extLst>
           </p:cNvPr>
@@ -7460,7 +7460,7 @@
           <p:cNvPr id="73" name="TextBox 72">
             <a:extLst>
               <a:ext uri="{FF2B5EF4-FFF2-40B4-BE49-F238E27FC236}">
-                <a16:creationId xmlns:a16="http://schemas.microsoft.com/office/drawing/2014/main" xmlns="" id="{6D4CC0E4-F758-4295-BC5C-F8EA363DA590}"/>
+                <a16:creationId xmlns="" xmlns:a16="http://schemas.microsoft.com/office/drawing/2014/main" id="{6D4CC0E4-F758-4295-BC5C-F8EA363DA590}"/>
               </a:ext>
             </a:extLst>
           </p:cNvPr>
@@ -7512,7 +7512,7 @@
           <p:cNvPr id="21" name="사각형: 둥근 위쪽 모서리 1">
             <a:extLst>
               <a:ext uri="{FF2B5EF4-FFF2-40B4-BE49-F238E27FC236}">
-                <a16:creationId xmlns="" xmlns:a16="http://schemas.microsoft.com/office/drawing/2014/main" id="{72AD9708-7184-D0D2-8447-0FC756BFA607}"/>
+                <a16:creationId xmlns:a16="http://schemas.microsoft.com/office/drawing/2014/main" xmlns="" id="{72AD9708-7184-D0D2-8447-0FC756BFA607}"/>
               </a:ext>
             </a:extLst>
           </p:cNvPr>
@@ -7564,7 +7564,7 @@
           <p:cNvPr id="22" name="TextBox 21">
             <a:extLst>
               <a:ext uri="{FF2B5EF4-FFF2-40B4-BE49-F238E27FC236}">
-                <a16:creationId xmlns="" xmlns:a16="http://schemas.microsoft.com/office/drawing/2014/main" id="{C8C11F40-27D1-5395-3684-92A7CD1FC542}"/>
+                <a16:creationId xmlns:a16="http://schemas.microsoft.com/office/drawing/2014/main" xmlns="" id="{C8C11F40-27D1-5395-3684-92A7CD1FC542}"/>
               </a:ext>
             </a:extLst>
           </p:cNvPr>
@@ -7614,7 +7614,7 @@
           <p:cNvPr id="23" name="TextBox 22">
             <a:extLst>
               <a:ext uri="{FF2B5EF4-FFF2-40B4-BE49-F238E27FC236}">
-                <a16:creationId xmlns="" xmlns:a16="http://schemas.microsoft.com/office/drawing/2014/main" id="{46917226-5A41-A010-242B-90432022EB60}"/>
+                <a16:creationId xmlns:a16="http://schemas.microsoft.com/office/drawing/2014/main" xmlns="" id="{46917226-5A41-A010-242B-90432022EB60}"/>
               </a:ext>
             </a:extLst>
           </p:cNvPr>
@@ -7667,7 +7667,7 @@
           <p:cNvPr id="24" name="TextBox 23">
             <a:extLst>
               <a:ext uri="{FF2B5EF4-FFF2-40B4-BE49-F238E27FC236}">
-                <a16:creationId xmlns="" xmlns:a16="http://schemas.microsoft.com/office/drawing/2014/main" id="{7C2D047E-1061-5FD3-12F9-1D2A82F1D472}"/>
+                <a16:creationId xmlns:a16="http://schemas.microsoft.com/office/drawing/2014/main" xmlns="" id="{7C2D047E-1061-5FD3-12F9-1D2A82F1D472}"/>
               </a:ext>
             </a:extLst>
           </p:cNvPr>
@@ -7957,7 +7957,7 @@
     </p:spTree>
     <p:extLst>
       <p:ext uri="{BB962C8B-B14F-4D97-AF65-F5344CB8AC3E}">
-        <p14:creationId xmlns:p14="http://schemas.microsoft.com/office/powerpoint/2010/main" xmlns="" val="2599397649"/>
+        <p14:creationId xmlns="" xmlns:p14="http://schemas.microsoft.com/office/powerpoint/2010/main" val="2599397649"/>
       </p:ext>
     </p:extLst>
   </p:cSld>
@@ -7965,7 +7965,7 @@
     <a:masterClrMapping/>
   </p:clrMapOvr>
   <mc:AlternateContent xmlns:mc="http://schemas.openxmlformats.org/markup-compatibility/2006">
-    <mc:Choice xmlns:p14="http://schemas.microsoft.com/office/powerpoint/2010/main" xmlns="" Requires="p14">
+    <mc:Choice xmlns="" xmlns:p14="http://schemas.microsoft.com/office/powerpoint/2010/main" Requires="p14">
       <p:transition spd="med" p14:dur="700">
         <p:fade/>
       </p:transition>
@@ -8001,7 +8001,7 @@
           <p:cNvPr id="3" name="그림 2" descr="실내, 벽, 욕실, 바둑판식이(가) 표시된 사진&#10;&#10;자동 생성된 설명">
             <a:extLst>
               <a:ext uri="{FF2B5EF4-FFF2-40B4-BE49-F238E27FC236}">
-                <a16:creationId xmlns="" xmlns:a16="http://schemas.microsoft.com/office/drawing/2014/main" id="{FCF8EEB9-6C36-D678-969B-95008B5C24A3}"/>
+                <a16:creationId xmlns:a16="http://schemas.microsoft.com/office/drawing/2014/main" xmlns="" id="{FCF8EEB9-6C36-D678-969B-95008B5C24A3}"/>
               </a:ext>
             </a:extLst>
           </p:cNvPr>
@@ -8014,7 +8014,7 @@
           <a:blip r:embed="rId2" cstate="screen">
             <a:extLst>
               <a:ext uri="{28A0092B-C50C-407E-A947-70E740481C1C}">
-                <a14:useLocalDpi xmlns="" xmlns:a14="http://schemas.microsoft.com/office/drawing/2010/main" val="0"/>
+                <a14:useLocalDpi xmlns:a14="http://schemas.microsoft.com/office/drawing/2010/main" xmlns="" val="0"/>
               </a:ext>
             </a:extLst>
           </a:blip>
@@ -8036,7 +8036,7 @@
           <p:cNvPr id="4" name="그래픽 3" descr="가로줄로 채워진 원">
             <a:extLst>
               <a:ext uri="{FF2B5EF4-FFF2-40B4-BE49-F238E27FC236}">
-                <a16:creationId xmlns="" xmlns:a16="http://schemas.microsoft.com/office/drawing/2014/main" id="{8D48E086-7ACE-7E17-8A3D-0D67B96B8DE3}"/>
+                <a16:creationId xmlns:a16="http://schemas.microsoft.com/office/drawing/2014/main" xmlns="" id="{8D48E086-7ACE-7E17-8A3D-0D67B96B8DE3}"/>
               </a:ext>
             </a:extLst>
           </p:cNvPr>
@@ -8049,10 +8049,10 @@
           <a:blip r:embed="rId3" cstate="screen">
             <a:extLst>
               <a:ext uri="{28A0092B-C50C-407E-A947-70E740481C1C}">
-                <a14:useLocalDpi xmlns="" xmlns:a14="http://schemas.microsoft.com/office/drawing/2010/main" val="0"/>
+                <a14:useLocalDpi xmlns:a14="http://schemas.microsoft.com/office/drawing/2010/main" xmlns="" val="0"/>
               </a:ext>
               <a:ext uri="{96DAC541-7B7A-43D3-8B79-37D633B846F1}">
-                <asvg:svgBlip xmlns="" xmlns:asvg="http://schemas.microsoft.com/office/drawing/2016/SVG/main" r:embed="rId4"/>
+                <asvg:svgBlip xmlns:asvg="http://schemas.microsoft.com/office/drawing/2016/SVG/main" xmlns="" r:embed="rId4"/>
               </a:ext>
             </a:extLst>
           </a:blip>
@@ -8075,7 +8075,7 @@
           <p:cNvPr id="5" name="그래픽 4" descr="가로줄로 채워진 원">
             <a:extLst>
               <a:ext uri="{FF2B5EF4-FFF2-40B4-BE49-F238E27FC236}">
-                <a16:creationId xmlns="" xmlns:a16="http://schemas.microsoft.com/office/drawing/2014/main" id="{1B34D3BC-DC04-6CA2-035E-D48BBB2CC567}"/>
+                <a16:creationId xmlns:a16="http://schemas.microsoft.com/office/drawing/2014/main" xmlns="" id="{1B34D3BC-DC04-6CA2-035E-D48BBB2CC567}"/>
               </a:ext>
             </a:extLst>
           </p:cNvPr>
@@ -8088,10 +8088,10 @@
           <a:blip r:embed="rId5" cstate="screen">
             <a:extLst>
               <a:ext uri="{28A0092B-C50C-407E-A947-70E740481C1C}">
-                <a14:useLocalDpi xmlns="" xmlns:a14="http://schemas.microsoft.com/office/drawing/2010/main" val="0"/>
+                <a14:useLocalDpi xmlns:a14="http://schemas.microsoft.com/office/drawing/2010/main" xmlns="" val="0"/>
               </a:ext>
               <a:ext uri="{96DAC541-7B7A-43D3-8B79-37D633B846F1}">
-                <asvg:svgBlip xmlns="" xmlns:asvg="http://schemas.microsoft.com/office/drawing/2016/SVG/main" r:embed="rId6"/>
+                <asvg:svgBlip xmlns:asvg="http://schemas.microsoft.com/office/drawing/2016/SVG/main" xmlns="" r:embed="rId6"/>
               </a:ext>
             </a:extLst>
           </a:blip>
@@ -8114,7 +8114,7 @@
           <p:cNvPr id="2" name="그룹 5">
             <a:extLst>
               <a:ext uri="{FF2B5EF4-FFF2-40B4-BE49-F238E27FC236}">
-                <a16:creationId xmlns="" xmlns:a16="http://schemas.microsoft.com/office/drawing/2014/main" id="{D12D8A24-FCC6-A2C8-35F8-5BC534D3372F}"/>
+                <a16:creationId xmlns:a16="http://schemas.microsoft.com/office/drawing/2014/main" xmlns="" id="{D12D8A24-FCC6-A2C8-35F8-5BC534D3372F}"/>
               </a:ext>
             </a:extLst>
           </p:cNvPr>
@@ -8134,7 +8134,7 @@
             <p:cNvPr id="7" name="TextBox 6">
               <a:extLst>
                 <a:ext uri="{FF2B5EF4-FFF2-40B4-BE49-F238E27FC236}">
-                  <a16:creationId xmlns="" xmlns:a16="http://schemas.microsoft.com/office/drawing/2014/main" id="{E8AF2223-683C-C944-F8CA-68539AE3FA54}"/>
+                  <a16:creationId xmlns:a16="http://schemas.microsoft.com/office/drawing/2014/main" xmlns="" id="{E8AF2223-683C-C944-F8CA-68539AE3FA54}"/>
                 </a:ext>
               </a:extLst>
             </p:cNvPr>
@@ -8217,7 +8217,7 @@
             <p:cNvPr id="8" name="TextBox 7">
               <a:extLst>
                 <a:ext uri="{FF2B5EF4-FFF2-40B4-BE49-F238E27FC236}">
-                  <a16:creationId xmlns="" xmlns:a16="http://schemas.microsoft.com/office/drawing/2014/main" id="{AA6C7412-49A8-C898-54B1-A13FDFB7C4C6}"/>
+                  <a16:creationId xmlns:a16="http://schemas.microsoft.com/office/drawing/2014/main" xmlns="" id="{AA6C7412-49A8-C898-54B1-A13FDFB7C4C6}"/>
                 </a:ext>
               </a:extLst>
             </p:cNvPr>
@@ -8268,7 +8268,7 @@
     </p:spTree>
     <p:extLst>
       <p:ext uri="{BB962C8B-B14F-4D97-AF65-F5344CB8AC3E}">
-        <p14:creationId xmlns="" xmlns:p14="http://schemas.microsoft.com/office/powerpoint/2010/main" val="981888483"/>
+        <p14:creationId xmlns:p14="http://schemas.microsoft.com/office/powerpoint/2010/main" xmlns="" val="981888483"/>
       </p:ext>
     </p:extLst>
   </p:cSld>
@@ -8276,7 +8276,7 @@
     <a:masterClrMapping/>
   </p:clrMapOvr>
   <mc:AlternateContent xmlns:mc="http://schemas.openxmlformats.org/markup-compatibility/2006">
-    <mc:Choice xmlns="" xmlns:p14="http://schemas.microsoft.com/office/powerpoint/2010/main" Requires="p14">
+    <mc:Choice xmlns:p14="http://schemas.microsoft.com/office/powerpoint/2010/main" xmlns="" Requires="p14">
       <p:transition spd="med" p14:dur="700">
         <p:fade/>
       </p:transition>
@@ -8320,7 +8320,7 @@
           <p:cNvPr id="7" name="그림 6" descr="텍스트, 파란색이(가) 표시된 사진&#10;&#10;자동 생성된 설명">
             <a:extLst>
               <a:ext uri="{FF2B5EF4-FFF2-40B4-BE49-F238E27FC236}">
-                <a16:creationId xmlns="" xmlns:a16="http://schemas.microsoft.com/office/drawing/2014/main" id="{91E1A21F-F31B-4B33-A6E3-F3C2EB4E2D3F}"/>
+                <a16:creationId xmlns:a16="http://schemas.microsoft.com/office/drawing/2014/main" xmlns="" id="{91E1A21F-F31B-4B33-A6E3-F3C2EB4E2D3F}"/>
               </a:ext>
             </a:extLst>
           </p:cNvPr>
@@ -8333,7 +8333,7 @@
           <a:blip r:embed="rId2" cstate="screen">
             <a:extLst>
               <a:ext uri="{28A0092B-C50C-407E-A947-70E740481C1C}">
-                <a14:useLocalDpi xmlns="" xmlns:a14="http://schemas.microsoft.com/office/drawing/2010/main" val="0"/>
+                <a14:useLocalDpi xmlns:a14="http://schemas.microsoft.com/office/drawing/2010/main" xmlns="" val="0"/>
               </a:ext>
             </a:extLst>
           </a:blip>
@@ -8355,7 +8355,7 @@
           <p:cNvPr id="4" name="직선 연결선 3">
             <a:extLst>
               <a:ext uri="{FF2B5EF4-FFF2-40B4-BE49-F238E27FC236}">
-                <a16:creationId xmlns="" xmlns:a16="http://schemas.microsoft.com/office/drawing/2014/main" id="{39E9CA44-7137-4F4B-298F-A96DC36AEB02}"/>
+                <a16:creationId xmlns:a16="http://schemas.microsoft.com/office/drawing/2014/main" xmlns="" id="{39E9CA44-7137-4F4B-298F-A96DC36AEB02}"/>
               </a:ext>
             </a:extLst>
           </p:cNvPr>
@@ -8398,7 +8398,7 @@
           <p:cNvPr id="5" name="TextBox 4">
             <a:extLst>
               <a:ext uri="{FF2B5EF4-FFF2-40B4-BE49-F238E27FC236}">
-                <a16:creationId xmlns="" xmlns:a16="http://schemas.microsoft.com/office/drawing/2014/main" id="{D0FB5E41-E1F8-83F1-11C0-E8DBC40184CC}"/>
+                <a16:creationId xmlns:a16="http://schemas.microsoft.com/office/drawing/2014/main" xmlns="" id="{D0FB5E41-E1F8-83F1-11C0-E8DBC40184CC}"/>
               </a:ext>
             </a:extLst>
           </p:cNvPr>
@@ -8437,7 +8437,7 @@
           <p:cNvPr id="6" name="TextBox 5">
             <a:extLst>
               <a:ext uri="{FF2B5EF4-FFF2-40B4-BE49-F238E27FC236}">
-                <a16:creationId xmlns="" xmlns:a16="http://schemas.microsoft.com/office/drawing/2014/main" id="{E3616D26-4909-CDA9-96C6-7A230DCEE617}"/>
+                <a16:creationId xmlns:a16="http://schemas.microsoft.com/office/drawing/2014/main" xmlns="" id="{E3616D26-4909-CDA9-96C6-7A230DCEE617}"/>
               </a:ext>
             </a:extLst>
           </p:cNvPr>
@@ -8481,7 +8481,7 @@
           <p:cNvPr id="8" name="TextBox 7">
             <a:extLst>
               <a:ext uri="{FF2B5EF4-FFF2-40B4-BE49-F238E27FC236}">
-                <a16:creationId xmlns="" xmlns:a16="http://schemas.microsoft.com/office/drawing/2014/main" id="{1F7FFD3C-8111-884F-54EE-C41465E2B148}"/>
+                <a16:creationId xmlns:a16="http://schemas.microsoft.com/office/drawing/2014/main" xmlns="" id="{1F7FFD3C-8111-884F-54EE-C41465E2B148}"/>
               </a:ext>
             </a:extLst>
           </p:cNvPr>
@@ -8490,7 +8490,7 @@
         </p:nvSpPr>
         <p:spPr>
           <a:xfrm>
-            <a:off x="2637835" y="1554479"/>
+            <a:off x="2614390" y="1411979"/>
             <a:ext cx="2523893" cy="369332"/>
           </a:xfrm>
           <a:prstGeom prst="rect">
@@ -8525,7 +8525,7 @@
           <p:cNvPr id="9" name="TextBox 8">
             <a:extLst>
               <a:ext uri="{FF2B5EF4-FFF2-40B4-BE49-F238E27FC236}">
-                <a16:creationId xmlns="" xmlns:a16="http://schemas.microsoft.com/office/drawing/2014/main" id="{A714978B-DB62-97C0-EFEF-AB601ED7FCDB}"/>
+                <a16:creationId xmlns:a16="http://schemas.microsoft.com/office/drawing/2014/main" xmlns="" id="{A714978B-DB62-97C0-EFEF-AB601ED7FCDB}"/>
               </a:ext>
             </a:extLst>
           </p:cNvPr>
@@ -8534,7 +8534,7 @@
         </p:nvSpPr>
         <p:spPr>
           <a:xfrm>
-            <a:off x="1691840" y="1508313"/>
+            <a:off x="1668394" y="1365813"/>
             <a:ext cx="297366" cy="461665"/>
           </a:xfrm>
           <a:prstGeom prst="rect">
@@ -8569,7 +8569,7 @@
           <p:cNvPr id="12" name="TextBox 11">
             <a:extLst>
               <a:ext uri="{FF2B5EF4-FFF2-40B4-BE49-F238E27FC236}">
-                <a16:creationId xmlns="" xmlns:a16="http://schemas.microsoft.com/office/drawing/2014/main" id="{D34F2992-161B-E064-929E-2AA14EE5D2B5}"/>
+                <a16:creationId xmlns:a16="http://schemas.microsoft.com/office/drawing/2014/main" xmlns="" id="{D34F2992-161B-E064-929E-2AA14EE5D2B5}"/>
               </a:ext>
             </a:extLst>
           </p:cNvPr>
@@ -8578,7 +8578,7 @@
         </p:nvSpPr>
         <p:spPr>
           <a:xfrm>
-            <a:off x="2649558" y="2237002"/>
+            <a:off x="2614390" y="2044189"/>
             <a:ext cx="2523893" cy="369332"/>
           </a:xfrm>
           <a:prstGeom prst="rect">
@@ -8613,7 +8613,7 @@
           <p:cNvPr id="13" name="TextBox 12">
             <a:extLst>
               <a:ext uri="{FF2B5EF4-FFF2-40B4-BE49-F238E27FC236}">
-                <a16:creationId xmlns="" xmlns:a16="http://schemas.microsoft.com/office/drawing/2014/main" id="{92FBED93-DC1E-5B99-4ADF-5DD380FB33AB}"/>
+                <a16:creationId xmlns:a16="http://schemas.microsoft.com/office/drawing/2014/main" xmlns="" id="{92FBED93-DC1E-5B99-4ADF-5DD380FB33AB}"/>
               </a:ext>
             </a:extLst>
           </p:cNvPr>
@@ -8622,7 +8622,7 @@
         </p:nvSpPr>
         <p:spPr>
           <a:xfrm>
-            <a:off x="1703563" y="2190836"/>
+            <a:off x="1668394" y="1998023"/>
             <a:ext cx="297366" cy="461665"/>
           </a:xfrm>
           <a:prstGeom prst="rect">
@@ -8657,7 +8657,7 @@
           <p:cNvPr id="15" name="TextBox 14">
             <a:extLst>
               <a:ext uri="{FF2B5EF4-FFF2-40B4-BE49-F238E27FC236}">
-                <a16:creationId xmlns="" xmlns:a16="http://schemas.microsoft.com/office/drawing/2014/main" id="{D21CC41A-1BA8-FDB9-6111-E762A3CA9124}"/>
+                <a16:creationId xmlns:a16="http://schemas.microsoft.com/office/drawing/2014/main" xmlns="" id="{D21CC41A-1BA8-FDB9-6111-E762A3CA9124}"/>
               </a:ext>
             </a:extLst>
           </p:cNvPr>
@@ -8666,7 +8666,7 @@
         </p:nvSpPr>
         <p:spPr>
           <a:xfrm>
-            <a:off x="2684728" y="2966416"/>
+            <a:off x="2614390" y="2676399"/>
             <a:ext cx="2523893" cy="369332"/>
           </a:xfrm>
           <a:prstGeom prst="rect">
@@ -8717,7 +8717,7 @@
           <p:cNvPr id="16" name="TextBox 15">
             <a:extLst>
               <a:ext uri="{FF2B5EF4-FFF2-40B4-BE49-F238E27FC236}">
-                <a16:creationId xmlns="" xmlns:a16="http://schemas.microsoft.com/office/drawing/2014/main" id="{CA4D3582-B8CB-6876-7185-2B7BA6734520}"/>
+                <a16:creationId xmlns:a16="http://schemas.microsoft.com/office/drawing/2014/main" xmlns="" id="{CA4D3582-B8CB-6876-7185-2B7BA6734520}"/>
               </a:ext>
             </a:extLst>
           </p:cNvPr>
@@ -8726,7 +8726,7 @@
         </p:nvSpPr>
         <p:spPr>
           <a:xfrm>
-            <a:off x="1680117" y="2931974"/>
+            <a:off x="1668394" y="2630233"/>
             <a:ext cx="297366" cy="461665"/>
           </a:xfrm>
           <a:prstGeom prst="rect">
@@ -8761,7 +8761,7 @@
           <p:cNvPr id="18" name="TextBox 17">
             <a:extLst>
               <a:ext uri="{FF2B5EF4-FFF2-40B4-BE49-F238E27FC236}">
-                <a16:creationId xmlns="" xmlns:a16="http://schemas.microsoft.com/office/drawing/2014/main" id="{9B1D553C-236F-4C70-5FF1-844C66E94DCA}"/>
+                <a16:creationId xmlns:a16="http://schemas.microsoft.com/office/drawing/2014/main" xmlns="" id="{9B1D553C-236F-4C70-5FF1-844C66E94DCA}"/>
               </a:ext>
             </a:extLst>
           </p:cNvPr>
@@ -8770,7 +8770,7 @@
         </p:nvSpPr>
         <p:spPr>
           <a:xfrm>
-            <a:off x="2661281" y="3707554"/>
+            <a:off x="2614390" y="3308609"/>
             <a:ext cx="2523893" cy="369332"/>
           </a:xfrm>
           <a:prstGeom prst="rect">
@@ -8805,7 +8805,7 @@
           <p:cNvPr id="19" name="TextBox 18">
             <a:extLst>
               <a:ext uri="{FF2B5EF4-FFF2-40B4-BE49-F238E27FC236}">
-                <a16:creationId xmlns="" xmlns:a16="http://schemas.microsoft.com/office/drawing/2014/main" id="{19E54ACA-0455-09F1-D2A5-28FDC53E29B3}"/>
+                <a16:creationId xmlns:a16="http://schemas.microsoft.com/office/drawing/2014/main" xmlns="" id="{19E54ACA-0455-09F1-D2A5-28FDC53E29B3}"/>
               </a:ext>
             </a:extLst>
           </p:cNvPr>
@@ -8814,7 +8814,7 @@
         </p:nvSpPr>
         <p:spPr>
           <a:xfrm>
-            <a:off x="1668394" y="3673111"/>
+            <a:off x="1668394" y="3262443"/>
             <a:ext cx="297366" cy="461665"/>
           </a:xfrm>
           <a:prstGeom prst="rect">
@@ -8849,7 +8849,7 @@
           <p:cNvPr id="20" name="직선 연결선 19">
             <a:extLst>
               <a:ext uri="{FF2B5EF4-FFF2-40B4-BE49-F238E27FC236}">
-                <a16:creationId xmlns="" xmlns:a16="http://schemas.microsoft.com/office/drawing/2014/main" id="{9D409D9D-3156-482B-1AD2-D387E9782768}"/>
+                <a16:creationId xmlns:a16="http://schemas.microsoft.com/office/drawing/2014/main" xmlns="" id="{9D409D9D-3156-482B-1AD2-D387E9782768}"/>
               </a:ext>
             </a:extLst>
           </p:cNvPr>
@@ -8892,7 +8892,7 @@
           <p:cNvPr id="42" name="TextBox 41">
             <a:extLst>
               <a:ext uri="{FF2B5EF4-FFF2-40B4-BE49-F238E27FC236}">
-                <a16:creationId xmlns="" xmlns:a16="http://schemas.microsoft.com/office/drawing/2014/main" id="{9B1D553C-236F-4C70-5FF1-844C66E94DCA}"/>
+                <a16:creationId xmlns:a16="http://schemas.microsoft.com/office/drawing/2014/main" xmlns="" id="{9B1D553C-236F-4C70-5FF1-844C66E94DCA}"/>
               </a:ext>
             </a:extLst>
           </p:cNvPr>
@@ -8901,7 +8901,7 @@
         </p:nvSpPr>
         <p:spPr>
           <a:xfrm>
-            <a:off x="2626113" y="4457831"/>
+            <a:off x="2614390" y="3940819"/>
             <a:ext cx="3211979" cy="369332"/>
           </a:xfrm>
           <a:prstGeom prst="rect">
@@ -8936,7 +8936,7 @@
           <p:cNvPr id="43" name="TextBox 42">
             <a:extLst>
               <a:ext uri="{FF2B5EF4-FFF2-40B4-BE49-F238E27FC236}">
-                <a16:creationId xmlns="" xmlns:a16="http://schemas.microsoft.com/office/drawing/2014/main" id="{19E54ACA-0455-09F1-D2A5-28FDC53E29B3}"/>
+                <a16:creationId xmlns:a16="http://schemas.microsoft.com/office/drawing/2014/main" xmlns="" id="{19E54ACA-0455-09F1-D2A5-28FDC53E29B3}"/>
               </a:ext>
             </a:extLst>
           </p:cNvPr>
@@ -8945,7 +8945,7 @@
         </p:nvSpPr>
         <p:spPr>
           <a:xfrm>
-            <a:off x="1691840" y="4376495"/>
+            <a:off x="1668394" y="3894653"/>
             <a:ext cx="297366" cy="461665"/>
           </a:xfrm>
           <a:prstGeom prst="rect">
@@ -8980,7 +8980,7 @@
           <p:cNvPr id="44" name="TextBox 43">
             <a:extLst>
               <a:ext uri="{FF2B5EF4-FFF2-40B4-BE49-F238E27FC236}">
-                <a16:creationId xmlns="" xmlns:a16="http://schemas.microsoft.com/office/drawing/2014/main" id="{19E54ACA-0455-09F1-D2A5-28FDC53E29B3}"/>
+                <a16:creationId xmlns:a16="http://schemas.microsoft.com/office/drawing/2014/main" xmlns="" id="{19E54ACA-0455-09F1-D2A5-28FDC53E29B3}"/>
               </a:ext>
             </a:extLst>
           </p:cNvPr>
@@ -8989,7 +8989,7 @@
         </p:nvSpPr>
         <p:spPr>
           <a:xfrm>
-            <a:off x="1691840" y="5138496"/>
+            <a:off x="1668394" y="4526863"/>
             <a:ext cx="297366" cy="461665"/>
           </a:xfrm>
           <a:prstGeom prst="rect">
@@ -9024,7 +9024,7 @@
           <p:cNvPr id="45" name="TextBox 44">
             <a:extLst>
               <a:ext uri="{FF2B5EF4-FFF2-40B4-BE49-F238E27FC236}">
-                <a16:creationId xmlns="" xmlns:a16="http://schemas.microsoft.com/office/drawing/2014/main" id="{9B1D553C-236F-4C70-5FF1-844C66E94DCA}"/>
+                <a16:creationId xmlns:a16="http://schemas.microsoft.com/office/drawing/2014/main" xmlns="" id="{9B1D553C-236F-4C70-5FF1-844C66E94DCA}"/>
               </a:ext>
             </a:extLst>
           </p:cNvPr>
@@ -9033,7 +9033,7 @@
         </p:nvSpPr>
         <p:spPr>
           <a:xfrm>
-            <a:off x="2614390" y="5137770"/>
+            <a:off x="2614390" y="4573029"/>
             <a:ext cx="2523893" cy="369332"/>
           </a:xfrm>
           <a:prstGeom prst="rect">
@@ -9053,7 +9053,31 @@
                   <a:schemeClr val="bg1"/>
                 </a:solidFill>
               </a:rPr>
-              <a:t>구현 예정 기능</a:t>
+              <a:t>주요</a:t>
+            </a:r>
+            <a:r>
+              <a:rPr lang="en-US" altLang="ko-KR" dirty="0" smtClean="0">
+                <a:solidFill>
+                  <a:schemeClr val="bg1"/>
+                </a:solidFill>
+              </a:rPr>
+              <a:t> </a:t>
+            </a:r>
+            <a:r>
+              <a:rPr lang="ko-KR" altLang="en-US" dirty="0" err="1" smtClean="0">
+                <a:solidFill>
+                  <a:schemeClr val="bg1"/>
+                </a:solidFill>
+              </a:rPr>
+              <a:t>로직</a:t>
+            </a:r>
+            <a:r>
+              <a:rPr lang="ko-KR" altLang="en-US" dirty="0" smtClean="0">
+                <a:solidFill>
+                  <a:schemeClr val="bg1"/>
+                </a:solidFill>
+              </a:rPr>
+              <a:t> 및 최종구현</a:t>
             </a:r>
             <a:endParaRPr lang="ko-KR" altLang="en-US" dirty="0">
               <a:solidFill>
@@ -9063,10 +9087,186 @@
           </a:p>
         </p:txBody>
       </p:sp>
+      <p:sp>
+        <p:nvSpPr>
+          <p:cNvPr id="24" name="TextBox 23">
+            <a:extLst>
+              <a:ext uri="{FF2B5EF4-FFF2-40B4-BE49-F238E27FC236}">
+                <a16:creationId xmlns:a16="http://schemas.microsoft.com/office/drawing/2014/main" xmlns="" id="{19E54ACA-0455-09F1-D2A5-28FDC53E29B3}"/>
+              </a:ext>
+            </a:extLst>
+          </p:cNvPr>
+          <p:cNvSpPr txBox="1"/>
+          <p:nvPr/>
+        </p:nvSpPr>
+        <p:spPr>
+          <a:xfrm>
+            <a:off x="1668394" y="5159073"/>
+            <a:ext cx="297366" cy="461665"/>
+          </a:xfrm>
+          <a:prstGeom prst="rect">
+            <a:avLst/>
+          </a:prstGeom>
+          <a:noFill/>
+        </p:spPr>
+        <p:txBody>
+          <a:bodyPr wrap="square" rtlCol="0">
+            <a:spAutoFit/>
+          </a:bodyPr>
+          <a:lstStyle/>
+          <a:p>
+            <a:r>
+              <a:rPr lang="en-US" altLang="ko-KR" sz="2400" b="1" dirty="0" smtClean="0">
+                <a:solidFill>
+                  <a:schemeClr val="bg1"/>
+                </a:solidFill>
+              </a:rPr>
+              <a:t>7</a:t>
+            </a:r>
+            <a:endParaRPr lang="ko-KR" altLang="en-US" sz="2400" b="1" dirty="0">
+              <a:solidFill>
+                <a:schemeClr val="bg1"/>
+              </a:solidFill>
+            </a:endParaRPr>
+          </a:p>
+        </p:txBody>
+      </p:sp>
+      <p:sp>
+        <p:nvSpPr>
+          <p:cNvPr id="25" name="TextBox 24">
+            <a:extLst>
+              <a:ext uri="{FF2B5EF4-FFF2-40B4-BE49-F238E27FC236}">
+                <a16:creationId xmlns:a16="http://schemas.microsoft.com/office/drawing/2014/main" xmlns="" id="{9B1D553C-236F-4C70-5FF1-844C66E94DCA}"/>
+              </a:ext>
+            </a:extLst>
+          </p:cNvPr>
+          <p:cNvSpPr txBox="1"/>
+          <p:nvPr/>
+        </p:nvSpPr>
+        <p:spPr>
+          <a:xfrm>
+            <a:off x="2614390" y="5205239"/>
+            <a:ext cx="2523893" cy="369332"/>
+          </a:xfrm>
+          <a:prstGeom prst="rect">
+            <a:avLst/>
+          </a:prstGeom>
+          <a:noFill/>
+        </p:spPr>
+        <p:txBody>
+          <a:bodyPr wrap="square" rtlCol="0">
+            <a:spAutoFit/>
+          </a:bodyPr>
+          <a:lstStyle/>
+          <a:p>
+            <a:r>
+              <a:rPr lang="ko-KR" altLang="en-US" dirty="0" smtClean="0">
+                <a:solidFill>
+                  <a:schemeClr val="bg1"/>
+                </a:solidFill>
+              </a:rPr>
+              <a:t>후기</a:t>
+            </a:r>
+            <a:endParaRPr lang="ko-KR" altLang="en-US" dirty="0">
+              <a:solidFill>
+                <a:schemeClr val="bg1"/>
+              </a:solidFill>
+            </a:endParaRPr>
+          </a:p>
+        </p:txBody>
+      </p:sp>
+      <p:sp>
+        <p:nvSpPr>
+          <p:cNvPr id="26" name="TextBox 25">
+            <a:extLst>
+              <a:ext uri="{FF2B5EF4-FFF2-40B4-BE49-F238E27FC236}">
+                <a16:creationId xmlns:a16="http://schemas.microsoft.com/office/drawing/2014/main" xmlns="" id="{19E54ACA-0455-09F1-D2A5-28FDC53E29B3}"/>
+              </a:ext>
+            </a:extLst>
+          </p:cNvPr>
+          <p:cNvSpPr txBox="1"/>
+          <p:nvPr/>
+        </p:nvSpPr>
+        <p:spPr>
+          <a:xfrm>
+            <a:off x="1668394" y="5791285"/>
+            <a:ext cx="297366" cy="461665"/>
+          </a:xfrm>
+          <a:prstGeom prst="rect">
+            <a:avLst/>
+          </a:prstGeom>
+          <a:noFill/>
+        </p:spPr>
+        <p:txBody>
+          <a:bodyPr wrap="square" rtlCol="0">
+            <a:spAutoFit/>
+          </a:bodyPr>
+          <a:lstStyle/>
+          <a:p>
+            <a:r>
+              <a:rPr lang="en-US" altLang="ko-KR" sz="2400" b="1" dirty="0" smtClean="0">
+                <a:solidFill>
+                  <a:schemeClr val="bg1"/>
+                </a:solidFill>
+              </a:rPr>
+              <a:t>8</a:t>
+            </a:r>
+            <a:endParaRPr lang="ko-KR" altLang="en-US" sz="2400" b="1" dirty="0">
+              <a:solidFill>
+                <a:schemeClr val="bg1"/>
+              </a:solidFill>
+            </a:endParaRPr>
+          </a:p>
+        </p:txBody>
+      </p:sp>
+      <p:sp>
+        <p:nvSpPr>
+          <p:cNvPr id="27" name="TextBox 26">
+            <a:extLst>
+              <a:ext uri="{FF2B5EF4-FFF2-40B4-BE49-F238E27FC236}">
+                <a16:creationId xmlns:a16="http://schemas.microsoft.com/office/drawing/2014/main" xmlns="" id="{9B1D553C-236F-4C70-5FF1-844C66E94DCA}"/>
+              </a:ext>
+            </a:extLst>
+          </p:cNvPr>
+          <p:cNvSpPr txBox="1"/>
+          <p:nvPr/>
+        </p:nvSpPr>
+        <p:spPr>
+          <a:xfrm>
+            <a:off x="2614390" y="5837451"/>
+            <a:ext cx="2523893" cy="369332"/>
+          </a:xfrm>
+          <a:prstGeom prst="rect">
+            <a:avLst/>
+          </a:prstGeom>
+          <a:noFill/>
+        </p:spPr>
+        <p:txBody>
+          <a:bodyPr wrap="square" rtlCol="0">
+            <a:spAutoFit/>
+          </a:bodyPr>
+          <a:lstStyle/>
+          <a:p>
+            <a:r>
+              <a:rPr lang="ko-KR" altLang="en-US" dirty="0" smtClean="0">
+                <a:solidFill>
+                  <a:schemeClr val="bg1"/>
+                </a:solidFill>
+              </a:rPr>
+              <a:t>개선 및 보완점</a:t>
+            </a:r>
+            <a:endParaRPr lang="ko-KR" altLang="en-US" dirty="0">
+              <a:solidFill>
+                <a:schemeClr val="bg1"/>
+              </a:solidFill>
+            </a:endParaRPr>
+          </a:p>
+        </p:txBody>
+      </p:sp>
     </p:spTree>
     <p:extLst>
       <p:ext uri="{BB962C8B-B14F-4D97-AF65-F5344CB8AC3E}">
-        <p14:creationId xmlns="" xmlns:p14="http://schemas.microsoft.com/office/powerpoint/2010/main" val="3098347826"/>
+        <p14:creationId xmlns:p14="http://schemas.microsoft.com/office/powerpoint/2010/main" xmlns="" val="3098347826"/>
       </p:ext>
     </p:extLst>
   </p:cSld>
@@ -9074,7 +9274,7 @@
     <a:masterClrMapping/>
   </p:clrMapOvr>
   <mc:AlternateContent xmlns:mc="http://schemas.openxmlformats.org/markup-compatibility/2006">
-    <mc:Choice xmlns="" xmlns:p14="http://schemas.microsoft.com/office/powerpoint/2010/main" Requires="p14">
+    <mc:Choice xmlns:p14="http://schemas.microsoft.com/office/powerpoint/2010/main" xmlns="" Requires="p14">
       <p:transition spd="med" p14:dur="700">
         <p:fade/>
       </p:transition>
@@ -9110,7 +9310,7 @@
           <p:cNvPr id="18" name="사각형: 둥근 위쪽 모서리 1">
             <a:extLst>
               <a:ext uri="{FF2B5EF4-FFF2-40B4-BE49-F238E27FC236}">
-                <a16:creationId xmlns="" xmlns:a16="http://schemas.microsoft.com/office/drawing/2014/main" id="{72AD9708-7184-D0D2-8447-0FC756BFA607}"/>
+                <a16:creationId xmlns:a16="http://schemas.microsoft.com/office/drawing/2014/main" xmlns="" id="{72AD9708-7184-D0D2-8447-0FC756BFA607}"/>
               </a:ext>
             </a:extLst>
           </p:cNvPr>
@@ -9162,7 +9362,7 @@
           <p:cNvPr id="20" name="TextBox 19">
             <a:extLst>
               <a:ext uri="{FF2B5EF4-FFF2-40B4-BE49-F238E27FC236}">
-                <a16:creationId xmlns="" xmlns:a16="http://schemas.microsoft.com/office/drawing/2014/main" id="{C8C11F40-27D1-5395-3684-92A7CD1FC542}"/>
+                <a16:creationId xmlns:a16="http://schemas.microsoft.com/office/drawing/2014/main" xmlns="" id="{C8C11F40-27D1-5395-3684-92A7CD1FC542}"/>
               </a:ext>
             </a:extLst>
           </p:cNvPr>
@@ -9230,7 +9430,7 @@
           <p:cNvPr id="22" name="TextBox 21">
             <a:extLst>
               <a:ext uri="{FF2B5EF4-FFF2-40B4-BE49-F238E27FC236}">
-                <a16:creationId xmlns="" xmlns:a16="http://schemas.microsoft.com/office/drawing/2014/main" id="{46917226-5A41-A010-242B-90432022EB60}"/>
+                <a16:creationId xmlns:a16="http://schemas.microsoft.com/office/drawing/2014/main" xmlns="" id="{46917226-5A41-A010-242B-90432022EB60}"/>
               </a:ext>
             </a:extLst>
           </p:cNvPr>
@@ -9283,7 +9483,7 @@
           <p:cNvPr id="24" name="TextBox 23">
             <a:extLst>
               <a:ext uri="{FF2B5EF4-FFF2-40B4-BE49-F238E27FC236}">
-                <a16:creationId xmlns="" xmlns:a16="http://schemas.microsoft.com/office/drawing/2014/main" id="{7C2D047E-1061-5FD3-12F9-1D2A82F1D472}"/>
+                <a16:creationId xmlns:a16="http://schemas.microsoft.com/office/drawing/2014/main" xmlns="" id="{7C2D047E-1061-5FD3-12F9-1D2A82F1D472}"/>
               </a:ext>
             </a:extLst>
           </p:cNvPr>
@@ -9335,7 +9535,7 @@
           <p:cNvPr id="7" name="직사각형 6">
             <a:extLst>
               <a:ext uri="{FF2B5EF4-FFF2-40B4-BE49-F238E27FC236}">
-                <a16:creationId xmlns="" xmlns:a16="http://schemas.microsoft.com/office/drawing/2014/main" id="{295AD6FB-A782-E6E4-7423-F18499326335}"/>
+                <a16:creationId xmlns:a16="http://schemas.microsoft.com/office/drawing/2014/main" xmlns="" id="{295AD6FB-A782-E6E4-7423-F18499326335}"/>
               </a:ext>
             </a:extLst>
           </p:cNvPr>
@@ -9403,7 +9603,7 @@
           <p:cNvPr id="8" name="TextBox 7">
             <a:extLst>
               <a:ext uri="{FF2B5EF4-FFF2-40B4-BE49-F238E27FC236}">
-                <a16:creationId xmlns="" xmlns:a16="http://schemas.microsoft.com/office/drawing/2014/main" id="{36B48812-6320-5617-7B1E-780BA099D7CB}"/>
+                <a16:creationId xmlns:a16="http://schemas.microsoft.com/office/drawing/2014/main" xmlns="" id="{36B48812-6320-5617-7B1E-780BA099D7CB}"/>
               </a:ext>
             </a:extLst>
           </p:cNvPr>
@@ -9680,7 +9880,7 @@
           <p:cNvPr id="9" name="TextBox 8">
             <a:extLst>
               <a:ext uri="{FF2B5EF4-FFF2-40B4-BE49-F238E27FC236}">
-                <a16:creationId xmlns="" xmlns:a16="http://schemas.microsoft.com/office/drawing/2014/main" id="{36B48812-6320-5617-7B1E-780BA099D7CB}"/>
+                <a16:creationId xmlns:a16="http://schemas.microsoft.com/office/drawing/2014/main" xmlns="" id="{36B48812-6320-5617-7B1E-780BA099D7CB}"/>
               </a:ext>
             </a:extLst>
           </p:cNvPr>
@@ -9760,7 +9960,7 @@
           <p:cNvPr id="10" name="직사각형 9">
             <a:extLst>
               <a:ext uri="{FF2B5EF4-FFF2-40B4-BE49-F238E27FC236}">
-                <a16:creationId xmlns="" xmlns:a16="http://schemas.microsoft.com/office/drawing/2014/main" id="{015EFAD2-49F6-1456-F845-4818BCECFACA}"/>
+                <a16:creationId xmlns:a16="http://schemas.microsoft.com/office/drawing/2014/main" xmlns="" id="{015EFAD2-49F6-1456-F845-4818BCECFACA}"/>
               </a:ext>
             </a:extLst>
           </p:cNvPr>
@@ -9820,7 +10020,7 @@
           <p:cNvPr id="11" name="TextBox 10">
             <a:extLst>
               <a:ext uri="{FF2B5EF4-FFF2-40B4-BE49-F238E27FC236}">
-                <a16:creationId xmlns="" xmlns:a16="http://schemas.microsoft.com/office/drawing/2014/main" id="{36B48812-6320-5617-7B1E-780BA099D7CB}"/>
+                <a16:creationId xmlns:a16="http://schemas.microsoft.com/office/drawing/2014/main" xmlns="" id="{36B48812-6320-5617-7B1E-780BA099D7CB}"/>
               </a:ext>
             </a:extLst>
           </p:cNvPr>
@@ -10038,7 +10238,7 @@
           <p:cNvPr id="12" name="TextBox 11">
             <a:extLst>
               <a:ext uri="{FF2B5EF4-FFF2-40B4-BE49-F238E27FC236}">
-                <a16:creationId xmlns="" xmlns:a16="http://schemas.microsoft.com/office/drawing/2014/main" id="{36B48812-6320-5617-7B1E-780BA099D7CB}"/>
+                <a16:creationId xmlns:a16="http://schemas.microsoft.com/office/drawing/2014/main" xmlns="" id="{36B48812-6320-5617-7B1E-780BA099D7CB}"/>
               </a:ext>
             </a:extLst>
           </p:cNvPr>
@@ -10127,7 +10327,7 @@
           <p:cNvPr id="13" name="직사각형 12">
             <a:extLst>
               <a:ext uri="{FF2B5EF4-FFF2-40B4-BE49-F238E27FC236}">
-                <a16:creationId xmlns="" xmlns:a16="http://schemas.microsoft.com/office/drawing/2014/main" id="{295AD6FB-A782-E6E4-7423-F18499326335}"/>
+                <a16:creationId xmlns:a16="http://schemas.microsoft.com/office/drawing/2014/main" xmlns="" id="{295AD6FB-A782-E6E4-7423-F18499326335}"/>
               </a:ext>
             </a:extLst>
           </p:cNvPr>
@@ -10187,7 +10387,7 @@
           <p:cNvPr id="14" name="TextBox 13">
             <a:extLst>
               <a:ext uri="{FF2B5EF4-FFF2-40B4-BE49-F238E27FC236}">
-                <a16:creationId xmlns="" xmlns:a16="http://schemas.microsoft.com/office/drawing/2014/main" id="{36B48812-6320-5617-7B1E-780BA099D7CB}"/>
+                <a16:creationId xmlns:a16="http://schemas.microsoft.com/office/drawing/2014/main" xmlns="" id="{36B48812-6320-5617-7B1E-780BA099D7CB}"/>
               </a:ext>
             </a:extLst>
           </p:cNvPr>
@@ -10330,7 +10530,7 @@
           <p:cNvPr id="15" name="TextBox 14">
             <a:extLst>
               <a:ext uri="{FF2B5EF4-FFF2-40B4-BE49-F238E27FC236}">
-                <a16:creationId xmlns="" xmlns:a16="http://schemas.microsoft.com/office/drawing/2014/main" id="{36B48812-6320-5617-7B1E-780BA099D7CB}"/>
+                <a16:creationId xmlns:a16="http://schemas.microsoft.com/office/drawing/2014/main" xmlns="" id="{36B48812-6320-5617-7B1E-780BA099D7CB}"/>
               </a:ext>
             </a:extLst>
           </p:cNvPr>
@@ -10390,7 +10590,7 @@
     </p:spTree>
     <p:extLst>
       <p:ext uri="{BB962C8B-B14F-4D97-AF65-F5344CB8AC3E}">
-        <p14:creationId xmlns="" xmlns:p14="http://schemas.microsoft.com/office/powerpoint/2010/main" val="3414322757"/>
+        <p14:creationId xmlns:p14="http://schemas.microsoft.com/office/powerpoint/2010/main" xmlns="" val="3414322757"/>
       </p:ext>
     </p:extLst>
   </p:cSld>
@@ -10429,7 +10629,7 @@
           <p:cNvPr id="18" name="사각형: 둥근 위쪽 모서리 1">
             <a:extLst>
               <a:ext uri="{FF2B5EF4-FFF2-40B4-BE49-F238E27FC236}">
-                <a16:creationId xmlns="" xmlns:a16="http://schemas.microsoft.com/office/drawing/2014/main" id="{72AD9708-7184-D0D2-8447-0FC756BFA607}"/>
+                <a16:creationId xmlns:a16="http://schemas.microsoft.com/office/drawing/2014/main" xmlns="" id="{72AD9708-7184-D0D2-8447-0FC756BFA607}"/>
               </a:ext>
             </a:extLst>
           </p:cNvPr>
@@ -10481,7 +10681,7 @@
           <p:cNvPr id="20" name="TextBox 19">
             <a:extLst>
               <a:ext uri="{FF2B5EF4-FFF2-40B4-BE49-F238E27FC236}">
-                <a16:creationId xmlns="" xmlns:a16="http://schemas.microsoft.com/office/drawing/2014/main" id="{C8C11F40-27D1-5395-3684-92A7CD1FC542}"/>
+                <a16:creationId xmlns:a16="http://schemas.microsoft.com/office/drawing/2014/main" xmlns="" id="{C8C11F40-27D1-5395-3684-92A7CD1FC542}"/>
               </a:ext>
             </a:extLst>
           </p:cNvPr>
@@ -10549,7 +10749,7 @@
           <p:cNvPr id="22" name="TextBox 21">
             <a:extLst>
               <a:ext uri="{FF2B5EF4-FFF2-40B4-BE49-F238E27FC236}">
-                <a16:creationId xmlns="" xmlns:a16="http://schemas.microsoft.com/office/drawing/2014/main" id="{46917226-5A41-A010-242B-90432022EB60}"/>
+                <a16:creationId xmlns:a16="http://schemas.microsoft.com/office/drawing/2014/main" xmlns="" id="{46917226-5A41-A010-242B-90432022EB60}"/>
               </a:ext>
             </a:extLst>
           </p:cNvPr>
@@ -10602,7 +10802,7 @@
           <p:cNvPr id="24" name="TextBox 23">
             <a:extLst>
               <a:ext uri="{FF2B5EF4-FFF2-40B4-BE49-F238E27FC236}">
-                <a16:creationId xmlns="" xmlns:a16="http://schemas.microsoft.com/office/drawing/2014/main" id="{7C2D047E-1061-5FD3-12F9-1D2A82F1D472}"/>
+                <a16:creationId xmlns:a16="http://schemas.microsoft.com/office/drawing/2014/main" xmlns="" id="{7C2D047E-1061-5FD3-12F9-1D2A82F1D472}"/>
               </a:ext>
             </a:extLst>
           </p:cNvPr>
@@ -10654,7 +10854,7 @@
           <p:cNvPr id="16" name="TextBox 15">
             <a:extLst>
               <a:ext uri="{FF2B5EF4-FFF2-40B4-BE49-F238E27FC236}">
-                <a16:creationId xmlns:a16="http://schemas.microsoft.com/office/drawing/2014/main" xmlns="" id="{D7FA6B07-9DE8-417B-9929-FD64FAE65C5D}"/>
+                <a16:creationId xmlns="" xmlns:a16="http://schemas.microsoft.com/office/drawing/2014/main" id="{D7FA6B07-9DE8-417B-9929-FD64FAE65C5D}"/>
               </a:ext>
             </a:extLst>
           </p:cNvPr>
@@ -11396,7 +11596,7 @@
     </p:spTree>
     <p:extLst>
       <p:ext uri="{BB962C8B-B14F-4D97-AF65-F5344CB8AC3E}">
-        <p14:creationId xmlns="" xmlns:p14="http://schemas.microsoft.com/office/powerpoint/2010/main" val="3414322757"/>
+        <p14:creationId xmlns:p14="http://schemas.microsoft.com/office/powerpoint/2010/main" xmlns="" val="3414322757"/>
       </p:ext>
     </p:extLst>
   </p:cSld>
@@ -11435,7 +11635,7 @@
           <p:cNvPr id="18" name="사각형: 둥근 위쪽 모서리 1">
             <a:extLst>
               <a:ext uri="{FF2B5EF4-FFF2-40B4-BE49-F238E27FC236}">
-                <a16:creationId xmlns="" xmlns:a16="http://schemas.microsoft.com/office/drawing/2014/main" id="{72AD9708-7184-D0D2-8447-0FC756BFA607}"/>
+                <a16:creationId xmlns:a16="http://schemas.microsoft.com/office/drawing/2014/main" xmlns="" id="{72AD9708-7184-D0D2-8447-0FC756BFA607}"/>
               </a:ext>
             </a:extLst>
           </p:cNvPr>
@@ -11487,7 +11687,7 @@
           <p:cNvPr id="20" name="TextBox 19">
             <a:extLst>
               <a:ext uri="{FF2B5EF4-FFF2-40B4-BE49-F238E27FC236}">
-                <a16:creationId xmlns="" xmlns:a16="http://schemas.microsoft.com/office/drawing/2014/main" id="{C8C11F40-27D1-5395-3684-92A7CD1FC542}"/>
+                <a16:creationId xmlns:a16="http://schemas.microsoft.com/office/drawing/2014/main" xmlns="" id="{C8C11F40-27D1-5395-3684-92A7CD1FC542}"/>
               </a:ext>
             </a:extLst>
           </p:cNvPr>
@@ -11555,7 +11755,7 @@
           <p:cNvPr id="22" name="TextBox 21">
             <a:extLst>
               <a:ext uri="{FF2B5EF4-FFF2-40B4-BE49-F238E27FC236}">
-                <a16:creationId xmlns="" xmlns:a16="http://schemas.microsoft.com/office/drawing/2014/main" id="{46917226-5A41-A010-242B-90432022EB60}"/>
+                <a16:creationId xmlns:a16="http://schemas.microsoft.com/office/drawing/2014/main" xmlns="" id="{46917226-5A41-A010-242B-90432022EB60}"/>
               </a:ext>
             </a:extLst>
           </p:cNvPr>
@@ -11608,7 +11808,7 @@
           <p:cNvPr id="24" name="TextBox 23">
             <a:extLst>
               <a:ext uri="{FF2B5EF4-FFF2-40B4-BE49-F238E27FC236}">
-                <a16:creationId xmlns="" xmlns:a16="http://schemas.microsoft.com/office/drawing/2014/main" id="{7C2D047E-1061-5FD3-12F9-1D2A82F1D472}"/>
+                <a16:creationId xmlns:a16="http://schemas.microsoft.com/office/drawing/2014/main" xmlns="" id="{7C2D047E-1061-5FD3-12F9-1D2A82F1D472}"/>
               </a:ext>
             </a:extLst>
           </p:cNvPr>
@@ -11709,7 +11909,7 @@
           <p:cNvPr id="10" name="TextBox 9">
             <a:extLst>
               <a:ext uri="{FF2B5EF4-FFF2-40B4-BE49-F238E27FC236}">
-                <a16:creationId xmlns:a16="http://schemas.microsoft.com/office/drawing/2014/main" xmlns="" id="{D7FA6B07-9DE8-417B-9929-FD64FAE65C5D}"/>
+                <a16:creationId xmlns="" xmlns:a16="http://schemas.microsoft.com/office/drawing/2014/main" id="{D7FA6B07-9DE8-417B-9929-FD64FAE65C5D}"/>
               </a:ext>
             </a:extLst>
           </p:cNvPr>
@@ -12302,7 +12502,16 @@
                 </a:solidFill>
                 <a:sym typeface="Wingdings" pitchFamily="2" charset="2"/>
               </a:rPr>
-              <a:t>사용</a:t>
+              <a:t>사용하여 단속적 </a:t>
+            </a:r>
+            <a:r>
+              <a:rPr lang="ko-KR" altLang="en-US" smtClean="0">
+                <a:solidFill>
+                  <a:schemeClr val="bg1"/>
+                </a:solidFill>
+                <a:sym typeface="Wingdings" pitchFamily="2" charset="2"/>
+              </a:rPr>
+              <a:t>연결 구현</a:t>
             </a:r>
             <a:endParaRPr lang="ko-KR" altLang="en-US" dirty="0">
               <a:solidFill>
@@ -12546,7 +12755,7 @@
     </p:spTree>
     <p:extLst>
       <p:ext uri="{BB962C8B-B14F-4D97-AF65-F5344CB8AC3E}">
-        <p14:creationId xmlns="" xmlns:p14="http://schemas.microsoft.com/office/powerpoint/2010/main" val="3414322757"/>
+        <p14:creationId xmlns:p14="http://schemas.microsoft.com/office/powerpoint/2010/main" xmlns="" val="3414322757"/>
       </p:ext>
     </p:extLst>
   </p:cSld>
@@ -12578,7 +12787,7 @@
           <p:cNvPr id="18" name="사각형: 둥근 위쪽 모서리 1">
             <a:extLst>
               <a:ext uri="{FF2B5EF4-FFF2-40B4-BE49-F238E27FC236}">
-                <a16:creationId xmlns="" xmlns:a16="http://schemas.microsoft.com/office/drawing/2014/main" id="{72AD9708-7184-D0D2-8447-0FC756BFA607}"/>
+                <a16:creationId xmlns:a16="http://schemas.microsoft.com/office/drawing/2014/main" xmlns="" id="{72AD9708-7184-D0D2-8447-0FC756BFA607}"/>
               </a:ext>
             </a:extLst>
           </p:cNvPr>
@@ -12630,7 +12839,7 @@
           <p:cNvPr id="20" name="TextBox 19">
             <a:extLst>
               <a:ext uri="{FF2B5EF4-FFF2-40B4-BE49-F238E27FC236}">
-                <a16:creationId xmlns="" xmlns:a16="http://schemas.microsoft.com/office/drawing/2014/main" id="{C8C11F40-27D1-5395-3684-92A7CD1FC542}"/>
+                <a16:creationId xmlns:a16="http://schemas.microsoft.com/office/drawing/2014/main" xmlns="" id="{C8C11F40-27D1-5395-3684-92A7CD1FC542}"/>
               </a:ext>
             </a:extLst>
           </p:cNvPr>
@@ -12698,7 +12907,7 @@
           <p:cNvPr id="22" name="TextBox 21">
             <a:extLst>
               <a:ext uri="{FF2B5EF4-FFF2-40B4-BE49-F238E27FC236}">
-                <a16:creationId xmlns="" xmlns:a16="http://schemas.microsoft.com/office/drawing/2014/main" id="{46917226-5A41-A010-242B-90432022EB60}"/>
+                <a16:creationId xmlns:a16="http://schemas.microsoft.com/office/drawing/2014/main" xmlns="" id="{46917226-5A41-A010-242B-90432022EB60}"/>
               </a:ext>
             </a:extLst>
           </p:cNvPr>
@@ -12751,7 +12960,7 @@
           <p:cNvPr id="24" name="TextBox 23">
             <a:extLst>
               <a:ext uri="{FF2B5EF4-FFF2-40B4-BE49-F238E27FC236}">
-                <a16:creationId xmlns="" xmlns:a16="http://schemas.microsoft.com/office/drawing/2014/main" id="{7C2D047E-1061-5FD3-12F9-1D2A82F1D472}"/>
+                <a16:creationId xmlns:a16="http://schemas.microsoft.com/office/drawing/2014/main" xmlns="" id="{7C2D047E-1061-5FD3-12F9-1D2A82F1D472}"/>
               </a:ext>
             </a:extLst>
           </p:cNvPr>
@@ -12852,7 +13061,7 @@
           <p:cNvPr id="9" name="TextBox 8">
             <a:extLst>
               <a:ext uri="{FF2B5EF4-FFF2-40B4-BE49-F238E27FC236}">
-                <a16:creationId xmlns:a16="http://schemas.microsoft.com/office/drawing/2014/main" xmlns="" id="{D7FA6B07-9DE8-417B-9929-FD64FAE65C5D}"/>
+                <a16:creationId xmlns="" xmlns:a16="http://schemas.microsoft.com/office/drawing/2014/main" id="{D7FA6B07-9DE8-417B-9929-FD64FAE65C5D}"/>
               </a:ext>
             </a:extLst>
           </p:cNvPr>
@@ -14613,7 +14822,7 @@
     </p:spTree>
     <p:extLst>
       <p:ext uri="{BB962C8B-B14F-4D97-AF65-F5344CB8AC3E}">
-        <p14:creationId xmlns="" xmlns:p14="http://schemas.microsoft.com/office/powerpoint/2010/main" val="3414322757"/>
+        <p14:creationId xmlns:p14="http://schemas.microsoft.com/office/powerpoint/2010/main" xmlns="" val="3414322757"/>
       </p:ext>
     </p:extLst>
   </p:cSld>
@@ -14645,7 +14854,7 @@
           <p:cNvPr id="18" name="사각형: 둥근 위쪽 모서리 1">
             <a:extLst>
               <a:ext uri="{FF2B5EF4-FFF2-40B4-BE49-F238E27FC236}">
-                <a16:creationId xmlns="" xmlns:a16="http://schemas.microsoft.com/office/drawing/2014/main" id="{72AD9708-7184-D0D2-8447-0FC756BFA607}"/>
+                <a16:creationId xmlns:a16="http://schemas.microsoft.com/office/drawing/2014/main" xmlns="" id="{72AD9708-7184-D0D2-8447-0FC756BFA607}"/>
               </a:ext>
             </a:extLst>
           </p:cNvPr>
@@ -14697,7 +14906,7 @@
           <p:cNvPr id="20" name="TextBox 19">
             <a:extLst>
               <a:ext uri="{FF2B5EF4-FFF2-40B4-BE49-F238E27FC236}">
-                <a16:creationId xmlns="" xmlns:a16="http://schemas.microsoft.com/office/drawing/2014/main" id="{C8C11F40-27D1-5395-3684-92A7CD1FC542}"/>
+                <a16:creationId xmlns:a16="http://schemas.microsoft.com/office/drawing/2014/main" xmlns="" id="{C8C11F40-27D1-5395-3684-92A7CD1FC542}"/>
               </a:ext>
             </a:extLst>
           </p:cNvPr>
@@ -14765,7 +14974,7 @@
           <p:cNvPr id="22" name="TextBox 21">
             <a:extLst>
               <a:ext uri="{FF2B5EF4-FFF2-40B4-BE49-F238E27FC236}">
-                <a16:creationId xmlns="" xmlns:a16="http://schemas.microsoft.com/office/drawing/2014/main" id="{46917226-5A41-A010-242B-90432022EB60}"/>
+                <a16:creationId xmlns:a16="http://schemas.microsoft.com/office/drawing/2014/main" xmlns="" id="{46917226-5A41-A010-242B-90432022EB60}"/>
               </a:ext>
             </a:extLst>
           </p:cNvPr>
@@ -14818,7 +15027,7 @@
           <p:cNvPr id="24" name="TextBox 23">
             <a:extLst>
               <a:ext uri="{FF2B5EF4-FFF2-40B4-BE49-F238E27FC236}">
-                <a16:creationId xmlns="" xmlns:a16="http://schemas.microsoft.com/office/drawing/2014/main" id="{7C2D047E-1061-5FD3-12F9-1D2A82F1D472}"/>
+                <a16:creationId xmlns:a16="http://schemas.microsoft.com/office/drawing/2014/main" xmlns="" id="{7C2D047E-1061-5FD3-12F9-1D2A82F1D472}"/>
               </a:ext>
             </a:extLst>
           </p:cNvPr>
@@ -14870,7 +15079,7 @@
           <p:cNvPr id="16" name="TextBox 15">
             <a:extLst>
               <a:ext uri="{FF2B5EF4-FFF2-40B4-BE49-F238E27FC236}">
-                <a16:creationId xmlns:a16="http://schemas.microsoft.com/office/drawing/2014/main" xmlns="" id="{D7FA6B07-9DE8-417B-9929-FD64FAE65C5D}"/>
+                <a16:creationId xmlns="" xmlns:a16="http://schemas.microsoft.com/office/drawing/2014/main" id="{D7FA6B07-9DE8-417B-9929-FD64FAE65C5D}"/>
               </a:ext>
             </a:extLst>
           </p:cNvPr>
@@ -16442,7 +16651,11 @@
             <a:pPr algn="ctr"/>
             <a:r>
               <a:rPr lang="ko-KR" altLang="en-US" dirty="0" smtClean="0"/>
-              <a:t>결과에서 받기</a:t>
+              <a:t>결과모음에서 </a:t>
+            </a:r>
+            <a:r>
+              <a:rPr lang="ko-KR" altLang="en-US" dirty="0" smtClean="0"/>
+              <a:t>받기</a:t>
             </a:r>
             <a:endParaRPr lang="ko-KR" altLang="en-US" dirty="0"/>
           </a:p>
@@ -16766,7 +16979,7 @@
     </p:spTree>
     <p:extLst>
       <p:ext uri="{BB962C8B-B14F-4D97-AF65-F5344CB8AC3E}">
-        <p14:creationId xmlns="" xmlns:p14="http://schemas.microsoft.com/office/powerpoint/2010/main" val="3414322757"/>
+        <p14:creationId xmlns:p14="http://schemas.microsoft.com/office/powerpoint/2010/main" xmlns="" val="3414322757"/>
       </p:ext>
     </p:extLst>
   </p:cSld>
@@ -16798,7 +17011,7 @@
           <p:cNvPr id="18" name="사각형: 둥근 위쪽 모서리 1">
             <a:extLst>
               <a:ext uri="{FF2B5EF4-FFF2-40B4-BE49-F238E27FC236}">
-                <a16:creationId xmlns="" xmlns:a16="http://schemas.microsoft.com/office/drawing/2014/main" id="{72AD9708-7184-D0D2-8447-0FC756BFA607}"/>
+                <a16:creationId xmlns:a16="http://schemas.microsoft.com/office/drawing/2014/main" xmlns="" id="{72AD9708-7184-D0D2-8447-0FC756BFA607}"/>
               </a:ext>
             </a:extLst>
           </p:cNvPr>
@@ -16850,7 +17063,7 @@
           <p:cNvPr id="20" name="TextBox 19">
             <a:extLst>
               <a:ext uri="{FF2B5EF4-FFF2-40B4-BE49-F238E27FC236}">
-                <a16:creationId xmlns="" xmlns:a16="http://schemas.microsoft.com/office/drawing/2014/main" id="{C8C11F40-27D1-5395-3684-92A7CD1FC542}"/>
+                <a16:creationId xmlns:a16="http://schemas.microsoft.com/office/drawing/2014/main" xmlns="" id="{C8C11F40-27D1-5395-3684-92A7CD1FC542}"/>
               </a:ext>
             </a:extLst>
           </p:cNvPr>
@@ -16918,7 +17131,7 @@
           <p:cNvPr id="22" name="TextBox 21">
             <a:extLst>
               <a:ext uri="{FF2B5EF4-FFF2-40B4-BE49-F238E27FC236}">
-                <a16:creationId xmlns="" xmlns:a16="http://schemas.microsoft.com/office/drawing/2014/main" id="{46917226-5A41-A010-242B-90432022EB60}"/>
+                <a16:creationId xmlns:a16="http://schemas.microsoft.com/office/drawing/2014/main" xmlns="" id="{46917226-5A41-A010-242B-90432022EB60}"/>
               </a:ext>
             </a:extLst>
           </p:cNvPr>
@@ -16971,7 +17184,7 @@
           <p:cNvPr id="24" name="TextBox 23">
             <a:extLst>
               <a:ext uri="{FF2B5EF4-FFF2-40B4-BE49-F238E27FC236}">
-                <a16:creationId xmlns="" xmlns:a16="http://schemas.microsoft.com/office/drawing/2014/main" id="{7C2D047E-1061-5FD3-12F9-1D2A82F1D472}"/>
+                <a16:creationId xmlns:a16="http://schemas.microsoft.com/office/drawing/2014/main" xmlns="" id="{7C2D047E-1061-5FD3-12F9-1D2A82F1D472}"/>
               </a:ext>
             </a:extLst>
           </p:cNvPr>
@@ -17023,7 +17236,7 @@
           <p:cNvPr id="16" name="TextBox 15">
             <a:extLst>
               <a:ext uri="{FF2B5EF4-FFF2-40B4-BE49-F238E27FC236}">
-                <a16:creationId xmlns:a16="http://schemas.microsoft.com/office/drawing/2014/main" xmlns="" id="{D7FA6B07-9DE8-417B-9929-FD64FAE65C5D}"/>
+                <a16:creationId xmlns="" xmlns:a16="http://schemas.microsoft.com/office/drawing/2014/main" id="{D7FA6B07-9DE8-417B-9929-FD64FAE65C5D}"/>
               </a:ext>
             </a:extLst>
           </p:cNvPr>
@@ -17703,6 +17916,14 @@
             </a:r>
             <a:r>
               <a:rPr lang="ko-KR" altLang="en-US" sz="1600" dirty="0" smtClean="0"/>
+              <a:t>포함</a:t>
+            </a:r>
+            <a:r>
+              <a:rPr lang="en-US" altLang="ko-KR" sz="1600" dirty="0" smtClean="0"/>
+              <a:t> </a:t>
+            </a:r>
+            <a:r>
+              <a:rPr lang="ko-KR" altLang="en-US" sz="1600" dirty="0" smtClean="0"/>
               <a:t>무한루프</a:t>
             </a:r>
             <a:r>
@@ -17976,7 +18197,7 @@
     </p:spTree>
     <p:extLst>
       <p:ext uri="{BB962C8B-B14F-4D97-AF65-F5344CB8AC3E}">
-        <p14:creationId xmlns="" xmlns:p14="http://schemas.microsoft.com/office/powerpoint/2010/main" val="3414322757"/>
+        <p14:creationId xmlns:p14="http://schemas.microsoft.com/office/powerpoint/2010/main" xmlns="" val="3414322757"/>
       </p:ext>
     </p:extLst>
   </p:cSld>
@@ -18008,7 +18229,7 @@
           <p:cNvPr id="18" name="사각형: 둥근 위쪽 모서리 1">
             <a:extLst>
               <a:ext uri="{FF2B5EF4-FFF2-40B4-BE49-F238E27FC236}">
-                <a16:creationId xmlns="" xmlns:a16="http://schemas.microsoft.com/office/drawing/2014/main" id="{72AD9708-7184-D0D2-8447-0FC756BFA607}"/>
+                <a16:creationId xmlns:a16="http://schemas.microsoft.com/office/drawing/2014/main" xmlns="" id="{72AD9708-7184-D0D2-8447-0FC756BFA607}"/>
               </a:ext>
             </a:extLst>
           </p:cNvPr>
@@ -18060,7 +18281,7 @@
           <p:cNvPr id="20" name="TextBox 19">
             <a:extLst>
               <a:ext uri="{FF2B5EF4-FFF2-40B4-BE49-F238E27FC236}">
-                <a16:creationId xmlns="" xmlns:a16="http://schemas.microsoft.com/office/drawing/2014/main" id="{C8C11F40-27D1-5395-3684-92A7CD1FC542}"/>
+                <a16:creationId xmlns:a16="http://schemas.microsoft.com/office/drawing/2014/main" xmlns="" id="{C8C11F40-27D1-5395-3684-92A7CD1FC542}"/>
               </a:ext>
             </a:extLst>
           </p:cNvPr>
@@ -18128,7 +18349,7 @@
           <p:cNvPr id="22" name="TextBox 21">
             <a:extLst>
               <a:ext uri="{FF2B5EF4-FFF2-40B4-BE49-F238E27FC236}">
-                <a16:creationId xmlns="" xmlns:a16="http://schemas.microsoft.com/office/drawing/2014/main" id="{46917226-5A41-A010-242B-90432022EB60}"/>
+                <a16:creationId xmlns:a16="http://schemas.microsoft.com/office/drawing/2014/main" xmlns="" id="{46917226-5A41-A010-242B-90432022EB60}"/>
               </a:ext>
             </a:extLst>
           </p:cNvPr>
@@ -18181,7 +18402,7 @@
           <p:cNvPr id="24" name="TextBox 23">
             <a:extLst>
               <a:ext uri="{FF2B5EF4-FFF2-40B4-BE49-F238E27FC236}">
-                <a16:creationId xmlns="" xmlns:a16="http://schemas.microsoft.com/office/drawing/2014/main" id="{7C2D047E-1061-5FD3-12F9-1D2A82F1D472}"/>
+                <a16:creationId xmlns:a16="http://schemas.microsoft.com/office/drawing/2014/main" xmlns="" id="{7C2D047E-1061-5FD3-12F9-1D2A82F1D472}"/>
               </a:ext>
             </a:extLst>
           </p:cNvPr>
@@ -18233,7 +18454,7 @@
           <p:cNvPr id="16" name="TextBox 15">
             <a:extLst>
               <a:ext uri="{FF2B5EF4-FFF2-40B4-BE49-F238E27FC236}">
-                <a16:creationId xmlns:a16="http://schemas.microsoft.com/office/drawing/2014/main" xmlns="" id="{D7FA6B07-9DE8-417B-9929-FD64FAE65C5D}"/>
+                <a16:creationId xmlns="" xmlns:a16="http://schemas.microsoft.com/office/drawing/2014/main" id="{D7FA6B07-9DE8-417B-9929-FD64FAE65C5D}"/>
               </a:ext>
             </a:extLst>
           </p:cNvPr>
@@ -19236,7 +19457,7 @@
     </p:spTree>
     <p:extLst>
       <p:ext uri="{BB962C8B-B14F-4D97-AF65-F5344CB8AC3E}">
-        <p14:creationId xmlns="" xmlns:p14="http://schemas.microsoft.com/office/powerpoint/2010/main" val="3414322757"/>
+        <p14:creationId xmlns:p14="http://schemas.microsoft.com/office/powerpoint/2010/main" xmlns="" val="3414322757"/>
       </p:ext>
     </p:extLst>
   </p:cSld>
@@ -19268,7 +19489,7 @@
           <p:cNvPr id="18" name="사각형: 둥근 위쪽 모서리 1">
             <a:extLst>
               <a:ext uri="{FF2B5EF4-FFF2-40B4-BE49-F238E27FC236}">
-                <a16:creationId xmlns="" xmlns:a16="http://schemas.microsoft.com/office/drawing/2014/main" id="{72AD9708-7184-D0D2-8447-0FC756BFA607}"/>
+                <a16:creationId xmlns:a16="http://schemas.microsoft.com/office/drawing/2014/main" xmlns="" id="{72AD9708-7184-D0D2-8447-0FC756BFA607}"/>
               </a:ext>
             </a:extLst>
           </p:cNvPr>
@@ -19320,7 +19541,7 @@
           <p:cNvPr id="20" name="TextBox 19">
             <a:extLst>
               <a:ext uri="{FF2B5EF4-FFF2-40B4-BE49-F238E27FC236}">
-                <a16:creationId xmlns="" xmlns:a16="http://schemas.microsoft.com/office/drawing/2014/main" id="{C8C11F40-27D1-5395-3684-92A7CD1FC542}"/>
+                <a16:creationId xmlns:a16="http://schemas.microsoft.com/office/drawing/2014/main" xmlns="" id="{C8C11F40-27D1-5395-3684-92A7CD1FC542}"/>
               </a:ext>
             </a:extLst>
           </p:cNvPr>
@@ -19388,7 +19609,7 @@
           <p:cNvPr id="22" name="TextBox 21">
             <a:extLst>
               <a:ext uri="{FF2B5EF4-FFF2-40B4-BE49-F238E27FC236}">
-                <a16:creationId xmlns="" xmlns:a16="http://schemas.microsoft.com/office/drawing/2014/main" id="{46917226-5A41-A010-242B-90432022EB60}"/>
+                <a16:creationId xmlns:a16="http://schemas.microsoft.com/office/drawing/2014/main" xmlns="" id="{46917226-5A41-A010-242B-90432022EB60}"/>
               </a:ext>
             </a:extLst>
           </p:cNvPr>
@@ -19441,7 +19662,7 @@
           <p:cNvPr id="24" name="TextBox 23">
             <a:extLst>
               <a:ext uri="{FF2B5EF4-FFF2-40B4-BE49-F238E27FC236}">
-                <a16:creationId xmlns="" xmlns:a16="http://schemas.microsoft.com/office/drawing/2014/main" id="{7C2D047E-1061-5FD3-12F9-1D2A82F1D472}"/>
+                <a16:creationId xmlns:a16="http://schemas.microsoft.com/office/drawing/2014/main" xmlns="" id="{7C2D047E-1061-5FD3-12F9-1D2A82F1D472}"/>
               </a:ext>
             </a:extLst>
           </p:cNvPr>
@@ -19493,7 +19714,7 @@
           <p:cNvPr id="16" name="TextBox 15">
             <a:extLst>
               <a:ext uri="{FF2B5EF4-FFF2-40B4-BE49-F238E27FC236}">
-                <a16:creationId xmlns:a16="http://schemas.microsoft.com/office/drawing/2014/main" xmlns="" id="{D7FA6B07-9DE8-417B-9929-FD64FAE65C5D}"/>
+                <a16:creationId xmlns="" xmlns:a16="http://schemas.microsoft.com/office/drawing/2014/main" id="{D7FA6B07-9DE8-417B-9929-FD64FAE65C5D}"/>
               </a:ext>
             </a:extLst>
           </p:cNvPr>
@@ -20617,7 +20838,7 @@
     </p:spTree>
     <p:extLst>
       <p:ext uri="{BB962C8B-B14F-4D97-AF65-F5344CB8AC3E}">
-        <p14:creationId xmlns="" xmlns:p14="http://schemas.microsoft.com/office/powerpoint/2010/main" val="3414322757"/>
+        <p14:creationId xmlns:p14="http://schemas.microsoft.com/office/powerpoint/2010/main" xmlns="" val="3414322757"/>
       </p:ext>
     </p:extLst>
   </p:cSld>
@@ -20649,7 +20870,7 @@
           <p:cNvPr id="18" name="사각형: 둥근 위쪽 모서리 1">
             <a:extLst>
               <a:ext uri="{FF2B5EF4-FFF2-40B4-BE49-F238E27FC236}">
-                <a16:creationId xmlns="" xmlns:a16="http://schemas.microsoft.com/office/drawing/2014/main" id="{72AD9708-7184-D0D2-8447-0FC756BFA607}"/>
+                <a16:creationId xmlns:a16="http://schemas.microsoft.com/office/drawing/2014/main" xmlns="" id="{72AD9708-7184-D0D2-8447-0FC756BFA607}"/>
               </a:ext>
             </a:extLst>
           </p:cNvPr>
@@ -20701,7 +20922,7 @@
           <p:cNvPr id="20" name="TextBox 19">
             <a:extLst>
               <a:ext uri="{FF2B5EF4-FFF2-40B4-BE49-F238E27FC236}">
-                <a16:creationId xmlns="" xmlns:a16="http://schemas.microsoft.com/office/drawing/2014/main" id="{C8C11F40-27D1-5395-3684-92A7CD1FC542}"/>
+                <a16:creationId xmlns:a16="http://schemas.microsoft.com/office/drawing/2014/main" xmlns="" id="{C8C11F40-27D1-5395-3684-92A7CD1FC542}"/>
               </a:ext>
             </a:extLst>
           </p:cNvPr>
@@ -20769,7 +20990,7 @@
           <p:cNvPr id="22" name="TextBox 21">
             <a:extLst>
               <a:ext uri="{FF2B5EF4-FFF2-40B4-BE49-F238E27FC236}">
-                <a16:creationId xmlns="" xmlns:a16="http://schemas.microsoft.com/office/drawing/2014/main" id="{46917226-5A41-A010-242B-90432022EB60}"/>
+                <a16:creationId xmlns:a16="http://schemas.microsoft.com/office/drawing/2014/main" xmlns="" id="{46917226-5A41-A010-242B-90432022EB60}"/>
               </a:ext>
             </a:extLst>
           </p:cNvPr>
@@ -20822,7 +21043,7 @@
           <p:cNvPr id="24" name="TextBox 23">
             <a:extLst>
               <a:ext uri="{FF2B5EF4-FFF2-40B4-BE49-F238E27FC236}">
-                <a16:creationId xmlns="" xmlns:a16="http://schemas.microsoft.com/office/drawing/2014/main" id="{7C2D047E-1061-5FD3-12F9-1D2A82F1D472}"/>
+                <a16:creationId xmlns:a16="http://schemas.microsoft.com/office/drawing/2014/main" xmlns="" id="{7C2D047E-1061-5FD3-12F9-1D2A82F1D472}"/>
               </a:ext>
             </a:extLst>
           </p:cNvPr>
@@ -20874,7 +21095,7 @@
           <p:cNvPr id="16" name="TextBox 15">
             <a:extLst>
               <a:ext uri="{FF2B5EF4-FFF2-40B4-BE49-F238E27FC236}">
-                <a16:creationId xmlns:a16="http://schemas.microsoft.com/office/drawing/2014/main" xmlns="" id="{D7FA6B07-9DE8-417B-9929-FD64FAE65C5D}"/>
+                <a16:creationId xmlns="" xmlns:a16="http://schemas.microsoft.com/office/drawing/2014/main" id="{D7FA6B07-9DE8-417B-9929-FD64FAE65C5D}"/>
               </a:ext>
             </a:extLst>
           </p:cNvPr>
@@ -21966,7 +22187,7 @@
     </p:spTree>
     <p:extLst>
       <p:ext uri="{BB962C8B-B14F-4D97-AF65-F5344CB8AC3E}">
-        <p14:creationId xmlns="" xmlns:p14="http://schemas.microsoft.com/office/powerpoint/2010/main" val="3414322757"/>
+        <p14:creationId xmlns:p14="http://schemas.microsoft.com/office/powerpoint/2010/main" xmlns="" val="3414322757"/>
       </p:ext>
     </p:extLst>
   </p:cSld>
@@ -21998,7 +22219,7 @@
           <p:cNvPr id="18" name="사각형: 둥근 위쪽 모서리 1">
             <a:extLst>
               <a:ext uri="{FF2B5EF4-FFF2-40B4-BE49-F238E27FC236}">
-                <a16:creationId xmlns="" xmlns:a16="http://schemas.microsoft.com/office/drawing/2014/main" id="{72AD9708-7184-D0D2-8447-0FC756BFA607}"/>
+                <a16:creationId xmlns:a16="http://schemas.microsoft.com/office/drawing/2014/main" xmlns="" id="{72AD9708-7184-D0D2-8447-0FC756BFA607}"/>
               </a:ext>
             </a:extLst>
           </p:cNvPr>
@@ -22050,7 +22271,7 @@
           <p:cNvPr id="20" name="TextBox 19">
             <a:extLst>
               <a:ext uri="{FF2B5EF4-FFF2-40B4-BE49-F238E27FC236}">
-                <a16:creationId xmlns="" xmlns:a16="http://schemas.microsoft.com/office/drawing/2014/main" id="{C8C11F40-27D1-5395-3684-92A7CD1FC542}"/>
+                <a16:creationId xmlns:a16="http://schemas.microsoft.com/office/drawing/2014/main" xmlns="" id="{C8C11F40-27D1-5395-3684-92A7CD1FC542}"/>
               </a:ext>
             </a:extLst>
           </p:cNvPr>
@@ -22118,7 +22339,7 @@
           <p:cNvPr id="22" name="TextBox 21">
             <a:extLst>
               <a:ext uri="{FF2B5EF4-FFF2-40B4-BE49-F238E27FC236}">
-                <a16:creationId xmlns="" xmlns:a16="http://schemas.microsoft.com/office/drawing/2014/main" id="{46917226-5A41-A010-242B-90432022EB60}"/>
+                <a16:creationId xmlns:a16="http://schemas.microsoft.com/office/drawing/2014/main" xmlns="" id="{46917226-5A41-A010-242B-90432022EB60}"/>
               </a:ext>
             </a:extLst>
           </p:cNvPr>
@@ -22171,7 +22392,7 @@
           <p:cNvPr id="24" name="TextBox 23">
             <a:extLst>
               <a:ext uri="{FF2B5EF4-FFF2-40B4-BE49-F238E27FC236}">
-                <a16:creationId xmlns="" xmlns:a16="http://schemas.microsoft.com/office/drawing/2014/main" id="{7C2D047E-1061-5FD3-12F9-1D2A82F1D472}"/>
+                <a16:creationId xmlns:a16="http://schemas.microsoft.com/office/drawing/2014/main" xmlns="" id="{7C2D047E-1061-5FD3-12F9-1D2A82F1D472}"/>
               </a:ext>
             </a:extLst>
           </p:cNvPr>
@@ -22223,7 +22444,7 @@
           <p:cNvPr id="16" name="TextBox 15">
             <a:extLst>
               <a:ext uri="{FF2B5EF4-FFF2-40B4-BE49-F238E27FC236}">
-                <a16:creationId xmlns:a16="http://schemas.microsoft.com/office/drawing/2014/main" xmlns="" id="{D7FA6B07-9DE8-417B-9929-FD64FAE65C5D}"/>
+                <a16:creationId xmlns="" xmlns:a16="http://schemas.microsoft.com/office/drawing/2014/main" id="{D7FA6B07-9DE8-417B-9929-FD64FAE65C5D}"/>
               </a:ext>
             </a:extLst>
           </p:cNvPr>
@@ -23307,7 +23528,7 @@
     </p:spTree>
     <p:extLst>
       <p:ext uri="{BB962C8B-B14F-4D97-AF65-F5344CB8AC3E}">
-        <p14:creationId xmlns="" xmlns:p14="http://schemas.microsoft.com/office/powerpoint/2010/main" val="3414322757"/>
+        <p14:creationId xmlns:p14="http://schemas.microsoft.com/office/powerpoint/2010/main" xmlns="" val="3414322757"/>
       </p:ext>
     </p:extLst>
   </p:cSld>
@@ -23339,7 +23560,7 @@
           <p:cNvPr id="3" name="그림 2" descr="텍스트, 영수증이(가) 표시된 사진&#10;&#10;자동 생성된 설명">
             <a:extLst>
               <a:ext uri="{FF2B5EF4-FFF2-40B4-BE49-F238E27FC236}">
-                <a16:creationId xmlns="" xmlns:a16="http://schemas.microsoft.com/office/drawing/2014/main" id="{C5346DA8-52B4-21FD-61FC-4DD023115361}"/>
+                <a16:creationId xmlns:a16="http://schemas.microsoft.com/office/drawing/2014/main" xmlns="" id="{C5346DA8-52B4-21FD-61FC-4DD023115361}"/>
               </a:ext>
             </a:extLst>
           </p:cNvPr>
@@ -23352,7 +23573,7 @@
           <a:blip r:embed="rId2" cstate="screen">
             <a:extLst>
               <a:ext uri="{28A0092B-C50C-407E-A947-70E740481C1C}">
-                <a14:useLocalDpi xmlns="" xmlns:a14="http://schemas.microsoft.com/office/drawing/2010/main" val="0"/>
+                <a14:useLocalDpi xmlns:a14="http://schemas.microsoft.com/office/drawing/2010/main" xmlns="" val="0"/>
               </a:ext>
             </a:extLst>
           </a:blip>
@@ -23374,7 +23595,7 @@
           <p:cNvPr id="14" name="직사각형 13">
             <a:extLst>
               <a:ext uri="{FF2B5EF4-FFF2-40B4-BE49-F238E27FC236}">
-                <a16:creationId xmlns="" xmlns:a16="http://schemas.microsoft.com/office/drawing/2014/main" id="{AF0EBD9C-014A-FF8A-7404-3042953FA712}"/>
+                <a16:creationId xmlns:a16="http://schemas.microsoft.com/office/drawing/2014/main" xmlns="" id="{AF0EBD9C-014A-FF8A-7404-3042953FA712}"/>
               </a:ext>
             </a:extLst>
           </p:cNvPr>
@@ -23428,7 +23649,7 @@
           <p:cNvPr id="9" name="그래픽 8" descr="가로줄로 채워진 원">
             <a:extLst>
               <a:ext uri="{FF2B5EF4-FFF2-40B4-BE49-F238E27FC236}">
-                <a16:creationId xmlns="" xmlns:a16="http://schemas.microsoft.com/office/drawing/2014/main" id="{D68F7B0B-6084-8493-31A5-A6844917EEC4}"/>
+                <a16:creationId xmlns:a16="http://schemas.microsoft.com/office/drawing/2014/main" xmlns="" id="{D68F7B0B-6084-8493-31A5-A6844917EEC4}"/>
               </a:ext>
             </a:extLst>
           </p:cNvPr>
@@ -23441,10 +23662,10 @@
           <a:blip r:embed="rId3" cstate="screen">
             <a:extLst>
               <a:ext uri="{28A0092B-C50C-407E-A947-70E740481C1C}">
-                <a14:useLocalDpi xmlns="" xmlns:a14="http://schemas.microsoft.com/office/drawing/2010/main" val="0"/>
+                <a14:useLocalDpi xmlns:a14="http://schemas.microsoft.com/office/drawing/2010/main" xmlns="" val="0"/>
               </a:ext>
               <a:ext uri="{96DAC541-7B7A-43D3-8B79-37D633B846F1}">
-                <asvg:svgBlip xmlns="" xmlns:asvg="http://schemas.microsoft.com/office/drawing/2016/SVG/main" r:embed="rId4"/>
+                <asvg:svgBlip xmlns:asvg="http://schemas.microsoft.com/office/drawing/2016/SVG/main" xmlns="" r:embed="rId4"/>
               </a:ext>
             </a:extLst>
           </a:blip>
@@ -23467,7 +23688,7 @@
           <p:cNvPr id="10" name="그래픽 9" descr="가로줄로 채워진 원">
             <a:extLst>
               <a:ext uri="{FF2B5EF4-FFF2-40B4-BE49-F238E27FC236}">
-                <a16:creationId xmlns="" xmlns:a16="http://schemas.microsoft.com/office/drawing/2014/main" id="{9CB23F57-EF5C-CE7C-6250-FAD80738B3B3}"/>
+                <a16:creationId xmlns:a16="http://schemas.microsoft.com/office/drawing/2014/main" xmlns="" id="{9CB23F57-EF5C-CE7C-6250-FAD80738B3B3}"/>
               </a:ext>
             </a:extLst>
           </p:cNvPr>
@@ -23480,10 +23701,10 @@
           <a:blip r:embed="rId5" cstate="screen">
             <a:extLst>
               <a:ext uri="{28A0092B-C50C-407E-A947-70E740481C1C}">
-                <a14:useLocalDpi xmlns="" xmlns:a14="http://schemas.microsoft.com/office/drawing/2010/main" val="0"/>
+                <a14:useLocalDpi xmlns:a14="http://schemas.microsoft.com/office/drawing/2010/main" xmlns="" val="0"/>
               </a:ext>
               <a:ext uri="{96DAC541-7B7A-43D3-8B79-37D633B846F1}">
-                <asvg:svgBlip xmlns="" xmlns:asvg="http://schemas.microsoft.com/office/drawing/2016/SVG/main" r:embed="rId6"/>
+                <asvg:svgBlip xmlns:asvg="http://schemas.microsoft.com/office/drawing/2016/SVG/main" xmlns="" r:embed="rId6"/>
               </a:ext>
             </a:extLst>
           </a:blip>
@@ -23506,7 +23727,7 @@
           <p:cNvPr id="15" name="그룹 14">
             <a:extLst>
               <a:ext uri="{FF2B5EF4-FFF2-40B4-BE49-F238E27FC236}">
-                <a16:creationId xmlns="" xmlns:a16="http://schemas.microsoft.com/office/drawing/2014/main" id="{9ED53580-39CF-B91E-F04C-82D4DB780E1B}"/>
+                <a16:creationId xmlns:a16="http://schemas.microsoft.com/office/drawing/2014/main" xmlns="" id="{9ED53580-39CF-B91E-F04C-82D4DB780E1B}"/>
               </a:ext>
             </a:extLst>
           </p:cNvPr>
@@ -23526,7 +23747,7 @@
             <p:cNvPr id="8" name="TextBox 7">
               <a:extLst>
                 <a:ext uri="{FF2B5EF4-FFF2-40B4-BE49-F238E27FC236}">
-                  <a16:creationId xmlns="" xmlns:a16="http://schemas.microsoft.com/office/drawing/2014/main" id="{891361BF-24AD-BD18-8407-3DD219FC341F}"/>
+                  <a16:creationId xmlns:a16="http://schemas.microsoft.com/office/drawing/2014/main" xmlns="" id="{891361BF-24AD-BD18-8407-3DD219FC341F}"/>
                 </a:ext>
               </a:extLst>
             </p:cNvPr>
@@ -23570,7 +23791,7 @@
             <p:cNvPr id="11" name="TextBox 10">
               <a:extLst>
                 <a:ext uri="{FF2B5EF4-FFF2-40B4-BE49-F238E27FC236}">
-                  <a16:creationId xmlns="" xmlns:a16="http://schemas.microsoft.com/office/drawing/2014/main" id="{B763B768-27E0-8E24-0EBD-D6C0B8A35B2F}"/>
+                  <a16:creationId xmlns:a16="http://schemas.microsoft.com/office/drawing/2014/main" xmlns="" id="{B763B768-27E0-8E24-0EBD-D6C0B8A35B2F}"/>
                 </a:ext>
               </a:extLst>
             </p:cNvPr>
@@ -23613,7 +23834,7 @@
     </p:spTree>
     <p:extLst>
       <p:ext uri="{BB962C8B-B14F-4D97-AF65-F5344CB8AC3E}">
-        <p14:creationId xmlns="" xmlns:p14="http://schemas.microsoft.com/office/powerpoint/2010/main" val="3462426047"/>
+        <p14:creationId xmlns:p14="http://schemas.microsoft.com/office/powerpoint/2010/main" xmlns="" val="3462426047"/>
       </p:ext>
     </p:extLst>
   </p:cSld>
@@ -23621,7 +23842,7 @@
     <a:masterClrMapping/>
   </p:clrMapOvr>
   <mc:AlternateContent xmlns:mc="http://schemas.openxmlformats.org/markup-compatibility/2006">
-    <mc:Choice xmlns="" xmlns:p14="http://schemas.microsoft.com/office/powerpoint/2010/main" Requires="p14">
+    <mc:Choice xmlns:p14="http://schemas.microsoft.com/office/powerpoint/2010/main" xmlns="" Requires="p14">
       <p:transition spd="med" p14:dur="700">
         <p:fade/>
       </p:transition>
@@ -23657,7 +23878,7 @@
           <p:cNvPr id="18" name="사각형: 둥근 위쪽 모서리 1">
             <a:extLst>
               <a:ext uri="{FF2B5EF4-FFF2-40B4-BE49-F238E27FC236}">
-                <a16:creationId xmlns="" xmlns:a16="http://schemas.microsoft.com/office/drawing/2014/main" id="{72AD9708-7184-D0D2-8447-0FC756BFA607}"/>
+                <a16:creationId xmlns:a16="http://schemas.microsoft.com/office/drawing/2014/main" xmlns="" id="{72AD9708-7184-D0D2-8447-0FC756BFA607}"/>
               </a:ext>
             </a:extLst>
           </p:cNvPr>
@@ -23709,7 +23930,7 @@
           <p:cNvPr id="20" name="TextBox 19">
             <a:extLst>
               <a:ext uri="{FF2B5EF4-FFF2-40B4-BE49-F238E27FC236}">
-                <a16:creationId xmlns="" xmlns:a16="http://schemas.microsoft.com/office/drawing/2014/main" id="{C8C11F40-27D1-5395-3684-92A7CD1FC542}"/>
+                <a16:creationId xmlns:a16="http://schemas.microsoft.com/office/drawing/2014/main" xmlns="" id="{C8C11F40-27D1-5395-3684-92A7CD1FC542}"/>
               </a:ext>
             </a:extLst>
           </p:cNvPr>
@@ -23777,7 +23998,7 @@
           <p:cNvPr id="22" name="TextBox 21">
             <a:extLst>
               <a:ext uri="{FF2B5EF4-FFF2-40B4-BE49-F238E27FC236}">
-                <a16:creationId xmlns="" xmlns:a16="http://schemas.microsoft.com/office/drawing/2014/main" id="{46917226-5A41-A010-242B-90432022EB60}"/>
+                <a16:creationId xmlns:a16="http://schemas.microsoft.com/office/drawing/2014/main" xmlns="" id="{46917226-5A41-A010-242B-90432022EB60}"/>
               </a:ext>
             </a:extLst>
           </p:cNvPr>
@@ -23830,7 +24051,7 @@
           <p:cNvPr id="24" name="TextBox 23">
             <a:extLst>
               <a:ext uri="{FF2B5EF4-FFF2-40B4-BE49-F238E27FC236}">
-                <a16:creationId xmlns="" xmlns:a16="http://schemas.microsoft.com/office/drawing/2014/main" id="{7C2D047E-1061-5FD3-12F9-1D2A82F1D472}"/>
+                <a16:creationId xmlns:a16="http://schemas.microsoft.com/office/drawing/2014/main" xmlns="" id="{7C2D047E-1061-5FD3-12F9-1D2A82F1D472}"/>
               </a:ext>
             </a:extLst>
           </p:cNvPr>
@@ -23882,7 +24103,7 @@
           <p:cNvPr id="16" name="TextBox 15">
             <a:extLst>
               <a:ext uri="{FF2B5EF4-FFF2-40B4-BE49-F238E27FC236}">
-                <a16:creationId xmlns:a16="http://schemas.microsoft.com/office/drawing/2014/main" xmlns="" id="{D7FA6B07-9DE8-417B-9929-FD64FAE65C5D}"/>
+                <a16:creationId xmlns="" xmlns:a16="http://schemas.microsoft.com/office/drawing/2014/main" id="{D7FA6B07-9DE8-417B-9929-FD64FAE65C5D}"/>
               </a:ext>
             </a:extLst>
           </p:cNvPr>
@@ -24681,7 +24902,7 @@
     </p:spTree>
     <p:extLst>
       <p:ext uri="{BB962C8B-B14F-4D97-AF65-F5344CB8AC3E}">
-        <p14:creationId xmlns="" xmlns:p14="http://schemas.microsoft.com/office/powerpoint/2010/main" val="3414322757"/>
+        <p14:creationId xmlns:p14="http://schemas.microsoft.com/office/powerpoint/2010/main" xmlns="" val="3414322757"/>
       </p:ext>
     </p:extLst>
   </p:cSld>
@@ -24713,7 +24934,7 @@
           <p:cNvPr id="18" name="사각형: 둥근 위쪽 모서리 1">
             <a:extLst>
               <a:ext uri="{FF2B5EF4-FFF2-40B4-BE49-F238E27FC236}">
-                <a16:creationId xmlns="" xmlns:a16="http://schemas.microsoft.com/office/drawing/2014/main" id="{72AD9708-7184-D0D2-8447-0FC756BFA607}"/>
+                <a16:creationId xmlns:a16="http://schemas.microsoft.com/office/drawing/2014/main" xmlns="" id="{72AD9708-7184-D0D2-8447-0FC756BFA607}"/>
               </a:ext>
             </a:extLst>
           </p:cNvPr>
@@ -24765,7 +24986,7 @@
           <p:cNvPr id="20" name="TextBox 19">
             <a:extLst>
               <a:ext uri="{FF2B5EF4-FFF2-40B4-BE49-F238E27FC236}">
-                <a16:creationId xmlns="" xmlns:a16="http://schemas.microsoft.com/office/drawing/2014/main" id="{C8C11F40-27D1-5395-3684-92A7CD1FC542}"/>
+                <a16:creationId xmlns:a16="http://schemas.microsoft.com/office/drawing/2014/main" xmlns="" id="{C8C11F40-27D1-5395-3684-92A7CD1FC542}"/>
               </a:ext>
             </a:extLst>
           </p:cNvPr>
@@ -24833,7 +25054,7 @@
           <p:cNvPr id="22" name="TextBox 21">
             <a:extLst>
               <a:ext uri="{FF2B5EF4-FFF2-40B4-BE49-F238E27FC236}">
-                <a16:creationId xmlns="" xmlns:a16="http://schemas.microsoft.com/office/drawing/2014/main" id="{46917226-5A41-A010-242B-90432022EB60}"/>
+                <a16:creationId xmlns:a16="http://schemas.microsoft.com/office/drawing/2014/main" xmlns="" id="{46917226-5A41-A010-242B-90432022EB60}"/>
               </a:ext>
             </a:extLst>
           </p:cNvPr>
@@ -24886,7 +25107,7 @@
           <p:cNvPr id="24" name="TextBox 23">
             <a:extLst>
               <a:ext uri="{FF2B5EF4-FFF2-40B4-BE49-F238E27FC236}">
-                <a16:creationId xmlns="" xmlns:a16="http://schemas.microsoft.com/office/drawing/2014/main" id="{7C2D047E-1061-5FD3-12F9-1D2A82F1D472}"/>
+                <a16:creationId xmlns:a16="http://schemas.microsoft.com/office/drawing/2014/main" xmlns="" id="{7C2D047E-1061-5FD3-12F9-1D2A82F1D472}"/>
               </a:ext>
             </a:extLst>
           </p:cNvPr>
@@ -24938,7 +25159,7 @@
           <p:cNvPr id="16" name="TextBox 15">
             <a:extLst>
               <a:ext uri="{FF2B5EF4-FFF2-40B4-BE49-F238E27FC236}">
-                <a16:creationId xmlns:a16="http://schemas.microsoft.com/office/drawing/2014/main" xmlns="" id="{D7FA6B07-9DE8-417B-9929-FD64FAE65C5D}"/>
+                <a16:creationId xmlns="" xmlns:a16="http://schemas.microsoft.com/office/drawing/2014/main" id="{D7FA6B07-9DE8-417B-9929-FD64FAE65C5D}"/>
               </a:ext>
             </a:extLst>
           </p:cNvPr>
@@ -26369,7 +26590,7 @@
     </p:spTree>
     <p:extLst>
       <p:ext uri="{BB962C8B-B14F-4D97-AF65-F5344CB8AC3E}">
-        <p14:creationId xmlns="" xmlns:p14="http://schemas.microsoft.com/office/powerpoint/2010/main" val="3414322757"/>
+        <p14:creationId xmlns:p14="http://schemas.microsoft.com/office/powerpoint/2010/main" xmlns="" val="3414322757"/>
       </p:ext>
     </p:extLst>
   </p:cSld>
@@ -26401,7 +26622,7 @@
           <p:cNvPr id="18" name="사각형: 둥근 위쪽 모서리 1">
             <a:extLst>
               <a:ext uri="{FF2B5EF4-FFF2-40B4-BE49-F238E27FC236}">
-                <a16:creationId xmlns="" xmlns:a16="http://schemas.microsoft.com/office/drawing/2014/main" id="{72AD9708-7184-D0D2-8447-0FC756BFA607}"/>
+                <a16:creationId xmlns:a16="http://schemas.microsoft.com/office/drawing/2014/main" xmlns="" id="{72AD9708-7184-D0D2-8447-0FC756BFA607}"/>
               </a:ext>
             </a:extLst>
           </p:cNvPr>
@@ -26453,7 +26674,7 @@
           <p:cNvPr id="20" name="TextBox 19">
             <a:extLst>
               <a:ext uri="{FF2B5EF4-FFF2-40B4-BE49-F238E27FC236}">
-                <a16:creationId xmlns="" xmlns:a16="http://schemas.microsoft.com/office/drawing/2014/main" id="{C8C11F40-27D1-5395-3684-92A7CD1FC542}"/>
+                <a16:creationId xmlns:a16="http://schemas.microsoft.com/office/drawing/2014/main" xmlns="" id="{C8C11F40-27D1-5395-3684-92A7CD1FC542}"/>
               </a:ext>
             </a:extLst>
           </p:cNvPr>
@@ -26521,7 +26742,7 @@
           <p:cNvPr id="22" name="TextBox 21">
             <a:extLst>
               <a:ext uri="{FF2B5EF4-FFF2-40B4-BE49-F238E27FC236}">
-                <a16:creationId xmlns="" xmlns:a16="http://schemas.microsoft.com/office/drawing/2014/main" id="{46917226-5A41-A010-242B-90432022EB60}"/>
+                <a16:creationId xmlns:a16="http://schemas.microsoft.com/office/drawing/2014/main" xmlns="" id="{46917226-5A41-A010-242B-90432022EB60}"/>
               </a:ext>
             </a:extLst>
           </p:cNvPr>
@@ -26574,7 +26795,7 @@
           <p:cNvPr id="24" name="TextBox 23">
             <a:extLst>
               <a:ext uri="{FF2B5EF4-FFF2-40B4-BE49-F238E27FC236}">
-                <a16:creationId xmlns="" xmlns:a16="http://schemas.microsoft.com/office/drawing/2014/main" id="{7C2D047E-1061-5FD3-12F9-1D2A82F1D472}"/>
+                <a16:creationId xmlns:a16="http://schemas.microsoft.com/office/drawing/2014/main" xmlns="" id="{7C2D047E-1061-5FD3-12F9-1D2A82F1D472}"/>
               </a:ext>
             </a:extLst>
           </p:cNvPr>
@@ -26626,7 +26847,7 @@
           <p:cNvPr id="16" name="TextBox 15">
             <a:extLst>
               <a:ext uri="{FF2B5EF4-FFF2-40B4-BE49-F238E27FC236}">
-                <a16:creationId xmlns:a16="http://schemas.microsoft.com/office/drawing/2014/main" xmlns="" id="{D7FA6B07-9DE8-417B-9929-FD64FAE65C5D}"/>
+                <a16:creationId xmlns="" xmlns:a16="http://schemas.microsoft.com/office/drawing/2014/main" id="{D7FA6B07-9DE8-417B-9929-FD64FAE65C5D}"/>
               </a:ext>
             </a:extLst>
           </p:cNvPr>
@@ -26897,7 +27118,7 @@
     </p:spTree>
     <p:extLst>
       <p:ext uri="{BB962C8B-B14F-4D97-AF65-F5344CB8AC3E}">
-        <p14:creationId xmlns="" xmlns:p14="http://schemas.microsoft.com/office/powerpoint/2010/main" val="3414322757"/>
+        <p14:creationId xmlns:p14="http://schemas.microsoft.com/office/powerpoint/2010/main" xmlns="" val="3414322757"/>
       </p:ext>
     </p:extLst>
   </p:cSld>
@@ -26929,7 +27150,7 @@
           <p:cNvPr id="18" name="사각형: 둥근 위쪽 모서리 1">
             <a:extLst>
               <a:ext uri="{FF2B5EF4-FFF2-40B4-BE49-F238E27FC236}">
-                <a16:creationId xmlns="" xmlns:a16="http://schemas.microsoft.com/office/drawing/2014/main" id="{72AD9708-7184-D0D2-8447-0FC756BFA607}"/>
+                <a16:creationId xmlns:a16="http://schemas.microsoft.com/office/drawing/2014/main" xmlns="" id="{72AD9708-7184-D0D2-8447-0FC756BFA607}"/>
               </a:ext>
             </a:extLst>
           </p:cNvPr>
@@ -26981,7 +27202,7 @@
           <p:cNvPr id="20" name="TextBox 19">
             <a:extLst>
               <a:ext uri="{FF2B5EF4-FFF2-40B4-BE49-F238E27FC236}">
-                <a16:creationId xmlns="" xmlns:a16="http://schemas.microsoft.com/office/drawing/2014/main" id="{C8C11F40-27D1-5395-3684-92A7CD1FC542}"/>
+                <a16:creationId xmlns:a16="http://schemas.microsoft.com/office/drawing/2014/main" xmlns="" id="{C8C11F40-27D1-5395-3684-92A7CD1FC542}"/>
               </a:ext>
             </a:extLst>
           </p:cNvPr>
@@ -27049,7 +27270,7 @@
           <p:cNvPr id="22" name="TextBox 21">
             <a:extLst>
               <a:ext uri="{FF2B5EF4-FFF2-40B4-BE49-F238E27FC236}">
-                <a16:creationId xmlns="" xmlns:a16="http://schemas.microsoft.com/office/drawing/2014/main" id="{46917226-5A41-A010-242B-90432022EB60}"/>
+                <a16:creationId xmlns:a16="http://schemas.microsoft.com/office/drawing/2014/main" xmlns="" id="{46917226-5A41-A010-242B-90432022EB60}"/>
               </a:ext>
             </a:extLst>
           </p:cNvPr>
@@ -27102,7 +27323,7 @@
           <p:cNvPr id="24" name="TextBox 23">
             <a:extLst>
               <a:ext uri="{FF2B5EF4-FFF2-40B4-BE49-F238E27FC236}">
-                <a16:creationId xmlns="" xmlns:a16="http://schemas.microsoft.com/office/drawing/2014/main" id="{7C2D047E-1061-5FD3-12F9-1D2A82F1D472}"/>
+                <a16:creationId xmlns:a16="http://schemas.microsoft.com/office/drawing/2014/main" xmlns="" id="{7C2D047E-1061-5FD3-12F9-1D2A82F1D472}"/>
               </a:ext>
             </a:extLst>
           </p:cNvPr>
@@ -27154,7 +27375,7 @@
           <p:cNvPr id="16" name="TextBox 15">
             <a:extLst>
               <a:ext uri="{FF2B5EF4-FFF2-40B4-BE49-F238E27FC236}">
-                <a16:creationId xmlns:a16="http://schemas.microsoft.com/office/drawing/2014/main" xmlns="" id="{D7FA6B07-9DE8-417B-9929-FD64FAE65C5D}"/>
+                <a16:creationId xmlns="" xmlns:a16="http://schemas.microsoft.com/office/drawing/2014/main" id="{D7FA6B07-9DE8-417B-9929-FD64FAE65C5D}"/>
               </a:ext>
             </a:extLst>
           </p:cNvPr>
@@ -27444,7 +27665,7 @@
     </p:spTree>
     <p:extLst>
       <p:ext uri="{BB962C8B-B14F-4D97-AF65-F5344CB8AC3E}">
-        <p14:creationId xmlns="" xmlns:p14="http://schemas.microsoft.com/office/powerpoint/2010/main" val="3414322757"/>
+        <p14:creationId xmlns:p14="http://schemas.microsoft.com/office/powerpoint/2010/main" xmlns="" val="3414322757"/>
       </p:ext>
     </p:extLst>
   </p:cSld>
@@ -27476,7 +27697,7 @@
           <p:cNvPr id="18" name="사각형: 둥근 위쪽 모서리 1">
             <a:extLst>
               <a:ext uri="{FF2B5EF4-FFF2-40B4-BE49-F238E27FC236}">
-                <a16:creationId xmlns="" xmlns:a16="http://schemas.microsoft.com/office/drawing/2014/main" id="{72AD9708-7184-D0D2-8447-0FC756BFA607}"/>
+                <a16:creationId xmlns:a16="http://schemas.microsoft.com/office/drawing/2014/main" xmlns="" id="{72AD9708-7184-D0D2-8447-0FC756BFA607}"/>
               </a:ext>
             </a:extLst>
           </p:cNvPr>
@@ -27528,7 +27749,7 @@
           <p:cNvPr id="20" name="TextBox 19">
             <a:extLst>
               <a:ext uri="{FF2B5EF4-FFF2-40B4-BE49-F238E27FC236}">
-                <a16:creationId xmlns="" xmlns:a16="http://schemas.microsoft.com/office/drawing/2014/main" id="{C8C11F40-27D1-5395-3684-92A7CD1FC542}"/>
+                <a16:creationId xmlns:a16="http://schemas.microsoft.com/office/drawing/2014/main" xmlns="" id="{C8C11F40-27D1-5395-3684-92A7CD1FC542}"/>
               </a:ext>
             </a:extLst>
           </p:cNvPr>
@@ -27596,7 +27817,7 @@
           <p:cNvPr id="22" name="TextBox 21">
             <a:extLst>
               <a:ext uri="{FF2B5EF4-FFF2-40B4-BE49-F238E27FC236}">
-                <a16:creationId xmlns="" xmlns:a16="http://schemas.microsoft.com/office/drawing/2014/main" id="{46917226-5A41-A010-242B-90432022EB60}"/>
+                <a16:creationId xmlns:a16="http://schemas.microsoft.com/office/drawing/2014/main" xmlns="" id="{46917226-5A41-A010-242B-90432022EB60}"/>
               </a:ext>
             </a:extLst>
           </p:cNvPr>
@@ -27649,7 +27870,7 @@
           <p:cNvPr id="24" name="TextBox 23">
             <a:extLst>
               <a:ext uri="{FF2B5EF4-FFF2-40B4-BE49-F238E27FC236}">
-                <a16:creationId xmlns="" xmlns:a16="http://schemas.microsoft.com/office/drawing/2014/main" id="{7C2D047E-1061-5FD3-12F9-1D2A82F1D472}"/>
+                <a16:creationId xmlns:a16="http://schemas.microsoft.com/office/drawing/2014/main" xmlns="" id="{7C2D047E-1061-5FD3-12F9-1D2A82F1D472}"/>
               </a:ext>
             </a:extLst>
           </p:cNvPr>
@@ -27701,7 +27922,7 @@
           <p:cNvPr id="16" name="TextBox 15">
             <a:extLst>
               <a:ext uri="{FF2B5EF4-FFF2-40B4-BE49-F238E27FC236}">
-                <a16:creationId xmlns:a16="http://schemas.microsoft.com/office/drawing/2014/main" xmlns="" id="{D7FA6B07-9DE8-417B-9929-FD64FAE65C5D}"/>
+                <a16:creationId xmlns="" xmlns:a16="http://schemas.microsoft.com/office/drawing/2014/main" id="{D7FA6B07-9DE8-417B-9929-FD64FAE65C5D}"/>
               </a:ext>
             </a:extLst>
           </p:cNvPr>
@@ -28041,7 +28262,7 @@
     </p:spTree>
     <p:extLst>
       <p:ext uri="{BB962C8B-B14F-4D97-AF65-F5344CB8AC3E}">
-        <p14:creationId xmlns="" xmlns:p14="http://schemas.microsoft.com/office/powerpoint/2010/main" val="3414322757"/>
+        <p14:creationId xmlns:p14="http://schemas.microsoft.com/office/powerpoint/2010/main" xmlns="" val="3414322757"/>
       </p:ext>
     </p:extLst>
   </p:cSld>
@@ -28073,7 +28294,7 @@
           <p:cNvPr id="18" name="사각형: 둥근 위쪽 모서리 1">
             <a:extLst>
               <a:ext uri="{FF2B5EF4-FFF2-40B4-BE49-F238E27FC236}">
-                <a16:creationId xmlns="" xmlns:a16="http://schemas.microsoft.com/office/drawing/2014/main" id="{72AD9708-7184-D0D2-8447-0FC756BFA607}"/>
+                <a16:creationId xmlns:a16="http://schemas.microsoft.com/office/drawing/2014/main" xmlns="" id="{72AD9708-7184-D0D2-8447-0FC756BFA607}"/>
               </a:ext>
             </a:extLst>
           </p:cNvPr>
@@ -28125,7 +28346,7 @@
           <p:cNvPr id="20" name="TextBox 19">
             <a:extLst>
               <a:ext uri="{FF2B5EF4-FFF2-40B4-BE49-F238E27FC236}">
-                <a16:creationId xmlns="" xmlns:a16="http://schemas.microsoft.com/office/drawing/2014/main" id="{C8C11F40-27D1-5395-3684-92A7CD1FC542}"/>
+                <a16:creationId xmlns:a16="http://schemas.microsoft.com/office/drawing/2014/main" xmlns="" id="{C8C11F40-27D1-5395-3684-92A7CD1FC542}"/>
               </a:ext>
             </a:extLst>
           </p:cNvPr>
@@ -28193,7 +28414,7 @@
           <p:cNvPr id="22" name="TextBox 21">
             <a:extLst>
               <a:ext uri="{FF2B5EF4-FFF2-40B4-BE49-F238E27FC236}">
-                <a16:creationId xmlns="" xmlns:a16="http://schemas.microsoft.com/office/drawing/2014/main" id="{46917226-5A41-A010-242B-90432022EB60}"/>
+                <a16:creationId xmlns:a16="http://schemas.microsoft.com/office/drawing/2014/main" xmlns="" id="{46917226-5A41-A010-242B-90432022EB60}"/>
               </a:ext>
             </a:extLst>
           </p:cNvPr>
@@ -28246,7 +28467,7 @@
           <p:cNvPr id="24" name="TextBox 23">
             <a:extLst>
               <a:ext uri="{FF2B5EF4-FFF2-40B4-BE49-F238E27FC236}">
-                <a16:creationId xmlns="" xmlns:a16="http://schemas.microsoft.com/office/drawing/2014/main" id="{7C2D047E-1061-5FD3-12F9-1D2A82F1D472}"/>
+                <a16:creationId xmlns:a16="http://schemas.microsoft.com/office/drawing/2014/main" xmlns="" id="{7C2D047E-1061-5FD3-12F9-1D2A82F1D472}"/>
               </a:ext>
             </a:extLst>
           </p:cNvPr>
@@ -28298,7 +28519,7 @@
           <p:cNvPr id="16" name="TextBox 15">
             <a:extLst>
               <a:ext uri="{FF2B5EF4-FFF2-40B4-BE49-F238E27FC236}">
-                <a16:creationId xmlns:a16="http://schemas.microsoft.com/office/drawing/2014/main" xmlns="" id="{D7FA6B07-9DE8-417B-9929-FD64FAE65C5D}"/>
+                <a16:creationId xmlns="" xmlns:a16="http://schemas.microsoft.com/office/drawing/2014/main" id="{D7FA6B07-9DE8-417B-9929-FD64FAE65C5D}"/>
               </a:ext>
             </a:extLst>
           </p:cNvPr>
@@ -28668,7 +28889,7 @@
     </p:spTree>
     <p:extLst>
       <p:ext uri="{BB962C8B-B14F-4D97-AF65-F5344CB8AC3E}">
-        <p14:creationId xmlns="" xmlns:p14="http://schemas.microsoft.com/office/powerpoint/2010/main" val="3414322757"/>
+        <p14:creationId xmlns:p14="http://schemas.microsoft.com/office/powerpoint/2010/main" xmlns="" val="3414322757"/>
       </p:ext>
     </p:extLst>
   </p:cSld>
@@ -28700,7 +28921,7 @@
           <p:cNvPr id="18" name="사각형: 둥근 위쪽 모서리 1">
             <a:extLst>
               <a:ext uri="{FF2B5EF4-FFF2-40B4-BE49-F238E27FC236}">
-                <a16:creationId xmlns="" xmlns:a16="http://schemas.microsoft.com/office/drawing/2014/main" id="{72AD9708-7184-D0D2-8447-0FC756BFA607}"/>
+                <a16:creationId xmlns:a16="http://schemas.microsoft.com/office/drawing/2014/main" xmlns="" id="{72AD9708-7184-D0D2-8447-0FC756BFA607}"/>
               </a:ext>
             </a:extLst>
           </p:cNvPr>
@@ -28752,7 +28973,7 @@
           <p:cNvPr id="20" name="TextBox 19">
             <a:extLst>
               <a:ext uri="{FF2B5EF4-FFF2-40B4-BE49-F238E27FC236}">
-                <a16:creationId xmlns="" xmlns:a16="http://schemas.microsoft.com/office/drawing/2014/main" id="{C8C11F40-27D1-5395-3684-92A7CD1FC542}"/>
+                <a16:creationId xmlns:a16="http://schemas.microsoft.com/office/drawing/2014/main" xmlns="" id="{C8C11F40-27D1-5395-3684-92A7CD1FC542}"/>
               </a:ext>
             </a:extLst>
           </p:cNvPr>
@@ -28820,7 +29041,7 @@
           <p:cNvPr id="22" name="TextBox 21">
             <a:extLst>
               <a:ext uri="{FF2B5EF4-FFF2-40B4-BE49-F238E27FC236}">
-                <a16:creationId xmlns="" xmlns:a16="http://schemas.microsoft.com/office/drawing/2014/main" id="{46917226-5A41-A010-242B-90432022EB60}"/>
+                <a16:creationId xmlns:a16="http://schemas.microsoft.com/office/drawing/2014/main" xmlns="" id="{46917226-5A41-A010-242B-90432022EB60}"/>
               </a:ext>
             </a:extLst>
           </p:cNvPr>
@@ -28873,7 +29094,7 @@
           <p:cNvPr id="24" name="TextBox 23">
             <a:extLst>
               <a:ext uri="{FF2B5EF4-FFF2-40B4-BE49-F238E27FC236}">
-                <a16:creationId xmlns="" xmlns:a16="http://schemas.microsoft.com/office/drawing/2014/main" id="{7C2D047E-1061-5FD3-12F9-1D2A82F1D472}"/>
+                <a16:creationId xmlns:a16="http://schemas.microsoft.com/office/drawing/2014/main" xmlns="" id="{7C2D047E-1061-5FD3-12F9-1D2A82F1D472}"/>
               </a:ext>
             </a:extLst>
           </p:cNvPr>
@@ -28925,7 +29146,7 @@
           <p:cNvPr id="16" name="TextBox 15">
             <a:extLst>
               <a:ext uri="{FF2B5EF4-FFF2-40B4-BE49-F238E27FC236}">
-                <a16:creationId xmlns:a16="http://schemas.microsoft.com/office/drawing/2014/main" xmlns="" id="{D7FA6B07-9DE8-417B-9929-FD64FAE65C5D}"/>
+                <a16:creationId xmlns="" xmlns:a16="http://schemas.microsoft.com/office/drawing/2014/main" id="{D7FA6B07-9DE8-417B-9929-FD64FAE65C5D}"/>
               </a:ext>
             </a:extLst>
           </p:cNvPr>
@@ -29357,7 +29578,7 @@
     </p:spTree>
     <p:extLst>
       <p:ext uri="{BB962C8B-B14F-4D97-AF65-F5344CB8AC3E}">
-        <p14:creationId xmlns="" xmlns:p14="http://schemas.microsoft.com/office/powerpoint/2010/main" val="3414322757"/>
+        <p14:creationId xmlns:p14="http://schemas.microsoft.com/office/powerpoint/2010/main" xmlns="" val="3414322757"/>
       </p:ext>
     </p:extLst>
   </p:cSld>
@@ -29389,7 +29610,7 @@
           <p:cNvPr id="18" name="사각형: 둥근 위쪽 모서리 1">
             <a:extLst>
               <a:ext uri="{FF2B5EF4-FFF2-40B4-BE49-F238E27FC236}">
-                <a16:creationId xmlns="" xmlns:a16="http://schemas.microsoft.com/office/drawing/2014/main" id="{72AD9708-7184-D0D2-8447-0FC756BFA607}"/>
+                <a16:creationId xmlns:a16="http://schemas.microsoft.com/office/drawing/2014/main" xmlns="" id="{72AD9708-7184-D0D2-8447-0FC756BFA607}"/>
               </a:ext>
             </a:extLst>
           </p:cNvPr>
@@ -29441,7 +29662,7 @@
           <p:cNvPr id="20" name="TextBox 19">
             <a:extLst>
               <a:ext uri="{FF2B5EF4-FFF2-40B4-BE49-F238E27FC236}">
-                <a16:creationId xmlns="" xmlns:a16="http://schemas.microsoft.com/office/drawing/2014/main" id="{C8C11F40-27D1-5395-3684-92A7CD1FC542}"/>
+                <a16:creationId xmlns:a16="http://schemas.microsoft.com/office/drawing/2014/main" xmlns="" id="{C8C11F40-27D1-5395-3684-92A7CD1FC542}"/>
               </a:ext>
             </a:extLst>
           </p:cNvPr>
@@ -29509,7 +29730,7 @@
           <p:cNvPr id="22" name="TextBox 21">
             <a:extLst>
               <a:ext uri="{FF2B5EF4-FFF2-40B4-BE49-F238E27FC236}">
-                <a16:creationId xmlns="" xmlns:a16="http://schemas.microsoft.com/office/drawing/2014/main" id="{46917226-5A41-A010-242B-90432022EB60}"/>
+                <a16:creationId xmlns:a16="http://schemas.microsoft.com/office/drawing/2014/main" xmlns="" id="{46917226-5A41-A010-242B-90432022EB60}"/>
               </a:ext>
             </a:extLst>
           </p:cNvPr>
@@ -29562,7 +29783,7 @@
           <p:cNvPr id="24" name="TextBox 23">
             <a:extLst>
               <a:ext uri="{FF2B5EF4-FFF2-40B4-BE49-F238E27FC236}">
-                <a16:creationId xmlns="" xmlns:a16="http://schemas.microsoft.com/office/drawing/2014/main" id="{7C2D047E-1061-5FD3-12F9-1D2A82F1D472}"/>
+                <a16:creationId xmlns:a16="http://schemas.microsoft.com/office/drawing/2014/main" xmlns="" id="{7C2D047E-1061-5FD3-12F9-1D2A82F1D472}"/>
               </a:ext>
             </a:extLst>
           </p:cNvPr>
@@ -29614,7 +29835,7 @@
           <p:cNvPr id="16" name="TextBox 15">
             <a:extLst>
               <a:ext uri="{FF2B5EF4-FFF2-40B4-BE49-F238E27FC236}">
-                <a16:creationId xmlns:a16="http://schemas.microsoft.com/office/drawing/2014/main" xmlns="" id="{D7FA6B07-9DE8-417B-9929-FD64FAE65C5D}"/>
+                <a16:creationId xmlns="" xmlns:a16="http://schemas.microsoft.com/office/drawing/2014/main" id="{D7FA6B07-9DE8-417B-9929-FD64FAE65C5D}"/>
               </a:ext>
             </a:extLst>
           </p:cNvPr>
@@ -29988,7 +30209,7 @@
     </p:spTree>
     <p:extLst>
       <p:ext uri="{BB962C8B-B14F-4D97-AF65-F5344CB8AC3E}">
-        <p14:creationId xmlns="" xmlns:p14="http://schemas.microsoft.com/office/powerpoint/2010/main" val="3414322757"/>
+        <p14:creationId xmlns:p14="http://schemas.microsoft.com/office/powerpoint/2010/main" xmlns="" val="3414322757"/>
       </p:ext>
     </p:extLst>
   </p:cSld>
@@ -30020,7 +30241,7 @@
           <p:cNvPr id="18" name="사각형: 둥근 위쪽 모서리 1">
             <a:extLst>
               <a:ext uri="{FF2B5EF4-FFF2-40B4-BE49-F238E27FC236}">
-                <a16:creationId xmlns="" xmlns:a16="http://schemas.microsoft.com/office/drawing/2014/main" id="{72AD9708-7184-D0D2-8447-0FC756BFA607}"/>
+                <a16:creationId xmlns:a16="http://schemas.microsoft.com/office/drawing/2014/main" xmlns="" id="{72AD9708-7184-D0D2-8447-0FC756BFA607}"/>
               </a:ext>
             </a:extLst>
           </p:cNvPr>
@@ -30072,7 +30293,7 @@
           <p:cNvPr id="20" name="TextBox 19">
             <a:extLst>
               <a:ext uri="{FF2B5EF4-FFF2-40B4-BE49-F238E27FC236}">
-                <a16:creationId xmlns="" xmlns:a16="http://schemas.microsoft.com/office/drawing/2014/main" id="{C8C11F40-27D1-5395-3684-92A7CD1FC542}"/>
+                <a16:creationId xmlns:a16="http://schemas.microsoft.com/office/drawing/2014/main" xmlns="" id="{C8C11F40-27D1-5395-3684-92A7CD1FC542}"/>
               </a:ext>
             </a:extLst>
           </p:cNvPr>
@@ -30140,7 +30361,7 @@
           <p:cNvPr id="22" name="TextBox 21">
             <a:extLst>
               <a:ext uri="{FF2B5EF4-FFF2-40B4-BE49-F238E27FC236}">
-                <a16:creationId xmlns="" xmlns:a16="http://schemas.microsoft.com/office/drawing/2014/main" id="{46917226-5A41-A010-242B-90432022EB60}"/>
+                <a16:creationId xmlns:a16="http://schemas.microsoft.com/office/drawing/2014/main" xmlns="" id="{46917226-5A41-A010-242B-90432022EB60}"/>
               </a:ext>
             </a:extLst>
           </p:cNvPr>
@@ -30193,7 +30414,7 @@
           <p:cNvPr id="24" name="TextBox 23">
             <a:extLst>
               <a:ext uri="{FF2B5EF4-FFF2-40B4-BE49-F238E27FC236}">
-                <a16:creationId xmlns="" xmlns:a16="http://schemas.microsoft.com/office/drawing/2014/main" id="{7C2D047E-1061-5FD3-12F9-1D2A82F1D472}"/>
+                <a16:creationId xmlns:a16="http://schemas.microsoft.com/office/drawing/2014/main" xmlns="" id="{7C2D047E-1061-5FD3-12F9-1D2A82F1D472}"/>
               </a:ext>
             </a:extLst>
           </p:cNvPr>
@@ -30245,7 +30466,7 @@
           <p:cNvPr id="16" name="TextBox 15">
             <a:extLst>
               <a:ext uri="{FF2B5EF4-FFF2-40B4-BE49-F238E27FC236}">
-                <a16:creationId xmlns:a16="http://schemas.microsoft.com/office/drawing/2014/main" xmlns="" id="{D7FA6B07-9DE8-417B-9929-FD64FAE65C5D}"/>
+                <a16:creationId xmlns="" xmlns:a16="http://schemas.microsoft.com/office/drawing/2014/main" id="{D7FA6B07-9DE8-417B-9929-FD64FAE65C5D}"/>
               </a:ext>
             </a:extLst>
           </p:cNvPr>
@@ -30498,7 +30719,7 @@
     </p:spTree>
     <p:extLst>
       <p:ext uri="{BB962C8B-B14F-4D97-AF65-F5344CB8AC3E}">
-        <p14:creationId xmlns="" xmlns:p14="http://schemas.microsoft.com/office/powerpoint/2010/main" val="3414322757"/>
+        <p14:creationId xmlns:p14="http://schemas.microsoft.com/office/powerpoint/2010/main" xmlns="" val="3414322757"/>
       </p:ext>
     </p:extLst>
   </p:cSld>
@@ -30530,7 +30751,7 @@
           <p:cNvPr id="18" name="사각형: 둥근 위쪽 모서리 1">
             <a:extLst>
               <a:ext uri="{FF2B5EF4-FFF2-40B4-BE49-F238E27FC236}">
-                <a16:creationId xmlns="" xmlns:a16="http://schemas.microsoft.com/office/drawing/2014/main" id="{72AD9708-7184-D0D2-8447-0FC756BFA607}"/>
+                <a16:creationId xmlns:a16="http://schemas.microsoft.com/office/drawing/2014/main" xmlns="" id="{72AD9708-7184-D0D2-8447-0FC756BFA607}"/>
               </a:ext>
             </a:extLst>
           </p:cNvPr>
@@ -30582,7 +30803,7 @@
           <p:cNvPr id="20" name="TextBox 19">
             <a:extLst>
               <a:ext uri="{FF2B5EF4-FFF2-40B4-BE49-F238E27FC236}">
-                <a16:creationId xmlns="" xmlns:a16="http://schemas.microsoft.com/office/drawing/2014/main" id="{C8C11F40-27D1-5395-3684-92A7CD1FC542}"/>
+                <a16:creationId xmlns:a16="http://schemas.microsoft.com/office/drawing/2014/main" xmlns="" id="{C8C11F40-27D1-5395-3684-92A7CD1FC542}"/>
               </a:ext>
             </a:extLst>
           </p:cNvPr>
@@ -30650,7 +30871,7 @@
           <p:cNvPr id="22" name="TextBox 21">
             <a:extLst>
               <a:ext uri="{FF2B5EF4-FFF2-40B4-BE49-F238E27FC236}">
-                <a16:creationId xmlns="" xmlns:a16="http://schemas.microsoft.com/office/drawing/2014/main" id="{46917226-5A41-A010-242B-90432022EB60}"/>
+                <a16:creationId xmlns:a16="http://schemas.microsoft.com/office/drawing/2014/main" xmlns="" id="{46917226-5A41-A010-242B-90432022EB60}"/>
               </a:ext>
             </a:extLst>
           </p:cNvPr>
@@ -30703,7 +30924,7 @@
           <p:cNvPr id="24" name="TextBox 23">
             <a:extLst>
               <a:ext uri="{FF2B5EF4-FFF2-40B4-BE49-F238E27FC236}">
-                <a16:creationId xmlns="" xmlns:a16="http://schemas.microsoft.com/office/drawing/2014/main" id="{7C2D047E-1061-5FD3-12F9-1D2A82F1D472}"/>
+                <a16:creationId xmlns:a16="http://schemas.microsoft.com/office/drawing/2014/main" xmlns="" id="{7C2D047E-1061-5FD3-12F9-1D2A82F1D472}"/>
               </a:ext>
             </a:extLst>
           </p:cNvPr>
@@ -30755,7 +30976,7 @@
           <p:cNvPr id="16" name="TextBox 15">
             <a:extLst>
               <a:ext uri="{FF2B5EF4-FFF2-40B4-BE49-F238E27FC236}">
-                <a16:creationId xmlns:a16="http://schemas.microsoft.com/office/drawing/2014/main" xmlns="" id="{D7FA6B07-9DE8-417B-9929-FD64FAE65C5D}"/>
+                <a16:creationId xmlns="" xmlns:a16="http://schemas.microsoft.com/office/drawing/2014/main" id="{D7FA6B07-9DE8-417B-9929-FD64FAE65C5D}"/>
               </a:ext>
             </a:extLst>
           </p:cNvPr>
@@ -31114,7 +31335,7 @@
     </p:spTree>
     <p:extLst>
       <p:ext uri="{BB962C8B-B14F-4D97-AF65-F5344CB8AC3E}">
-        <p14:creationId xmlns="" xmlns:p14="http://schemas.microsoft.com/office/powerpoint/2010/main" val="3414322757"/>
+        <p14:creationId xmlns:p14="http://schemas.microsoft.com/office/powerpoint/2010/main" xmlns="" val="3414322757"/>
       </p:ext>
     </p:extLst>
   </p:cSld>
@@ -31146,7 +31367,7 @@
           <p:cNvPr id="2" name="사각형: 둥근 위쪽 모서리 1">
             <a:extLst>
               <a:ext uri="{FF2B5EF4-FFF2-40B4-BE49-F238E27FC236}">
-                <a16:creationId xmlns="" xmlns:a16="http://schemas.microsoft.com/office/drawing/2014/main" id="{72AD9708-7184-D0D2-8447-0FC756BFA607}"/>
+                <a16:creationId xmlns:a16="http://schemas.microsoft.com/office/drawing/2014/main" xmlns="" id="{72AD9708-7184-D0D2-8447-0FC756BFA607}"/>
               </a:ext>
             </a:extLst>
           </p:cNvPr>
@@ -31198,7 +31419,7 @@
           <p:cNvPr id="3" name="TextBox 2">
             <a:extLst>
               <a:ext uri="{FF2B5EF4-FFF2-40B4-BE49-F238E27FC236}">
-                <a16:creationId xmlns="" xmlns:a16="http://schemas.microsoft.com/office/drawing/2014/main" id="{C8C11F40-27D1-5395-3684-92A7CD1FC542}"/>
+                <a16:creationId xmlns:a16="http://schemas.microsoft.com/office/drawing/2014/main" xmlns="" id="{C8C11F40-27D1-5395-3684-92A7CD1FC542}"/>
               </a:ext>
             </a:extLst>
           </p:cNvPr>
@@ -31246,7 +31467,7 @@
           <p:cNvPr id="4" name="TextBox 3">
             <a:extLst>
               <a:ext uri="{FF2B5EF4-FFF2-40B4-BE49-F238E27FC236}">
-                <a16:creationId xmlns="" xmlns:a16="http://schemas.microsoft.com/office/drawing/2014/main" id="{7C2D047E-1061-5FD3-12F9-1D2A82F1D472}"/>
+                <a16:creationId xmlns:a16="http://schemas.microsoft.com/office/drawing/2014/main" xmlns="" id="{7C2D047E-1061-5FD3-12F9-1D2A82F1D472}"/>
               </a:ext>
             </a:extLst>
           </p:cNvPr>
@@ -31307,7 +31528,7 @@
           <p:cNvPr id="5" name="TextBox 4">
             <a:extLst>
               <a:ext uri="{FF2B5EF4-FFF2-40B4-BE49-F238E27FC236}">
-                <a16:creationId xmlns="" xmlns:a16="http://schemas.microsoft.com/office/drawing/2014/main" id="{46917226-5A41-A010-242B-90432022EB60}"/>
+                <a16:creationId xmlns:a16="http://schemas.microsoft.com/office/drawing/2014/main" xmlns="" id="{46917226-5A41-A010-242B-90432022EB60}"/>
               </a:ext>
             </a:extLst>
           </p:cNvPr>
@@ -31352,7 +31573,7 @@
           <p:cNvPr id="6" name="직사각형 5">
             <a:extLst>
               <a:ext uri="{FF2B5EF4-FFF2-40B4-BE49-F238E27FC236}">
-                <a16:creationId xmlns="" xmlns:a16="http://schemas.microsoft.com/office/drawing/2014/main" id="{E4B7D72F-2488-40F3-CB0C-80305622BE6A}"/>
+                <a16:creationId xmlns:a16="http://schemas.microsoft.com/office/drawing/2014/main" xmlns="" id="{E4B7D72F-2488-40F3-CB0C-80305622BE6A}"/>
               </a:ext>
             </a:extLst>
           </p:cNvPr>
@@ -31404,7 +31625,7 @@
           <p:cNvPr id="8" name="직사각형 7">
             <a:extLst>
               <a:ext uri="{FF2B5EF4-FFF2-40B4-BE49-F238E27FC236}">
-                <a16:creationId xmlns="" xmlns:a16="http://schemas.microsoft.com/office/drawing/2014/main" id="{EF5A1839-13C0-815A-EE01-16E951C9396A}"/>
+                <a16:creationId xmlns:a16="http://schemas.microsoft.com/office/drawing/2014/main" xmlns="" id="{EF5A1839-13C0-815A-EE01-16E951C9396A}"/>
               </a:ext>
             </a:extLst>
           </p:cNvPr>
@@ -31456,7 +31677,7 @@
           <p:cNvPr id="9" name="TextBox 8">
             <a:extLst>
               <a:ext uri="{FF2B5EF4-FFF2-40B4-BE49-F238E27FC236}">
-                <a16:creationId xmlns="" xmlns:a16="http://schemas.microsoft.com/office/drawing/2014/main" id="{D9C560A3-2EEB-7FBA-827F-3E624B5685CC}"/>
+                <a16:creationId xmlns:a16="http://schemas.microsoft.com/office/drawing/2014/main" xmlns="" id="{D9C560A3-2EEB-7FBA-827F-3E624B5685CC}"/>
               </a:ext>
             </a:extLst>
           </p:cNvPr>
@@ -31521,7 +31742,7 @@
           <p:cNvPr id="11" name="TextBox 10">
             <a:extLst>
               <a:ext uri="{FF2B5EF4-FFF2-40B4-BE49-F238E27FC236}">
-                <a16:creationId xmlns="" xmlns:a16="http://schemas.microsoft.com/office/drawing/2014/main" id="{09AFD2AB-5619-4F5B-BE44-7081AE0D2708}"/>
+                <a16:creationId xmlns:a16="http://schemas.microsoft.com/office/drawing/2014/main" xmlns="" id="{09AFD2AB-5619-4F5B-BE44-7081AE0D2708}"/>
               </a:ext>
             </a:extLst>
           </p:cNvPr>
@@ -31586,7 +31807,7 @@
           <p:cNvPr id="12" name="직선 연결선 11">
             <a:extLst>
               <a:ext uri="{FF2B5EF4-FFF2-40B4-BE49-F238E27FC236}">
-                <a16:creationId xmlns="" xmlns:a16="http://schemas.microsoft.com/office/drawing/2014/main" id="{7C047BD7-1962-836B-5696-93E43234D27C}"/>
+                <a16:creationId xmlns:a16="http://schemas.microsoft.com/office/drawing/2014/main" xmlns="" id="{7C047BD7-1962-836B-5696-93E43234D27C}"/>
               </a:ext>
             </a:extLst>
           </p:cNvPr>
@@ -31631,7 +31852,7 @@
           <p:cNvPr id="14" name="직선 연결선 13">
             <a:extLst>
               <a:ext uri="{FF2B5EF4-FFF2-40B4-BE49-F238E27FC236}">
-                <a16:creationId xmlns="" xmlns:a16="http://schemas.microsoft.com/office/drawing/2014/main" id="{724BA38A-C117-43A7-DE50-AE80B218C030}"/>
+                <a16:creationId xmlns:a16="http://schemas.microsoft.com/office/drawing/2014/main" xmlns="" id="{724BA38A-C117-43A7-DE50-AE80B218C030}"/>
               </a:ext>
             </a:extLst>
           </p:cNvPr>
@@ -31676,7 +31897,7 @@
           <p:cNvPr id="20" name="TextBox 19">
             <a:extLst>
               <a:ext uri="{FF2B5EF4-FFF2-40B4-BE49-F238E27FC236}">
-                <a16:creationId xmlns="" xmlns:a16="http://schemas.microsoft.com/office/drawing/2014/main" id="{D9C560A3-2EEB-7FBA-827F-3E624B5685CC}"/>
+                <a16:creationId xmlns:a16="http://schemas.microsoft.com/office/drawing/2014/main" xmlns="" id="{D9C560A3-2EEB-7FBA-827F-3E624B5685CC}"/>
               </a:ext>
             </a:extLst>
           </p:cNvPr>
@@ -31765,7 +31986,7 @@
           <p:cNvPr id="22" name="TextBox 21">
             <a:extLst>
               <a:ext uri="{FF2B5EF4-FFF2-40B4-BE49-F238E27FC236}">
-                <a16:creationId xmlns="" xmlns:a16="http://schemas.microsoft.com/office/drawing/2014/main" id="{09AFD2AB-5619-4F5B-BE44-7081AE0D2708}"/>
+                <a16:creationId xmlns:a16="http://schemas.microsoft.com/office/drawing/2014/main" xmlns="" id="{09AFD2AB-5619-4F5B-BE44-7081AE0D2708}"/>
               </a:ext>
             </a:extLst>
           </p:cNvPr>
@@ -31918,7 +32139,7 @@
     </p:spTree>
     <p:extLst>
       <p:ext uri="{BB962C8B-B14F-4D97-AF65-F5344CB8AC3E}">
-        <p14:creationId xmlns="" xmlns:p14="http://schemas.microsoft.com/office/powerpoint/2010/main" val="3196469291"/>
+        <p14:creationId xmlns:p14="http://schemas.microsoft.com/office/powerpoint/2010/main" xmlns="" val="3196469291"/>
       </p:ext>
     </p:extLst>
   </p:cSld>
@@ -31926,7 +32147,7 @@
     <a:masterClrMapping/>
   </p:clrMapOvr>
   <mc:AlternateContent xmlns:mc="http://schemas.openxmlformats.org/markup-compatibility/2006">
-    <mc:Choice xmlns="" xmlns:p14="http://schemas.microsoft.com/office/powerpoint/2010/main" Requires="p14">
+    <mc:Choice xmlns:p14="http://schemas.microsoft.com/office/powerpoint/2010/main" xmlns="" Requires="p14">
       <p:transition spd="med" p14:dur="700">
         <p:fade/>
       </p:transition>
@@ -31962,7 +32183,7 @@
           <p:cNvPr id="18" name="사각형: 둥근 위쪽 모서리 1">
             <a:extLst>
               <a:ext uri="{FF2B5EF4-FFF2-40B4-BE49-F238E27FC236}">
-                <a16:creationId xmlns="" xmlns:a16="http://schemas.microsoft.com/office/drawing/2014/main" id="{72AD9708-7184-D0D2-8447-0FC756BFA607}"/>
+                <a16:creationId xmlns:a16="http://schemas.microsoft.com/office/drawing/2014/main" xmlns="" id="{72AD9708-7184-D0D2-8447-0FC756BFA607}"/>
               </a:ext>
             </a:extLst>
           </p:cNvPr>
@@ -32014,7 +32235,7 @@
           <p:cNvPr id="20" name="TextBox 19">
             <a:extLst>
               <a:ext uri="{FF2B5EF4-FFF2-40B4-BE49-F238E27FC236}">
-                <a16:creationId xmlns="" xmlns:a16="http://schemas.microsoft.com/office/drawing/2014/main" id="{C8C11F40-27D1-5395-3684-92A7CD1FC542}"/>
+                <a16:creationId xmlns:a16="http://schemas.microsoft.com/office/drawing/2014/main" xmlns="" id="{C8C11F40-27D1-5395-3684-92A7CD1FC542}"/>
               </a:ext>
             </a:extLst>
           </p:cNvPr>
@@ -32082,7 +32303,7 @@
           <p:cNvPr id="22" name="TextBox 21">
             <a:extLst>
               <a:ext uri="{FF2B5EF4-FFF2-40B4-BE49-F238E27FC236}">
-                <a16:creationId xmlns="" xmlns:a16="http://schemas.microsoft.com/office/drawing/2014/main" id="{46917226-5A41-A010-242B-90432022EB60}"/>
+                <a16:creationId xmlns:a16="http://schemas.microsoft.com/office/drawing/2014/main" xmlns="" id="{46917226-5A41-A010-242B-90432022EB60}"/>
               </a:ext>
             </a:extLst>
           </p:cNvPr>
@@ -32135,7 +32356,7 @@
           <p:cNvPr id="24" name="TextBox 23">
             <a:extLst>
               <a:ext uri="{FF2B5EF4-FFF2-40B4-BE49-F238E27FC236}">
-                <a16:creationId xmlns="" xmlns:a16="http://schemas.microsoft.com/office/drawing/2014/main" id="{7C2D047E-1061-5FD3-12F9-1D2A82F1D472}"/>
+                <a16:creationId xmlns:a16="http://schemas.microsoft.com/office/drawing/2014/main" xmlns="" id="{7C2D047E-1061-5FD3-12F9-1D2A82F1D472}"/>
               </a:ext>
             </a:extLst>
           </p:cNvPr>
@@ -32187,7 +32408,7 @@
           <p:cNvPr id="16" name="TextBox 15">
             <a:extLst>
               <a:ext uri="{FF2B5EF4-FFF2-40B4-BE49-F238E27FC236}">
-                <a16:creationId xmlns:a16="http://schemas.microsoft.com/office/drawing/2014/main" xmlns="" id="{D7FA6B07-9DE8-417B-9929-FD64FAE65C5D}"/>
+                <a16:creationId xmlns="" xmlns:a16="http://schemas.microsoft.com/office/drawing/2014/main" id="{D7FA6B07-9DE8-417B-9929-FD64FAE65C5D}"/>
               </a:ext>
             </a:extLst>
           </p:cNvPr>
@@ -33330,7 +33551,7 @@
     </p:spTree>
     <p:extLst>
       <p:ext uri="{BB962C8B-B14F-4D97-AF65-F5344CB8AC3E}">
-        <p14:creationId xmlns="" xmlns:p14="http://schemas.microsoft.com/office/powerpoint/2010/main" val="3414322757"/>
+        <p14:creationId xmlns:p14="http://schemas.microsoft.com/office/powerpoint/2010/main" xmlns="" val="3414322757"/>
       </p:ext>
     </p:extLst>
   </p:cSld>
@@ -33362,7 +33583,7 @@
           <p:cNvPr id="18" name="사각형: 둥근 위쪽 모서리 1">
             <a:extLst>
               <a:ext uri="{FF2B5EF4-FFF2-40B4-BE49-F238E27FC236}">
-                <a16:creationId xmlns="" xmlns:a16="http://schemas.microsoft.com/office/drawing/2014/main" id="{72AD9708-7184-D0D2-8447-0FC756BFA607}"/>
+                <a16:creationId xmlns:a16="http://schemas.microsoft.com/office/drawing/2014/main" xmlns="" id="{72AD9708-7184-D0D2-8447-0FC756BFA607}"/>
               </a:ext>
             </a:extLst>
           </p:cNvPr>
@@ -33414,7 +33635,7 @@
           <p:cNvPr id="20" name="TextBox 19">
             <a:extLst>
               <a:ext uri="{FF2B5EF4-FFF2-40B4-BE49-F238E27FC236}">
-                <a16:creationId xmlns="" xmlns:a16="http://schemas.microsoft.com/office/drawing/2014/main" id="{C8C11F40-27D1-5395-3684-92A7CD1FC542}"/>
+                <a16:creationId xmlns:a16="http://schemas.microsoft.com/office/drawing/2014/main" xmlns="" id="{C8C11F40-27D1-5395-3684-92A7CD1FC542}"/>
               </a:ext>
             </a:extLst>
           </p:cNvPr>
@@ -33482,7 +33703,7 @@
           <p:cNvPr id="22" name="TextBox 21">
             <a:extLst>
               <a:ext uri="{FF2B5EF4-FFF2-40B4-BE49-F238E27FC236}">
-                <a16:creationId xmlns="" xmlns:a16="http://schemas.microsoft.com/office/drawing/2014/main" id="{46917226-5A41-A010-242B-90432022EB60}"/>
+                <a16:creationId xmlns:a16="http://schemas.microsoft.com/office/drawing/2014/main" xmlns="" id="{46917226-5A41-A010-242B-90432022EB60}"/>
               </a:ext>
             </a:extLst>
           </p:cNvPr>
@@ -33535,7 +33756,7 @@
           <p:cNvPr id="24" name="TextBox 23">
             <a:extLst>
               <a:ext uri="{FF2B5EF4-FFF2-40B4-BE49-F238E27FC236}">
-                <a16:creationId xmlns="" xmlns:a16="http://schemas.microsoft.com/office/drawing/2014/main" id="{7C2D047E-1061-5FD3-12F9-1D2A82F1D472}"/>
+                <a16:creationId xmlns:a16="http://schemas.microsoft.com/office/drawing/2014/main" xmlns="" id="{7C2D047E-1061-5FD3-12F9-1D2A82F1D472}"/>
               </a:ext>
             </a:extLst>
           </p:cNvPr>
@@ -33587,7 +33808,7 @@
           <p:cNvPr id="16" name="TextBox 15">
             <a:extLst>
               <a:ext uri="{FF2B5EF4-FFF2-40B4-BE49-F238E27FC236}">
-                <a16:creationId xmlns:a16="http://schemas.microsoft.com/office/drawing/2014/main" xmlns="" id="{D7FA6B07-9DE8-417B-9929-FD64FAE65C5D}"/>
+                <a16:creationId xmlns="" xmlns:a16="http://schemas.microsoft.com/office/drawing/2014/main" id="{D7FA6B07-9DE8-417B-9929-FD64FAE65C5D}"/>
               </a:ext>
             </a:extLst>
           </p:cNvPr>
@@ -33981,7 +34202,7 @@
     </p:spTree>
     <p:extLst>
       <p:ext uri="{BB962C8B-B14F-4D97-AF65-F5344CB8AC3E}">
-        <p14:creationId xmlns="" xmlns:p14="http://schemas.microsoft.com/office/powerpoint/2010/main" val="3414322757"/>
+        <p14:creationId xmlns:p14="http://schemas.microsoft.com/office/powerpoint/2010/main" xmlns="" val="3414322757"/>
       </p:ext>
     </p:extLst>
   </p:cSld>
@@ -34013,7 +34234,7 @@
           <p:cNvPr id="3" name="그림 2" descr="실내, 벽, 욕실, 바둑판식이(가) 표시된 사진&#10;&#10;자동 생성된 설명">
             <a:extLst>
               <a:ext uri="{FF2B5EF4-FFF2-40B4-BE49-F238E27FC236}">
-                <a16:creationId xmlns="" xmlns:a16="http://schemas.microsoft.com/office/drawing/2014/main" id="{FCF8EEB9-6C36-D678-969B-95008B5C24A3}"/>
+                <a16:creationId xmlns:a16="http://schemas.microsoft.com/office/drawing/2014/main" xmlns="" id="{FCF8EEB9-6C36-D678-969B-95008B5C24A3}"/>
               </a:ext>
             </a:extLst>
           </p:cNvPr>
@@ -34026,7 +34247,7 @@
           <a:blip r:embed="rId2" cstate="screen">
             <a:extLst>
               <a:ext uri="{28A0092B-C50C-407E-A947-70E740481C1C}">
-                <a14:useLocalDpi xmlns="" xmlns:a14="http://schemas.microsoft.com/office/drawing/2010/main" val="0"/>
+                <a14:useLocalDpi xmlns:a14="http://schemas.microsoft.com/office/drawing/2010/main" xmlns="" val="0"/>
               </a:ext>
             </a:extLst>
           </a:blip>
@@ -34048,7 +34269,7 @@
           <p:cNvPr id="4" name="그래픽 3" descr="가로줄로 채워진 원">
             <a:extLst>
               <a:ext uri="{FF2B5EF4-FFF2-40B4-BE49-F238E27FC236}">
-                <a16:creationId xmlns="" xmlns:a16="http://schemas.microsoft.com/office/drawing/2014/main" id="{8D48E086-7ACE-7E17-8A3D-0D67B96B8DE3}"/>
+                <a16:creationId xmlns:a16="http://schemas.microsoft.com/office/drawing/2014/main" xmlns="" id="{8D48E086-7ACE-7E17-8A3D-0D67B96B8DE3}"/>
               </a:ext>
             </a:extLst>
           </p:cNvPr>
@@ -34061,10 +34282,10 @@
           <a:blip r:embed="rId3" cstate="screen">
             <a:extLst>
               <a:ext uri="{28A0092B-C50C-407E-A947-70E740481C1C}">
-                <a14:useLocalDpi xmlns="" xmlns:a14="http://schemas.microsoft.com/office/drawing/2010/main" val="0"/>
+                <a14:useLocalDpi xmlns:a14="http://schemas.microsoft.com/office/drawing/2010/main" xmlns="" val="0"/>
               </a:ext>
               <a:ext uri="{96DAC541-7B7A-43D3-8B79-37D633B846F1}">
-                <asvg:svgBlip xmlns="" xmlns:asvg="http://schemas.microsoft.com/office/drawing/2016/SVG/main" r:embed="rId4"/>
+                <asvg:svgBlip xmlns:asvg="http://schemas.microsoft.com/office/drawing/2016/SVG/main" xmlns="" r:embed="rId4"/>
               </a:ext>
             </a:extLst>
           </a:blip>
@@ -34087,7 +34308,7 @@
           <p:cNvPr id="5" name="그래픽 4" descr="가로줄로 채워진 원">
             <a:extLst>
               <a:ext uri="{FF2B5EF4-FFF2-40B4-BE49-F238E27FC236}">
-                <a16:creationId xmlns="" xmlns:a16="http://schemas.microsoft.com/office/drawing/2014/main" id="{1B34D3BC-DC04-6CA2-035E-D48BBB2CC567}"/>
+                <a16:creationId xmlns:a16="http://schemas.microsoft.com/office/drawing/2014/main" xmlns="" id="{1B34D3BC-DC04-6CA2-035E-D48BBB2CC567}"/>
               </a:ext>
             </a:extLst>
           </p:cNvPr>
@@ -34100,10 +34321,10 @@
           <a:blip r:embed="rId5" cstate="screen">
             <a:extLst>
               <a:ext uri="{28A0092B-C50C-407E-A947-70E740481C1C}">
-                <a14:useLocalDpi xmlns="" xmlns:a14="http://schemas.microsoft.com/office/drawing/2010/main" val="0"/>
+                <a14:useLocalDpi xmlns:a14="http://schemas.microsoft.com/office/drawing/2010/main" xmlns="" val="0"/>
               </a:ext>
               <a:ext uri="{96DAC541-7B7A-43D3-8B79-37D633B846F1}">
-                <asvg:svgBlip xmlns="" xmlns:asvg="http://schemas.microsoft.com/office/drawing/2016/SVG/main" r:embed="rId6"/>
+                <asvg:svgBlip xmlns:asvg="http://schemas.microsoft.com/office/drawing/2016/SVG/main" xmlns="" r:embed="rId6"/>
               </a:ext>
             </a:extLst>
           </a:blip>
@@ -34126,7 +34347,7 @@
           <p:cNvPr id="2" name="그룹 5">
             <a:extLst>
               <a:ext uri="{FF2B5EF4-FFF2-40B4-BE49-F238E27FC236}">
-                <a16:creationId xmlns="" xmlns:a16="http://schemas.microsoft.com/office/drawing/2014/main" id="{D12D8A24-FCC6-A2C8-35F8-5BC534D3372F}"/>
+                <a16:creationId xmlns:a16="http://schemas.microsoft.com/office/drawing/2014/main" xmlns="" id="{D12D8A24-FCC6-A2C8-35F8-5BC534D3372F}"/>
               </a:ext>
             </a:extLst>
           </p:cNvPr>
@@ -34146,7 +34367,7 @@
             <p:cNvPr id="7" name="TextBox 6">
               <a:extLst>
                 <a:ext uri="{FF2B5EF4-FFF2-40B4-BE49-F238E27FC236}">
-                  <a16:creationId xmlns="" xmlns:a16="http://schemas.microsoft.com/office/drawing/2014/main" id="{E8AF2223-683C-C944-F8CA-68539AE3FA54}"/>
+                  <a16:creationId xmlns:a16="http://schemas.microsoft.com/office/drawing/2014/main" xmlns="" id="{E8AF2223-683C-C944-F8CA-68539AE3FA54}"/>
                 </a:ext>
               </a:extLst>
             </p:cNvPr>
@@ -34190,7 +34411,7 @@
             <p:cNvPr id="8" name="TextBox 7">
               <a:extLst>
                 <a:ext uri="{FF2B5EF4-FFF2-40B4-BE49-F238E27FC236}">
-                  <a16:creationId xmlns="" xmlns:a16="http://schemas.microsoft.com/office/drawing/2014/main" id="{AA6C7412-49A8-C898-54B1-A13FDFB7C4C6}"/>
+                  <a16:creationId xmlns:a16="http://schemas.microsoft.com/office/drawing/2014/main" xmlns="" id="{AA6C7412-49A8-C898-54B1-A13FDFB7C4C6}"/>
                 </a:ext>
               </a:extLst>
             </p:cNvPr>
@@ -34241,7 +34462,7 @@
     </p:spTree>
     <p:extLst>
       <p:ext uri="{BB962C8B-B14F-4D97-AF65-F5344CB8AC3E}">
-        <p14:creationId xmlns="" xmlns:p14="http://schemas.microsoft.com/office/powerpoint/2010/main" val="981888483"/>
+        <p14:creationId xmlns:p14="http://schemas.microsoft.com/office/powerpoint/2010/main" xmlns="" val="981888483"/>
       </p:ext>
     </p:extLst>
   </p:cSld>
@@ -34249,7 +34470,7 @@
     <a:masterClrMapping/>
   </p:clrMapOvr>
   <mc:AlternateContent xmlns:mc="http://schemas.openxmlformats.org/markup-compatibility/2006">
-    <mc:Choice xmlns="" xmlns:p14="http://schemas.microsoft.com/office/powerpoint/2010/main" Requires="p14">
+    <mc:Choice xmlns:p14="http://schemas.microsoft.com/office/powerpoint/2010/main" xmlns="" Requires="p14">
       <p:transition spd="med" p14:dur="700">
         <p:fade/>
       </p:transition>
@@ -34285,7 +34506,7 @@
           <p:cNvPr id="18" name="사각형: 둥근 위쪽 모서리 1">
             <a:extLst>
               <a:ext uri="{FF2B5EF4-FFF2-40B4-BE49-F238E27FC236}">
-                <a16:creationId xmlns="" xmlns:a16="http://schemas.microsoft.com/office/drawing/2014/main" id="{72AD9708-7184-D0D2-8447-0FC756BFA607}"/>
+                <a16:creationId xmlns:a16="http://schemas.microsoft.com/office/drawing/2014/main" xmlns="" id="{72AD9708-7184-D0D2-8447-0FC756BFA607}"/>
               </a:ext>
             </a:extLst>
           </p:cNvPr>
@@ -34337,7 +34558,7 @@
           <p:cNvPr id="20" name="TextBox 19">
             <a:extLst>
               <a:ext uri="{FF2B5EF4-FFF2-40B4-BE49-F238E27FC236}">
-                <a16:creationId xmlns="" xmlns:a16="http://schemas.microsoft.com/office/drawing/2014/main" id="{C8C11F40-27D1-5395-3684-92A7CD1FC542}"/>
+                <a16:creationId xmlns:a16="http://schemas.microsoft.com/office/drawing/2014/main" xmlns="" id="{C8C11F40-27D1-5395-3684-92A7CD1FC542}"/>
               </a:ext>
             </a:extLst>
           </p:cNvPr>
@@ -34385,7 +34606,7 @@
           <p:cNvPr id="22" name="TextBox 21">
             <a:extLst>
               <a:ext uri="{FF2B5EF4-FFF2-40B4-BE49-F238E27FC236}">
-                <a16:creationId xmlns="" xmlns:a16="http://schemas.microsoft.com/office/drawing/2014/main" id="{46917226-5A41-A010-242B-90432022EB60}"/>
+                <a16:creationId xmlns:a16="http://schemas.microsoft.com/office/drawing/2014/main" xmlns="" id="{46917226-5A41-A010-242B-90432022EB60}"/>
               </a:ext>
             </a:extLst>
           </p:cNvPr>
@@ -34438,7 +34659,7 @@
           <p:cNvPr id="24" name="TextBox 23">
             <a:extLst>
               <a:ext uri="{FF2B5EF4-FFF2-40B4-BE49-F238E27FC236}">
-                <a16:creationId xmlns="" xmlns:a16="http://schemas.microsoft.com/office/drawing/2014/main" id="{7C2D047E-1061-5FD3-12F9-1D2A82F1D472}"/>
+                <a16:creationId xmlns:a16="http://schemas.microsoft.com/office/drawing/2014/main" xmlns="" id="{7C2D047E-1061-5FD3-12F9-1D2A82F1D472}"/>
               </a:ext>
             </a:extLst>
           </p:cNvPr>
@@ -34490,7 +34711,7 @@
           <p:cNvPr id="6" name="직사각형 5">
             <a:extLst>
               <a:ext uri="{FF2B5EF4-FFF2-40B4-BE49-F238E27FC236}">
-                <a16:creationId xmlns="" xmlns:a16="http://schemas.microsoft.com/office/drawing/2014/main" id="{E4B7D72F-2488-40F3-CB0C-80305622BE6A}"/>
+                <a16:creationId xmlns:a16="http://schemas.microsoft.com/office/drawing/2014/main" xmlns="" id="{E4B7D72F-2488-40F3-CB0C-80305622BE6A}"/>
               </a:ext>
             </a:extLst>
           </p:cNvPr>
@@ -34542,7 +34763,7 @@
           <p:cNvPr id="7" name="직사각형 6">
             <a:extLst>
               <a:ext uri="{FF2B5EF4-FFF2-40B4-BE49-F238E27FC236}">
-                <a16:creationId xmlns="" xmlns:a16="http://schemas.microsoft.com/office/drawing/2014/main" id="{EF5A1839-13C0-815A-EE01-16E951C9396A}"/>
+                <a16:creationId xmlns:a16="http://schemas.microsoft.com/office/drawing/2014/main" xmlns="" id="{EF5A1839-13C0-815A-EE01-16E951C9396A}"/>
               </a:ext>
             </a:extLst>
           </p:cNvPr>
@@ -34594,7 +34815,7 @@
           <p:cNvPr id="8" name="TextBox 7">
             <a:extLst>
               <a:ext uri="{FF2B5EF4-FFF2-40B4-BE49-F238E27FC236}">
-                <a16:creationId xmlns="" xmlns:a16="http://schemas.microsoft.com/office/drawing/2014/main" id="{D9C560A3-2EEB-7FBA-827F-3E624B5685CC}"/>
+                <a16:creationId xmlns:a16="http://schemas.microsoft.com/office/drawing/2014/main" xmlns="" id="{D9C560A3-2EEB-7FBA-827F-3E624B5685CC}"/>
               </a:ext>
             </a:extLst>
           </p:cNvPr>
@@ -34659,7 +34880,7 @@
           <p:cNvPr id="9" name="TextBox 8">
             <a:extLst>
               <a:ext uri="{FF2B5EF4-FFF2-40B4-BE49-F238E27FC236}">
-                <a16:creationId xmlns="" xmlns:a16="http://schemas.microsoft.com/office/drawing/2014/main" id="{09AFD2AB-5619-4F5B-BE44-7081AE0D2708}"/>
+                <a16:creationId xmlns:a16="http://schemas.microsoft.com/office/drawing/2014/main" xmlns="" id="{09AFD2AB-5619-4F5B-BE44-7081AE0D2708}"/>
               </a:ext>
             </a:extLst>
           </p:cNvPr>
@@ -34724,7 +34945,7 @@
           <p:cNvPr id="10" name="직선 연결선 9">
             <a:extLst>
               <a:ext uri="{FF2B5EF4-FFF2-40B4-BE49-F238E27FC236}">
-                <a16:creationId xmlns="" xmlns:a16="http://schemas.microsoft.com/office/drawing/2014/main" id="{7C047BD7-1962-836B-5696-93E43234D27C}"/>
+                <a16:creationId xmlns:a16="http://schemas.microsoft.com/office/drawing/2014/main" xmlns="" id="{7C047BD7-1962-836B-5696-93E43234D27C}"/>
               </a:ext>
             </a:extLst>
           </p:cNvPr>
@@ -34769,7 +34990,7 @@
           <p:cNvPr id="11" name="직선 연결선 10">
             <a:extLst>
               <a:ext uri="{FF2B5EF4-FFF2-40B4-BE49-F238E27FC236}">
-                <a16:creationId xmlns="" xmlns:a16="http://schemas.microsoft.com/office/drawing/2014/main" id="{724BA38A-C117-43A7-DE50-AE80B218C030}"/>
+                <a16:creationId xmlns:a16="http://schemas.microsoft.com/office/drawing/2014/main" xmlns="" id="{724BA38A-C117-43A7-DE50-AE80B218C030}"/>
               </a:ext>
             </a:extLst>
           </p:cNvPr>
@@ -34814,7 +35035,7 @@
           <p:cNvPr id="12" name="TextBox 11">
             <a:extLst>
               <a:ext uri="{FF2B5EF4-FFF2-40B4-BE49-F238E27FC236}">
-                <a16:creationId xmlns="" xmlns:a16="http://schemas.microsoft.com/office/drawing/2014/main" id="{D9C560A3-2EEB-7FBA-827F-3E624B5685CC}"/>
+                <a16:creationId xmlns:a16="http://schemas.microsoft.com/office/drawing/2014/main" xmlns="" id="{D9C560A3-2EEB-7FBA-827F-3E624B5685CC}"/>
               </a:ext>
             </a:extLst>
           </p:cNvPr>
@@ -35123,7 +35344,7 @@
           <p:cNvPr id="13" name="TextBox 12">
             <a:extLst>
               <a:ext uri="{FF2B5EF4-FFF2-40B4-BE49-F238E27FC236}">
-                <a16:creationId xmlns="" xmlns:a16="http://schemas.microsoft.com/office/drawing/2014/main" id="{09AFD2AB-5619-4F5B-BE44-7081AE0D2708}"/>
+                <a16:creationId xmlns:a16="http://schemas.microsoft.com/office/drawing/2014/main" xmlns="" id="{09AFD2AB-5619-4F5B-BE44-7081AE0D2708}"/>
               </a:ext>
             </a:extLst>
           </p:cNvPr>
@@ -35275,7 +35496,7 @@
     </p:spTree>
     <p:extLst>
       <p:ext uri="{BB962C8B-B14F-4D97-AF65-F5344CB8AC3E}">
-        <p14:creationId xmlns="" xmlns:p14="http://schemas.microsoft.com/office/powerpoint/2010/main" val="3414322757"/>
+        <p14:creationId xmlns:p14="http://schemas.microsoft.com/office/powerpoint/2010/main" xmlns="" val="3414322757"/>
       </p:ext>
     </p:extLst>
   </p:cSld>
@@ -35307,7 +35528,7 @@
           <p:cNvPr id="3" name="그림 2" descr="실내, 벽, 욕실, 바둑판식이(가) 표시된 사진&#10;&#10;자동 생성된 설명">
             <a:extLst>
               <a:ext uri="{FF2B5EF4-FFF2-40B4-BE49-F238E27FC236}">
-                <a16:creationId xmlns="" xmlns:a16="http://schemas.microsoft.com/office/drawing/2014/main" id="{FCF8EEB9-6C36-D678-969B-95008B5C24A3}"/>
+                <a16:creationId xmlns:a16="http://schemas.microsoft.com/office/drawing/2014/main" xmlns="" id="{FCF8EEB9-6C36-D678-969B-95008B5C24A3}"/>
               </a:ext>
             </a:extLst>
           </p:cNvPr>
@@ -35320,7 +35541,7 @@
           <a:blip r:embed="rId2" cstate="screen">
             <a:extLst>
               <a:ext uri="{28A0092B-C50C-407E-A947-70E740481C1C}">
-                <a14:useLocalDpi xmlns="" xmlns:a14="http://schemas.microsoft.com/office/drawing/2010/main" val="0"/>
+                <a14:useLocalDpi xmlns:a14="http://schemas.microsoft.com/office/drawing/2010/main" xmlns="" val="0"/>
               </a:ext>
             </a:extLst>
           </a:blip>
@@ -35342,7 +35563,7 @@
           <p:cNvPr id="4" name="그래픽 3" descr="가로줄로 채워진 원">
             <a:extLst>
               <a:ext uri="{FF2B5EF4-FFF2-40B4-BE49-F238E27FC236}">
-                <a16:creationId xmlns="" xmlns:a16="http://schemas.microsoft.com/office/drawing/2014/main" id="{8D48E086-7ACE-7E17-8A3D-0D67B96B8DE3}"/>
+                <a16:creationId xmlns:a16="http://schemas.microsoft.com/office/drawing/2014/main" xmlns="" id="{8D48E086-7ACE-7E17-8A3D-0D67B96B8DE3}"/>
               </a:ext>
             </a:extLst>
           </p:cNvPr>
@@ -35355,10 +35576,10 @@
           <a:blip r:embed="rId3" cstate="screen">
             <a:extLst>
               <a:ext uri="{28A0092B-C50C-407E-A947-70E740481C1C}">
-                <a14:useLocalDpi xmlns="" xmlns:a14="http://schemas.microsoft.com/office/drawing/2010/main" val="0"/>
+                <a14:useLocalDpi xmlns:a14="http://schemas.microsoft.com/office/drawing/2010/main" xmlns="" val="0"/>
               </a:ext>
               <a:ext uri="{96DAC541-7B7A-43D3-8B79-37D633B846F1}">
-                <asvg:svgBlip xmlns="" xmlns:asvg="http://schemas.microsoft.com/office/drawing/2016/SVG/main" r:embed="rId4"/>
+                <asvg:svgBlip xmlns:asvg="http://schemas.microsoft.com/office/drawing/2016/SVG/main" xmlns="" r:embed="rId4"/>
               </a:ext>
             </a:extLst>
           </a:blip>
@@ -35381,7 +35602,7 @@
           <p:cNvPr id="5" name="그래픽 4" descr="가로줄로 채워진 원">
             <a:extLst>
               <a:ext uri="{FF2B5EF4-FFF2-40B4-BE49-F238E27FC236}">
-                <a16:creationId xmlns="" xmlns:a16="http://schemas.microsoft.com/office/drawing/2014/main" id="{1B34D3BC-DC04-6CA2-035E-D48BBB2CC567}"/>
+                <a16:creationId xmlns:a16="http://schemas.microsoft.com/office/drawing/2014/main" xmlns="" id="{1B34D3BC-DC04-6CA2-035E-D48BBB2CC567}"/>
               </a:ext>
             </a:extLst>
           </p:cNvPr>
@@ -35394,10 +35615,10 @@
           <a:blip r:embed="rId5" cstate="screen">
             <a:extLst>
               <a:ext uri="{28A0092B-C50C-407E-A947-70E740481C1C}">
-                <a14:useLocalDpi xmlns="" xmlns:a14="http://schemas.microsoft.com/office/drawing/2010/main" val="0"/>
+                <a14:useLocalDpi xmlns:a14="http://schemas.microsoft.com/office/drawing/2010/main" xmlns="" val="0"/>
               </a:ext>
               <a:ext uri="{96DAC541-7B7A-43D3-8B79-37D633B846F1}">
-                <asvg:svgBlip xmlns="" xmlns:asvg="http://schemas.microsoft.com/office/drawing/2016/SVG/main" r:embed="rId6"/>
+                <asvg:svgBlip xmlns:asvg="http://schemas.microsoft.com/office/drawing/2016/SVG/main" xmlns="" r:embed="rId6"/>
               </a:ext>
             </a:extLst>
           </a:blip>
@@ -35420,7 +35641,7 @@
           <p:cNvPr id="2" name="그룹 5">
             <a:extLst>
               <a:ext uri="{FF2B5EF4-FFF2-40B4-BE49-F238E27FC236}">
-                <a16:creationId xmlns="" xmlns:a16="http://schemas.microsoft.com/office/drawing/2014/main" id="{D12D8A24-FCC6-A2C8-35F8-5BC534D3372F}"/>
+                <a16:creationId xmlns:a16="http://schemas.microsoft.com/office/drawing/2014/main" xmlns="" id="{D12D8A24-FCC6-A2C8-35F8-5BC534D3372F}"/>
               </a:ext>
             </a:extLst>
           </p:cNvPr>
@@ -35440,7 +35661,7 @@
             <p:cNvPr id="7" name="TextBox 6">
               <a:extLst>
                 <a:ext uri="{FF2B5EF4-FFF2-40B4-BE49-F238E27FC236}">
-                  <a16:creationId xmlns="" xmlns:a16="http://schemas.microsoft.com/office/drawing/2014/main" id="{E8AF2223-683C-C944-F8CA-68539AE3FA54}"/>
+                  <a16:creationId xmlns:a16="http://schemas.microsoft.com/office/drawing/2014/main" xmlns="" id="{E8AF2223-683C-C944-F8CA-68539AE3FA54}"/>
                 </a:ext>
               </a:extLst>
             </p:cNvPr>
@@ -35500,7 +35721,7 @@
             <p:cNvPr id="8" name="TextBox 7">
               <a:extLst>
                 <a:ext uri="{FF2B5EF4-FFF2-40B4-BE49-F238E27FC236}">
-                  <a16:creationId xmlns="" xmlns:a16="http://schemas.microsoft.com/office/drawing/2014/main" id="{AA6C7412-49A8-C898-54B1-A13FDFB7C4C6}"/>
+                  <a16:creationId xmlns:a16="http://schemas.microsoft.com/office/drawing/2014/main" xmlns="" id="{AA6C7412-49A8-C898-54B1-A13FDFB7C4C6}"/>
                 </a:ext>
               </a:extLst>
             </p:cNvPr>
@@ -35551,7 +35772,7 @@
     </p:spTree>
     <p:extLst>
       <p:ext uri="{BB962C8B-B14F-4D97-AF65-F5344CB8AC3E}">
-        <p14:creationId xmlns="" xmlns:p14="http://schemas.microsoft.com/office/powerpoint/2010/main" val="981888483"/>
+        <p14:creationId xmlns:p14="http://schemas.microsoft.com/office/powerpoint/2010/main" xmlns="" val="981888483"/>
       </p:ext>
     </p:extLst>
   </p:cSld>
@@ -35559,7 +35780,7 @@
     <a:masterClrMapping/>
   </p:clrMapOvr>
   <mc:AlternateContent xmlns:mc="http://schemas.openxmlformats.org/markup-compatibility/2006">
-    <mc:Choice xmlns="" xmlns:p14="http://schemas.microsoft.com/office/powerpoint/2010/main" Requires="p14">
+    <mc:Choice xmlns:p14="http://schemas.microsoft.com/office/powerpoint/2010/main" xmlns="" Requires="p14">
       <p:transition spd="med" p14:dur="700">
         <p:fade/>
       </p:transition>
@@ -35595,7 +35816,7 @@
           <p:cNvPr id="18" name="사각형: 둥근 위쪽 모서리 1">
             <a:extLst>
               <a:ext uri="{FF2B5EF4-FFF2-40B4-BE49-F238E27FC236}">
-                <a16:creationId xmlns="" xmlns:a16="http://schemas.microsoft.com/office/drawing/2014/main" id="{72AD9708-7184-D0D2-8447-0FC756BFA607}"/>
+                <a16:creationId xmlns:a16="http://schemas.microsoft.com/office/drawing/2014/main" xmlns="" id="{72AD9708-7184-D0D2-8447-0FC756BFA607}"/>
               </a:ext>
             </a:extLst>
           </p:cNvPr>
@@ -35647,7 +35868,7 @@
           <p:cNvPr id="20" name="TextBox 19">
             <a:extLst>
               <a:ext uri="{FF2B5EF4-FFF2-40B4-BE49-F238E27FC236}">
-                <a16:creationId xmlns="" xmlns:a16="http://schemas.microsoft.com/office/drawing/2014/main" id="{C8C11F40-27D1-5395-3684-92A7CD1FC542}"/>
+                <a16:creationId xmlns:a16="http://schemas.microsoft.com/office/drawing/2014/main" xmlns="" id="{C8C11F40-27D1-5395-3684-92A7CD1FC542}"/>
               </a:ext>
             </a:extLst>
           </p:cNvPr>
@@ -35695,7 +35916,7 @@
           <p:cNvPr id="22" name="TextBox 21">
             <a:extLst>
               <a:ext uri="{FF2B5EF4-FFF2-40B4-BE49-F238E27FC236}">
-                <a16:creationId xmlns="" xmlns:a16="http://schemas.microsoft.com/office/drawing/2014/main" id="{46917226-5A41-A010-242B-90432022EB60}"/>
+                <a16:creationId xmlns:a16="http://schemas.microsoft.com/office/drawing/2014/main" xmlns="" id="{46917226-5A41-A010-242B-90432022EB60}"/>
               </a:ext>
             </a:extLst>
           </p:cNvPr>
@@ -35748,7 +35969,7 @@
           <p:cNvPr id="24" name="TextBox 23">
             <a:extLst>
               <a:ext uri="{FF2B5EF4-FFF2-40B4-BE49-F238E27FC236}">
-                <a16:creationId xmlns="" xmlns:a16="http://schemas.microsoft.com/office/drawing/2014/main" id="{7C2D047E-1061-5FD3-12F9-1D2A82F1D472}"/>
+                <a16:creationId xmlns:a16="http://schemas.microsoft.com/office/drawing/2014/main" xmlns="" id="{7C2D047E-1061-5FD3-12F9-1D2A82F1D472}"/>
               </a:ext>
             </a:extLst>
           </p:cNvPr>
@@ -35800,7 +36021,7 @@
           <p:cNvPr id="6" name="직사각형 5">
             <a:extLst>
               <a:ext uri="{FF2B5EF4-FFF2-40B4-BE49-F238E27FC236}">
-                <a16:creationId xmlns="" xmlns:a16="http://schemas.microsoft.com/office/drawing/2014/main" id="{295AD6FB-A782-E6E4-7423-F18499326335}"/>
+                <a16:creationId xmlns:a16="http://schemas.microsoft.com/office/drawing/2014/main" xmlns="" id="{295AD6FB-A782-E6E4-7423-F18499326335}"/>
               </a:ext>
             </a:extLst>
           </p:cNvPr>
@@ -35868,7 +36089,7 @@
           <p:cNvPr id="7" name="직사각형 6">
             <a:extLst>
               <a:ext uri="{FF2B5EF4-FFF2-40B4-BE49-F238E27FC236}">
-                <a16:creationId xmlns="" xmlns:a16="http://schemas.microsoft.com/office/drawing/2014/main" id="{015EFAD2-49F6-1456-F845-4818BCECFACA}"/>
+                <a16:creationId xmlns:a16="http://schemas.microsoft.com/office/drawing/2014/main" xmlns="" id="{015EFAD2-49F6-1456-F845-4818BCECFACA}"/>
               </a:ext>
             </a:extLst>
           </p:cNvPr>
@@ -36340,7 +36561,7 @@
     </p:spTree>
     <p:extLst>
       <p:ext uri="{BB962C8B-B14F-4D97-AF65-F5344CB8AC3E}">
-        <p14:creationId xmlns="" xmlns:p14="http://schemas.microsoft.com/office/powerpoint/2010/main" val="3414322757"/>
+        <p14:creationId xmlns:p14="http://schemas.microsoft.com/office/powerpoint/2010/main" xmlns="" val="3414322757"/>
       </p:ext>
     </p:extLst>
   </p:cSld>
@@ -36372,7 +36593,7 @@
           <p:cNvPr id="5" name="그림 4" descr="식물, 자기이(가) 표시된 사진&#10;&#10;자동 생성된 설명">
             <a:extLst>
               <a:ext uri="{FF2B5EF4-FFF2-40B4-BE49-F238E27FC236}">
-                <a16:creationId xmlns="" xmlns:a16="http://schemas.microsoft.com/office/drawing/2014/main" id="{0C74A7D2-0815-B3F5-99D0-8D3B78C83698}"/>
+                <a16:creationId xmlns:a16="http://schemas.microsoft.com/office/drawing/2014/main" xmlns="" id="{0C74A7D2-0815-B3F5-99D0-8D3B78C83698}"/>
               </a:ext>
             </a:extLst>
           </p:cNvPr>
@@ -36385,7 +36606,7 @@
           <a:blip r:embed="rId2" cstate="screen">
             <a:extLst>
               <a:ext uri="{28A0092B-C50C-407E-A947-70E740481C1C}">
-                <a14:useLocalDpi xmlns="" xmlns:a14="http://schemas.microsoft.com/office/drawing/2010/main" val="0"/>
+                <a14:useLocalDpi xmlns:a14="http://schemas.microsoft.com/office/drawing/2010/main" xmlns="" val="0"/>
               </a:ext>
             </a:extLst>
           </a:blip>
@@ -36407,7 +36628,7 @@
           <p:cNvPr id="3" name="직사각형 2">
             <a:extLst>
               <a:ext uri="{FF2B5EF4-FFF2-40B4-BE49-F238E27FC236}">
-                <a16:creationId xmlns="" xmlns:a16="http://schemas.microsoft.com/office/drawing/2014/main" id="{564E68E6-BBC6-E6ED-F214-C6F91429E80E}"/>
+                <a16:creationId xmlns:a16="http://schemas.microsoft.com/office/drawing/2014/main" xmlns="" id="{564E68E6-BBC6-E6ED-F214-C6F91429E80E}"/>
               </a:ext>
             </a:extLst>
           </p:cNvPr>
@@ -36461,7 +36682,7 @@
           <p:cNvPr id="6" name="TextBox 5">
             <a:extLst>
               <a:ext uri="{FF2B5EF4-FFF2-40B4-BE49-F238E27FC236}">
-                <a16:creationId xmlns="" xmlns:a16="http://schemas.microsoft.com/office/drawing/2014/main" id="{BC1A852E-05D3-371A-5037-9449ADE93A11}"/>
+                <a16:creationId xmlns:a16="http://schemas.microsoft.com/office/drawing/2014/main" xmlns="" id="{BC1A852E-05D3-371A-5037-9449ADE93A11}"/>
               </a:ext>
             </a:extLst>
           </p:cNvPr>
@@ -36503,7 +36724,7 @@
     </p:spTree>
     <p:extLst>
       <p:ext uri="{BB962C8B-B14F-4D97-AF65-F5344CB8AC3E}">
-        <p14:creationId xmlns="" xmlns:p14="http://schemas.microsoft.com/office/powerpoint/2010/main" val="3977164408"/>
+        <p14:creationId xmlns:p14="http://schemas.microsoft.com/office/powerpoint/2010/main" xmlns="" val="3977164408"/>
       </p:ext>
     </p:extLst>
   </p:cSld>
@@ -36511,7 +36732,7 @@
     <a:masterClrMapping/>
   </p:clrMapOvr>
   <mc:AlternateContent xmlns:mc="http://schemas.openxmlformats.org/markup-compatibility/2006">
-    <mc:Choice xmlns="" xmlns:p14="http://schemas.microsoft.com/office/powerpoint/2010/main" Requires="p14">
+    <mc:Choice xmlns:p14="http://schemas.microsoft.com/office/powerpoint/2010/main" xmlns="" Requires="p14">
       <p:transition spd="med" p14:dur="700">
         <p:fade/>
       </p:transition>
@@ -36547,7 +36768,7 @@
           <p:cNvPr id="3" name="그림 2" descr="텍스트, 오래된, 비, 일이(가) 표시된 사진&#10;&#10;자동 생성된 설명">
             <a:extLst>
               <a:ext uri="{FF2B5EF4-FFF2-40B4-BE49-F238E27FC236}">
-                <a16:creationId xmlns="" xmlns:a16="http://schemas.microsoft.com/office/drawing/2014/main" id="{7DF18279-550F-9EA1-3EF9-11CCBF6C3865}"/>
+                <a16:creationId xmlns:a16="http://schemas.microsoft.com/office/drawing/2014/main" xmlns="" id="{7DF18279-550F-9EA1-3EF9-11CCBF6C3865}"/>
               </a:ext>
             </a:extLst>
           </p:cNvPr>
@@ -36560,7 +36781,7 @@
           <a:blip r:embed="rId2" cstate="screen">
             <a:extLst>
               <a:ext uri="{28A0092B-C50C-407E-A947-70E740481C1C}">
-                <a14:useLocalDpi xmlns="" xmlns:a14="http://schemas.microsoft.com/office/drawing/2010/main" val="0"/>
+                <a14:useLocalDpi xmlns:a14="http://schemas.microsoft.com/office/drawing/2010/main" xmlns="" val="0"/>
               </a:ext>
             </a:extLst>
           </a:blip>
@@ -36582,7 +36803,7 @@
           <p:cNvPr id="6" name="직사각형 5">
             <a:extLst>
               <a:ext uri="{FF2B5EF4-FFF2-40B4-BE49-F238E27FC236}">
-                <a16:creationId xmlns="" xmlns:a16="http://schemas.microsoft.com/office/drawing/2014/main" id="{8C6702EF-D857-B446-2E6B-F2DDC245C93A}"/>
+                <a16:creationId xmlns:a16="http://schemas.microsoft.com/office/drawing/2014/main" xmlns="" id="{8C6702EF-D857-B446-2E6B-F2DDC245C93A}"/>
               </a:ext>
             </a:extLst>
           </p:cNvPr>
@@ -36636,7 +36857,7 @@
           <p:cNvPr id="8" name="그래픽 7" descr="가로줄로 채워진 원">
             <a:extLst>
               <a:ext uri="{FF2B5EF4-FFF2-40B4-BE49-F238E27FC236}">
-                <a16:creationId xmlns="" xmlns:a16="http://schemas.microsoft.com/office/drawing/2014/main" id="{11F67D44-0D5A-3620-F513-E16E548EEB2A}"/>
+                <a16:creationId xmlns:a16="http://schemas.microsoft.com/office/drawing/2014/main" xmlns="" id="{11F67D44-0D5A-3620-F513-E16E548EEB2A}"/>
               </a:ext>
             </a:extLst>
           </p:cNvPr>
@@ -36649,10 +36870,10 @@
           <a:blip r:embed="rId3" cstate="screen">
             <a:extLst>
               <a:ext uri="{28A0092B-C50C-407E-A947-70E740481C1C}">
-                <a14:useLocalDpi xmlns="" xmlns:a14="http://schemas.microsoft.com/office/drawing/2010/main" val="0"/>
+                <a14:useLocalDpi xmlns:a14="http://schemas.microsoft.com/office/drawing/2010/main" xmlns="" val="0"/>
               </a:ext>
               <a:ext uri="{96DAC541-7B7A-43D3-8B79-37D633B846F1}">
-                <asvg:svgBlip xmlns="" xmlns:asvg="http://schemas.microsoft.com/office/drawing/2016/SVG/main" r:embed="rId4"/>
+                <asvg:svgBlip xmlns:asvg="http://schemas.microsoft.com/office/drawing/2016/SVG/main" xmlns="" r:embed="rId4"/>
               </a:ext>
             </a:extLst>
           </a:blip>
@@ -36675,7 +36896,7 @@
           <p:cNvPr id="9" name="그래픽 8" descr="가로줄로 채워진 원">
             <a:extLst>
               <a:ext uri="{FF2B5EF4-FFF2-40B4-BE49-F238E27FC236}">
-                <a16:creationId xmlns="" xmlns:a16="http://schemas.microsoft.com/office/drawing/2014/main" id="{038AA26E-3124-F044-ECE6-F984F6313ED4}"/>
+                <a16:creationId xmlns:a16="http://schemas.microsoft.com/office/drawing/2014/main" xmlns="" id="{038AA26E-3124-F044-ECE6-F984F6313ED4}"/>
               </a:ext>
             </a:extLst>
           </p:cNvPr>
@@ -36688,10 +36909,10 @@
           <a:blip r:embed="rId5" cstate="screen">
             <a:extLst>
               <a:ext uri="{28A0092B-C50C-407E-A947-70E740481C1C}">
-                <a14:useLocalDpi xmlns="" xmlns:a14="http://schemas.microsoft.com/office/drawing/2010/main" val="0"/>
+                <a14:useLocalDpi xmlns:a14="http://schemas.microsoft.com/office/drawing/2010/main" xmlns="" val="0"/>
               </a:ext>
               <a:ext uri="{96DAC541-7B7A-43D3-8B79-37D633B846F1}">
-                <asvg:svgBlip xmlns="" xmlns:asvg="http://schemas.microsoft.com/office/drawing/2016/SVG/main" r:embed="rId6"/>
+                <asvg:svgBlip xmlns:asvg="http://schemas.microsoft.com/office/drawing/2016/SVG/main" xmlns="" r:embed="rId6"/>
               </a:ext>
             </a:extLst>
           </a:blip>
@@ -36714,7 +36935,7 @@
           <p:cNvPr id="10" name="그룹 9">
             <a:extLst>
               <a:ext uri="{FF2B5EF4-FFF2-40B4-BE49-F238E27FC236}">
-                <a16:creationId xmlns="" xmlns:a16="http://schemas.microsoft.com/office/drawing/2014/main" id="{1B8A28AF-E8AA-5BA7-2BEB-AE10C01D07AD}"/>
+                <a16:creationId xmlns:a16="http://schemas.microsoft.com/office/drawing/2014/main" xmlns="" id="{1B8A28AF-E8AA-5BA7-2BEB-AE10C01D07AD}"/>
               </a:ext>
             </a:extLst>
           </p:cNvPr>
@@ -36734,7 +36955,7 @@
             <p:cNvPr id="11" name="TextBox 10">
               <a:extLst>
                 <a:ext uri="{FF2B5EF4-FFF2-40B4-BE49-F238E27FC236}">
-                  <a16:creationId xmlns="" xmlns:a16="http://schemas.microsoft.com/office/drawing/2014/main" id="{6B310FAF-D79A-1E66-98CB-451B8ED76947}"/>
+                  <a16:creationId xmlns:a16="http://schemas.microsoft.com/office/drawing/2014/main" xmlns="" id="{6B310FAF-D79A-1E66-98CB-451B8ED76947}"/>
                 </a:ext>
               </a:extLst>
             </p:cNvPr>
@@ -36778,7 +36999,7 @@
             <p:cNvPr id="12" name="TextBox 11">
               <a:extLst>
                 <a:ext uri="{FF2B5EF4-FFF2-40B4-BE49-F238E27FC236}">
-                  <a16:creationId xmlns="" xmlns:a16="http://schemas.microsoft.com/office/drawing/2014/main" id="{9C48BB07-DBE7-2268-641A-96249AFE07C2}"/>
+                  <a16:creationId xmlns:a16="http://schemas.microsoft.com/office/drawing/2014/main" xmlns="" id="{9C48BB07-DBE7-2268-641A-96249AFE07C2}"/>
                 </a:ext>
               </a:extLst>
             </p:cNvPr>
@@ -36821,7 +37042,7 @@
     </p:spTree>
     <p:extLst>
       <p:ext uri="{BB962C8B-B14F-4D97-AF65-F5344CB8AC3E}">
-        <p14:creationId xmlns="" xmlns:p14="http://schemas.microsoft.com/office/powerpoint/2010/main" val="3888227712"/>
+        <p14:creationId xmlns:p14="http://schemas.microsoft.com/office/powerpoint/2010/main" xmlns="" val="3888227712"/>
       </p:ext>
     </p:extLst>
   </p:cSld>
@@ -36829,7 +37050,7 @@
     <a:masterClrMapping/>
   </p:clrMapOvr>
   <mc:AlternateContent xmlns:mc="http://schemas.openxmlformats.org/markup-compatibility/2006">
-    <mc:Choice xmlns="" xmlns:p14="http://schemas.microsoft.com/office/powerpoint/2010/main" Requires="p14">
+    <mc:Choice xmlns:p14="http://schemas.microsoft.com/office/powerpoint/2010/main" xmlns="" Requires="p14">
       <p:transition spd="med" p14:dur="700">
         <p:fade/>
       </p:transition>
@@ -36865,7 +37086,7 @@
           <p:cNvPr id="5" name="TextBox 4">
             <a:extLst>
               <a:ext uri="{FF2B5EF4-FFF2-40B4-BE49-F238E27FC236}">
-                <a16:creationId xmlns:a16="http://schemas.microsoft.com/office/drawing/2014/main" xmlns="" id="{47713424-B330-C24F-110C-1C6F04A69702}"/>
+                <a16:creationId xmlns="" xmlns:a16="http://schemas.microsoft.com/office/drawing/2014/main" id="{47713424-B330-C24F-110C-1C6F04A69702}"/>
               </a:ext>
             </a:extLst>
           </p:cNvPr>
@@ -36913,7 +37134,7 @@
           <p:cNvPr id="6" name="TextBox 5">
             <a:extLst>
               <a:ext uri="{FF2B5EF4-FFF2-40B4-BE49-F238E27FC236}">
-                <a16:creationId xmlns:a16="http://schemas.microsoft.com/office/drawing/2014/main" xmlns="" id="{6E5D8A8F-48A3-0516-CD8C-4470FF263EE3}"/>
+                <a16:creationId xmlns="" xmlns:a16="http://schemas.microsoft.com/office/drawing/2014/main" id="{6E5D8A8F-48A3-0516-CD8C-4470FF263EE3}"/>
               </a:ext>
             </a:extLst>
           </p:cNvPr>
@@ -36955,7 +37176,7 @@
           <p:cNvPr id="28" name="직선 연결선 27">
             <a:extLst>
               <a:ext uri="{FF2B5EF4-FFF2-40B4-BE49-F238E27FC236}">
-                <a16:creationId xmlns:a16="http://schemas.microsoft.com/office/drawing/2014/main" xmlns="" id="{E990BC48-D523-39A2-97D5-6A8D3F376D33}"/>
+                <a16:creationId xmlns="" xmlns:a16="http://schemas.microsoft.com/office/drawing/2014/main" id="{E990BC48-D523-39A2-97D5-6A8D3F376D33}"/>
               </a:ext>
             </a:extLst>
           </p:cNvPr>
@@ -36998,7 +37219,7 @@
           <p:cNvPr id="11" name="직선 연결선 10">
             <a:extLst>
               <a:ext uri="{FF2B5EF4-FFF2-40B4-BE49-F238E27FC236}">
-                <a16:creationId xmlns:a16="http://schemas.microsoft.com/office/drawing/2014/main" xmlns="" id="{69481CCB-4C71-B5BC-F741-382F029684DE}"/>
+                <a16:creationId xmlns="" xmlns:a16="http://schemas.microsoft.com/office/drawing/2014/main" id="{69481CCB-4C71-B5BC-F741-382F029684DE}"/>
               </a:ext>
             </a:extLst>
           </p:cNvPr>
@@ -37042,7 +37263,7 @@
           <p:cNvPr id="19" name="타원 18">
             <a:extLst>
               <a:ext uri="{FF2B5EF4-FFF2-40B4-BE49-F238E27FC236}">
-                <a16:creationId xmlns:a16="http://schemas.microsoft.com/office/drawing/2014/main" xmlns="" id="{F13D2F59-9EBE-6535-BCE9-EAB2FBA1CEC7}"/>
+                <a16:creationId xmlns="" xmlns:a16="http://schemas.microsoft.com/office/drawing/2014/main" id="{F13D2F59-9EBE-6535-BCE9-EAB2FBA1CEC7}"/>
               </a:ext>
             </a:extLst>
           </p:cNvPr>
@@ -37098,7 +37319,7 @@
           <p:cNvPr id="37" name="TextBox 36">
             <a:extLst>
               <a:ext uri="{FF2B5EF4-FFF2-40B4-BE49-F238E27FC236}">
-                <a16:creationId xmlns:a16="http://schemas.microsoft.com/office/drawing/2014/main" xmlns="" id="{7D33D74E-96FF-55B9-8103-ECD41905B459}"/>
+                <a16:creationId xmlns="" xmlns:a16="http://schemas.microsoft.com/office/drawing/2014/main" id="{7D33D74E-96FF-55B9-8103-ECD41905B459}"/>
               </a:ext>
             </a:extLst>
           </p:cNvPr>
@@ -37142,7 +37363,7 @@
           <p:cNvPr id="63" name="직사각형 62">
             <a:extLst>
               <a:ext uri="{FF2B5EF4-FFF2-40B4-BE49-F238E27FC236}">
-                <a16:creationId xmlns:a16="http://schemas.microsoft.com/office/drawing/2014/main" xmlns="" id="{1A220C73-F301-03E7-8B86-AB2FAEC32F3A}"/>
+                <a16:creationId xmlns="" xmlns:a16="http://schemas.microsoft.com/office/drawing/2014/main" id="{1A220C73-F301-03E7-8B86-AB2FAEC32F3A}"/>
               </a:ext>
             </a:extLst>
           </p:cNvPr>
@@ -37225,7 +37446,7 @@
           <p:cNvPr id="71" name="타원 70">
             <a:extLst>
               <a:ext uri="{FF2B5EF4-FFF2-40B4-BE49-F238E27FC236}">
-                <a16:creationId xmlns:a16="http://schemas.microsoft.com/office/drawing/2014/main" xmlns="" id="{83A62E69-C0B6-DC47-2528-5974215C17E8}"/>
+                <a16:creationId xmlns="" xmlns:a16="http://schemas.microsoft.com/office/drawing/2014/main" id="{83A62E69-C0B6-DC47-2528-5974215C17E8}"/>
               </a:ext>
             </a:extLst>
           </p:cNvPr>
@@ -37281,7 +37502,7 @@
           <p:cNvPr id="72" name="TextBox 71">
             <a:extLst>
               <a:ext uri="{FF2B5EF4-FFF2-40B4-BE49-F238E27FC236}">
-                <a16:creationId xmlns:a16="http://schemas.microsoft.com/office/drawing/2014/main" xmlns="" id="{E60E74B3-D354-A519-014D-1783B7CFFCCC}"/>
+                <a16:creationId xmlns="" xmlns:a16="http://schemas.microsoft.com/office/drawing/2014/main" id="{E60E74B3-D354-A519-014D-1783B7CFFCCC}"/>
               </a:ext>
             </a:extLst>
           </p:cNvPr>
@@ -37318,7 +37539,7 @@
           <p:cNvPr id="74" name="직사각형 73">
             <a:extLst>
               <a:ext uri="{FF2B5EF4-FFF2-40B4-BE49-F238E27FC236}">
-                <a16:creationId xmlns:a16="http://schemas.microsoft.com/office/drawing/2014/main" xmlns="" id="{42F96EB5-2D07-3CDB-D831-4126409C91F5}"/>
+                <a16:creationId xmlns="" xmlns:a16="http://schemas.microsoft.com/office/drawing/2014/main" id="{42F96EB5-2D07-3CDB-D831-4126409C91F5}"/>
               </a:ext>
             </a:extLst>
           </p:cNvPr>
@@ -37382,7 +37603,7 @@
           <p:cNvPr id="78" name="타원 77">
             <a:extLst>
               <a:ext uri="{FF2B5EF4-FFF2-40B4-BE49-F238E27FC236}">
-                <a16:creationId xmlns:a16="http://schemas.microsoft.com/office/drawing/2014/main" xmlns="" id="{82012342-1179-2E7C-DFDF-8DD77B9241C8}"/>
+                <a16:creationId xmlns="" xmlns:a16="http://schemas.microsoft.com/office/drawing/2014/main" id="{82012342-1179-2E7C-DFDF-8DD77B9241C8}"/>
               </a:ext>
             </a:extLst>
           </p:cNvPr>
@@ -37438,7 +37659,7 @@
           <p:cNvPr id="79" name="TextBox 78">
             <a:extLst>
               <a:ext uri="{FF2B5EF4-FFF2-40B4-BE49-F238E27FC236}">
-                <a16:creationId xmlns:a16="http://schemas.microsoft.com/office/drawing/2014/main" xmlns="" id="{A0E522AA-D44A-A541-BAC4-2737E4E1428C}"/>
+                <a16:creationId xmlns="" xmlns:a16="http://schemas.microsoft.com/office/drawing/2014/main" id="{A0E522AA-D44A-A541-BAC4-2737E4E1428C}"/>
               </a:ext>
             </a:extLst>
           </p:cNvPr>
@@ -37482,7 +37703,7 @@
           <p:cNvPr id="81" name="직사각형 80">
             <a:extLst>
               <a:ext uri="{FF2B5EF4-FFF2-40B4-BE49-F238E27FC236}">
-                <a16:creationId xmlns:a16="http://schemas.microsoft.com/office/drawing/2014/main" xmlns="" id="{C6D0CFCE-9E28-ADAC-0FAA-4FDC87CCD5E8}"/>
+                <a16:creationId xmlns="" xmlns:a16="http://schemas.microsoft.com/office/drawing/2014/main" id="{C6D0CFCE-9E28-ADAC-0FAA-4FDC87CCD5E8}"/>
               </a:ext>
             </a:extLst>
           </p:cNvPr>
@@ -37568,7 +37789,7 @@
           <p:cNvPr id="85" name="타원 84">
             <a:extLst>
               <a:ext uri="{FF2B5EF4-FFF2-40B4-BE49-F238E27FC236}">
-                <a16:creationId xmlns:a16="http://schemas.microsoft.com/office/drawing/2014/main" xmlns="" id="{1E9E4F9B-5692-6935-D1E6-D3A11F2BEF25}"/>
+                <a16:creationId xmlns="" xmlns:a16="http://schemas.microsoft.com/office/drawing/2014/main" id="{1E9E4F9B-5692-6935-D1E6-D3A11F2BEF25}"/>
               </a:ext>
             </a:extLst>
           </p:cNvPr>
@@ -37624,7 +37845,7 @@
           <p:cNvPr id="86" name="TextBox 85">
             <a:extLst>
               <a:ext uri="{FF2B5EF4-FFF2-40B4-BE49-F238E27FC236}">
-                <a16:creationId xmlns:a16="http://schemas.microsoft.com/office/drawing/2014/main" xmlns="" id="{BEAF8427-8928-FAFA-AF8E-F8531BEA77BB}"/>
+                <a16:creationId xmlns="" xmlns:a16="http://schemas.microsoft.com/office/drawing/2014/main" id="{BEAF8427-8928-FAFA-AF8E-F8531BEA77BB}"/>
               </a:ext>
             </a:extLst>
           </p:cNvPr>
@@ -37668,7 +37889,7 @@
           <p:cNvPr id="88" name="직사각형 87">
             <a:extLst>
               <a:ext uri="{FF2B5EF4-FFF2-40B4-BE49-F238E27FC236}">
-                <a16:creationId xmlns:a16="http://schemas.microsoft.com/office/drawing/2014/main" xmlns="" id="{DF80CBC5-2E4B-8212-4AAC-5505D129C04A}"/>
+                <a16:creationId xmlns="" xmlns:a16="http://schemas.microsoft.com/office/drawing/2014/main" id="{DF80CBC5-2E4B-8212-4AAC-5505D129C04A}"/>
               </a:ext>
             </a:extLst>
           </p:cNvPr>
@@ -37734,7 +37955,7 @@
           <p:cNvPr id="92" name="타원 91">
             <a:extLst>
               <a:ext uri="{FF2B5EF4-FFF2-40B4-BE49-F238E27FC236}">
-                <a16:creationId xmlns:a16="http://schemas.microsoft.com/office/drawing/2014/main" xmlns="" id="{324F5CE5-E2F8-4515-F56D-C9EC797D8877}"/>
+                <a16:creationId xmlns="" xmlns:a16="http://schemas.microsoft.com/office/drawing/2014/main" id="{324F5CE5-E2F8-4515-F56D-C9EC797D8877}"/>
               </a:ext>
             </a:extLst>
           </p:cNvPr>
@@ -37790,7 +38011,7 @@
           <p:cNvPr id="93" name="TextBox 92">
             <a:extLst>
               <a:ext uri="{FF2B5EF4-FFF2-40B4-BE49-F238E27FC236}">
-                <a16:creationId xmlns:a16="http://schemas.microsoft.com/office/drawing/2014/main" xmlns="" id="{32C891D9-998D-356A-8869-2CED47102FA8}"/>
+                <a16:creationId xmlns="" xmlns:a16="http://schemas.microsoft.com/office/drawing/2014/main" id="{32C891D9-998D-356A-8869-2CED47102FA8}"/>
               </a:ext>
             </a:extLst>
           </p:cNvPr>
@@ -37827,7 +38048,7 @@
           <p:cNvPr id="95" name="직사각형 94">
             <a:extLst>
               <a:ext uri="{FF2B5EF4-FFF2-40B4-BE49-F238E27FC236}">
-                <a16:creationId xmlns:a16="http://schemas.microsoft.com/office/drawing/2014/main" xmlns="" id="{81820378-0745-CCEA-57A8-BB9A1F0F92A6}"/>
+                <a16:creationId xmlns="" xmlns:a16="http://schemas.microsoft.com/office/drawing/2014/main" id="{81820378-0745-CCEA-57A8-BB9A1F0F92A6}"/>
               </a:ext>
             </a:extLst>
           </p:cNvPr>
@@ -37891,7 +38112,7 @@
           <p:cNvPr id="31" name="직사각형 30">
             <a:extLst>
               <a:ext uri="{FF2B5EF4-FFF2-40B4-BE49-F238E27FC236}">
-                <a16:creationId xmlns:a16="http://schemas.microsoft.com/office/drawing/2014/main" xmlns="" id="{81820378-0745-CCEA-57A8-BB9A1F0F92A6}"/>
+                <a16:creationId xmlns="" xmlns:a16="http://schemas.microsoft.com/office/drawing/2014/main" id="{81820378-0745-CCEA-57A8-BB9A1F0F92A6}"/>
               </a:ext>
             </a:extLst>
           </p:cNvPr>
@@ -37955,7 +38176,7 @@
           <p:cNvPr id="32" name="타원 31">
             <a:extLst>
               <a:ext uri="{FF2B5EF4-FFF2-40B4-BE49-F238E27FC236}">
-                <a16:creationId xmlns:a16="http://schemas.microsoft.com/office/drawing/2014/main" xmlns="" id="{1E9E4F9B-5692-6935-D1E6-D3A11F2BEF25}"/>
+                <a16:creationId xmlns="" xmlns:a16="http://schemas.microsoft.com/office/drawing/2014/main" id="{1E9E4F9B-5692-6935-D1E6-D3A11F2BEF25}"/>
               </a:ext>
             </a:extLst>
           </p:cNvPr>
@@ -38011,7 +38232,7 @@
           <p:cNvPr id="33" name="TextBox 32">
             <a:extLst>
               <a:ext uri="{FF2B5EF4-FFF2-40B4-BE49-F238E27FC236}">
-                <a16:creationId xmlns:a16="http://schemas.microsoft.com/office/drawing/2014/main" xmlns="" id="{BEAF8427-8928-FAFA-AF8E-F8531BEA77BB}"/>
+                <a16:creationId xmlns="" xmlns:a16="http://schemas.microsoft.com/office/drawing/2014/main" id="{BEAF8427-8928-FAFA-AF8E-F8531BEA77BB}"/>
               </a:ext>
             </a:extLst>
           </p:cNvPr>
@@ -38053,7 +38274,7 @@
     </p:spTree>
     <p:extLst>
       <p:ext uri="{BB962C8B-B14F-4D97-AF65-F5344CB8AC3E}">
-        <p14:creationId xmlns:p14="http://schemas.microsoft.com/office/powerpoint/2010/main" xmlns="" val="1340132013"/>
+        <p14:creationId xmlns="" xmlns:p14="http://schemas.microsoft.com/office/powerpoint/2010/main" val="1340132013"/>
       </p:ext>
     </p:extLst>
   </p:cSld>
@@ -38061,7 +38282,7 @@
     <a:masterClrMapping/>
   </p:clrMapOvr>
   <mc:AlternateContent xmlns:mc="http://schemas.openxmlformats.org/markup-compatibility/2006">
-    <mc:Choice xmlns:p159="http://schemas.microsoft.com/office/powerpoint/2015/09/main" xmlns="" Requires="p159">
+    <mc:Choice xmlns="" xmlns:p159="http://schemas.microsoft.com/office/powerpoint/2015/09/main" Requires="p159">
       <p:transition xmlns:p14="http://schemas.microsoft.com/office/powerpoint/2010/main" spd="slow" p14:dur="2000">
         <p159:morph option="byObject"/>
       </p:transition>
@@ -38097,7 +38318,7 @@
           <p:cNvPr id="3" name="그림 2" descr="실내, 벽, 욕실, 바둑판식이(가) 표시된 사진&#10;&#10;자동 생성된 설명">
             <a:extLst>
               <a:ext uri="{FF2B5EF4-FFF2-40B4-BE49-F238E27FC236}">
-                <a16:creationId xmlns="" xmlns:a16="http://schemas.microsoft.com/office/drawing/2014/main" id="{FCF8EEB9-6C36-D678-969B-95008B5C24A3}"/>
+                <a16:creationId xmlns:a16="http://schemas.microsoft.com/office/drawing/2014/main" xmlns="" id="{FCF8EEB9-6C36-D678-969B-95008B5C24A3}"/>
               </a:ext>
             </a:extLst>
           </p:cNvPr>
@@ -38110,7 +38331,7 @@
           <a:blip r:embed="rId2" cstate="screen">
             <a:extLst>
               <a:ext uri="{28A0092B-C50C-407E-A947-70E740481C1C}">
-                <a14:useLocalDpi xmlns="" xmlns:a14="http://schemas.microsoft.com/office/drawing/2010/main" val="0"/>
+                <a14:useLocalDpi xmlns:a14="http://schemas.microsoft.com/office/drawing/2010/main" xmlns="" val="0"/>
               </a:ext>
             </a:extLst>
           </a:blip>
@@ -38132,7 +38353,7 @@
           <p:cNvPr id="4" name="그래픽 3" descr="가로줄로 채워진 원">
             <a:extLst>
               <a:ext uri="{FF2B5EF4-FFF2-40B4-BE49-F238E27FC236}">
-                <a16:creationId xmlns="" xmlns:a16="http://schemas.microsoft.com/office/drawing/2014/main" id="{8D48E086-7ACE-7E17-8A3D-0D67B96B8DE3}"/>
+                <a16:creationId xmlns:a16="http://schemas.microsoft.com/office/drawing/2014/main" xmlns="" id="{8D48E086-7ACE-7E17-8A3D-0D67B96B8DE3}"/>
               </a:ext>
             </a:extLst>
           </p:cNvPr>
@@ -38145,10 +38366,10 @@
           <a:blip r:embed="rId3" cstate="screen">
             <a:extLst>
               <a:ext uri="{28A0092B-C50C-407E-A947-70E740481C1C}">
-                <a14:useLocalDpi xmlns="" xmlns:a14="http://schemas.microsoft.com/office/drawing/2010/main" val="0"/>
+                <a14:useLocalDpi xmlns:a14="http://schemas.microsoft.com/office/drawing/2010/main" xmlns="" val="0"/>
               </a:ext>
               <a:ext uri="{96DAC541-7B7A-43D3-8B79-37D633B846F1}">
-                <asvg:svgBlip xmlns="" xmlns:asvg="http://schemas.microsoft.com/office/drawing/2016/SVG/main" r:embed="rId4"/>
+                <asvg:svgBlip xmlns:asvg="http://schemas.microsoft.com/office/drawing/2016/SVG/main" xmlns="" r:embed="rId4"/>
               </a:ext>
             </a:extLst>
           </a:blip>
@@ -38171,7 +38392,7 @@
           <p:cNvPr id="5" name="그래픽 4" descr="가로줄로 채워진 원">
             <a:extLst>
               <a:ext uri="{FF2B5EF4-FFF2-40B4-BE49-F238E27FC236}">
-                <a16:creationId xmlns="" xmlns:a16="http://schemas.microsoft.com/office/drawing/2014/main" id="{1B34D3BC-DC04-6CA2-035E-D48BBB2CC567}"/>
+                <a16:creationId xmlns:a16="http://schemas.microsoft.com/office/drawing/2014/main" xmlns="" id="{1B34D3BC-DC04-6CA2-035E-D48BBB2CC567}"/>
               </a:ext>
             </a:extLst>
           </p:cNvPr>
@@ -38184,10 +38405,10 @@
           <a:blip r:embed="rId5" cstate="screen">
             <a:extLst>
               <a:ext uri="{28A0092B-C50C-407E-A947-70E740481C1C}">
-                <a14:useLocalDpi xmlns="" xmlns:a14="http://schemas.microsoft.com/office/drawing/2010/main" val="0"/>
+                <a14:useLocalDpi xmlns:a14="http://schemas.microsoft.com/office/drawing/2010/main" xmlns="" val="0"/>
               </a:ext>
               <a:ext uri="{96DAC541-7B7A-43D3-8B79-37D633B846F1}">
-                <asvg:svgBlip xmlns="" xmlns:asvg="http://schemas.microsoft.com/office/drawing/2016/SVG/main" r:embed="rId6"/>
+                <asvg:svgBlip xmlns:asvg="http://schemas.microsoft.com/office/drawing/2016/SVG/main" xmlns="" r:embed="rId6"/>
               </a:ext>
             </a:extLst>
           </a:blip>
@@ -38210,7 +38431,7 @@
           <p:cNvPr id="6" name="그룹 5">
             <a:extLst>
               <a:ext uri="{FF2B5EF4-FFF2-40B4-BE49-F238E27FC236}">
-                <a16:creationId xmlns="" xmlns:a16="http://schemas.microsoft.com/office/drawing/2014/main" id="{D12D8A24-FCC6-A2C8-35F8-5BC534D3372F}"/>
+                <a16:creationId xmlns:a16="http://schemas.microsoft.com/office/drawing/2014/main" xmlns="" id="{D12D8A24-FCC6-A2C8-35F8-5BC534D3372F}"/>
               </a:ext>
             </a:extLst>
           </p:cNvPr>
@@ -38230,7 +38451,7 @@
             <p:cNvPr id="7" name="TextBox 6">
               <a:extLst>
                 <a:ext uri="{FF2B5EF4-FFF2-40B4-BE49-F238E27FC236}">
-                  <a16:creationId xmlns="" xmlns:a16="http://schemas.microsoft.com/office/drawing/2014/main" id="{E8AF2223-683C-C944-F8CA-68539AE3FA54}"/>
+                  <a16:creationId xmlns:a16="http://schemas.microsoft.com/office/drawing/2014/main" xmlns="" id="{E8AF2223-683C-C944-F8CA-68539AE3FA54}"/>
                 </a:ext>
               </a:extLst>
             </p:cNvPr>
@@ -38298,7 +38519,7 @@
             <p:cNvPr id="8" name="TextBox 7">
               <a:extLst>
                 <a:ext uri="{FF2B5EF4-FFF2-40B4-BE49-F238E27FC236}">
-                  <a16:creationId xmlns="" xmlns:a16="http://schemas.microsoft.com/office/drawing/2014/main" id="{AA6C7412-49A8-C898-54B1-A13FDFB7C4C6}"/>
+                  <a16:creationId xmlns:a16="http://schemas.microsoft.com/office/drawing/2014/main" xmlns="" id="{AA6C7412-49A8-C898-54B1-A13FDFB7C4C6}"/>
                 </a:ext>
               </a:extLst>
             </p:cNvPr>
@@ -38341,7 +38562,7 @@
     </p:spTree>
     <p:extLst>
       <p:ext uri="{BB962C8B-B14F-4D97-AF65-F5344CB8AC3E}">
-        <p14:creationId xmlns="" xmlns:p14="http://schemas.microsoft.com/office/powerpoint/2010/main" val="981888483"/>
+        <p14:creationId xmlns:p14="http://schemas.microsoft.com/office/powerpoint/2010/main" xmlns="" val="981888483"/>
       </p:ext>
     </p:extLst>
   </p:cSld>
@@ -38349,7 +38570,7 @@
     <a:masterClrMapping/>
   </p:clrMapOvr>
   <mc:AlternateContent xmlns:mc="http://schemas.openxmlformats.org/markup-compatibility/2006">
-    <mc:Choice xmlns="" xmlns:p14="http://schemas.microsoft.com/office/powerpoint/2010/main" Requires="p14">
+    <mc:Choice xmlns:p14="http://schemas.microsoft.com/office/powerpoint/2010/main" xmlns="" Requires="p14">
       <p:transition spd="med" p14:dur="700">
         <p:fade/>
       </p:transition>
@@ -38385,7 +38606,7 @@
           <p:cNvPr id="2" name="사각형: 둥근 위쪽 모서리 1">
             <a:extLst>
               <a:ext uri="{FF2B5EF4-FFF2-40B4-BE49-F238E27FC236}">
-                <a16:creationId xmlns="" xmlns:a16="http://schemas.microsoft.com/office/drawing/2014/main" id="{72AD9708-7184-D0D2-8447-0FC756BFA607}"/>
+                <a16:creationId xmlns:a16="http://schemas.microsoft.com/office/drawing/2014/main" xmlns="" id="{72AD9708-7184-D0D2-8447-0FC756BFA607}"/>
               </a:ext>
             </a:extLst>
           </p:cNvPr>
@@ -38437,7 +38658,7 @@
           <p:cNvPr id="3" name="TextBox 2">
             <a:extLst>
               <a:ext uri="{FF2B5EF4-FFF2-40B4-BE49-F238E27FC236}">
-                <a16:creationId xmlns="" xmlns:a16="http://schemas.microsoft.com/office/drawing/2014/main" id="{C8C11F40-27D1-5395-3684-92A7CD1FC542}"/>
+                <a16:creationId xmlns:a16="http://schemas.microsoft.com/office/drawing/2014/main" xmlns="" id="{C8C11F40-27D1-5395-3684-92A7CD1FC542}"/>
               </a:ext>
             </a:extLst>
           </p:cNvPr>
@@ -38505,7 +38726,7 @@
           <p:cNvPr id="5" name="TextBox 4">
             <a:extLst>
               <a:ext uri="{FF2B5EF4-FFF2-40B4-BE49-F238E27FC236}">
-                <a16:creationId xmlns="" xmlns:a16="http://schemas.microsoft.com/office/drawing/2014/main" id="{46917226-5A41-A010-242B-90432022EB60}"/>
+                <a16:creationId xmlns:a16="http://schemas.microsoft.com/office/drawing/2014/main" xmlns="" id="{46917226-5A41-A010-242B-90432022EB60}"/>
               </a:ext>
             </a:extLst>
           </p:cNvPr>
@@ -38550,7 +38771,7 @@
           <p:cNvPr id="6" name="직사각형 5">
             <a:extLst>
               <a:ext uri="{FF2B5EF4-FFF2-40B4-BE49-F238E27FC236}">
-                <a16:creationId xmlns="" xmlns:a16="http://schemas.microsoft.com/office/drawing/2014/main" id="{295AD6FB-A782-E6E4-7423-F18499326335}"/>
+                <a16:creationId xmlns:a16="http://schemas.microsoft.com/office/drawing/2014/main" xmlns="" id="{295AD6FB-A782-E6E4-7423-F18499326335}"/>
               </a:ext>
             </a:extLst>
           </p:cNvPr>
@@ -38610,7 +38831,7 @@
           <p:cNvPr id="7" name="직사각형 6">
             <a:extLst>
               <a:ext uri="{FF2B5EF4-FFF2-40B4-BE49-F238E27FC236}">
-                <a16:creationId xmlns="" xmlns:a16="http://schemas.microsoft.com/office/drawing/2014/main" id="{015EFAD2-49F6-1456-F845-4818BCECFACA}"/>
+                <a16:creationId xmlns:a16="http://schemas.microsoft.com/office/drawing/2014/main" xmlns="" id="{015EFAD2-49F6-1456-F845-4818BCECFACA}"/>
               </a:ext>
             </a:extLst>
           </p:cNvPr>
@@ -38670,7 +38891,7 @@
           <p:cNvPr id="10" name="직사각형 9">
             <a:extLst>
               <a:ext uri="{FF2B5EF4-FFF2-40B4-BE49-F238E27FC236}">
-                <a16:creationId xmlns="" xmlns:a16="http://schemas.microsoft.com/office/drawing/2014/main" id="{A9C9077D-97A6-B01B-B219-E16F36E04EBD}"/>
+                <a16:creationId xmlns:a16="http://schemas.microsoft.com/office/drawing/2014/main" xmlns="" id="{A9C9077D-97A6-B01B-B219-E16F36E04EBD}"/>
               </a:ext>
             </a:extLst>
           </p:cNvPr>
@@ -38728,7 +38949,7 @@
           <p:cNvPr id="11" name="TextBox 10">
             <a:extLst>
               <a:ext uri="{FF2B5EF4-FFF2-40B4-BE49-F238E27FC236}">
-                <a16:creationId xmlns="" xmlns:a16="http://schemas.microsoft.com/office/drawing/2014/main" id="{F69F65B8-0BAE-0173-9E77-BF2D3E01CB3A}"/>
+                <a16:creationId xmlns:a16="http://schemas.microsoft.com/office/drawing/2014/main" xmlns="" id="{F69F65B8-0BAE-0173-9E77-BF2D3E01CB3A}"/>
               </a:ext>
             </a:extLst>
           </p:cNvPr>
@@ -38779,7 +39000,7 @@
           <p:cNvPr id="12" name="직사각형 11">
             <a:extLst>
               <a:ext uri="{FF2B5EF4-FFF2-40B4-BE49-F238E27FC236}">
-                <a16:creationId xmlns="" xmlns:a16="http://schemas.microsoft.com/office/drawing/2014/main" id="{9081222F-4B11-34AA-1E3B-317B083894F7}"/>
+                <a16:creationId xmlns:a16="http://schemas.microsoft.com/office/drawing/2014/main" xmlns="" id="{9081222F-4B11-34AA-1E3B-317B083894F7}"/>
               </a:ext>
             </a:extLst>
           </p:cNvPr>
@@ -38837,7 +39058,7 @@
           <p:cNvPr id="13" name="TextBox 12">
             <a:extLst>
               <a:ext uri="{FF2B5EF4-FFF2-40B4-BE49-F238E27FC236}">
-                <a16:creationId xmlns="" xmlns:a16="http://schemas.microsoft.com/office/drawing/2014/main" id="{57AFCD6D-52FA-283B-155D-F82BC4610498}"/>
+                <a16:creationId xmlns:a16="http://schemas.microsoft.com/office/drawing/2014/main" xmlns="" id="{57AFCD6D-52FA-283B-155D-F82BC4610498}"/>
               </a:ext>
             </a:extLst>
           </p:cNvPr>
@@ -38891,7 +39112,7 @@
           <p:cNvPr id="36" name="TextBox 35">
             <a:extLst>
               <a:ext uri="{FF2B5EF4-FFF2-40B4-BE49-F238E27FC236}">
-                <a16:creationId xmlns="" xmlns:a16="http://schemas.microsoft.com/office/drawing/2014/main" id="{869E127B-D2D9-ECB7-79EC-027C31C6AB04}"/>
+                <a16:creationId xmlns:a16="http://schemas.microsoft.com/office/drawing/2014/main" xmlns="" id="{869E127B-D2D9-ECB7-79EC-027C31C6AB04}"/>
               </a:ext>
             </a:extLst>
           </p:cNvPr>
@@ -38933,7 +39154,7 @@
           <p:cNvPr id="23" name="TextBox 22">
             <a:extLst>
               <a:ext uri="{FF2B5EF4-FFF2-40B4-BE49-F238E27FC236}">
-                <a16:creationId xmlns="" xmlns:a16="http://schemas.microsoft.com/office/drawing/2014/main" id="{7C2D047E-1061-5FD3-12F9-1D2A82F1D472}"/>
+                <a16:creationId xmlns:a16="http://schemas.microsoft.com/office/drawing/2014/main" xmlns="" id="{7C2D047E-1061-5FD3-12F9-1D2A82F1D472}"/>
               </a:ext>
             </a:extLst>
           </p:cNvPr>
@@ -38994,7 +39215,7 @@
           <p:cNvPr id="24" name="TextBox 23">
             <a:extLst>
               <a:ext uri="{FF2B5EF4-FFF2-40B4-BE49-F238E27FC236}">
-                <a16:creationId xmlns="" xmlns:a16="http://schemas.microsoft.com/office/drawing/2014/main" id="{36B48812-6320-5617-7B1E-780BA099D7CB}"/>
+                <a16:creationId xmlns:a16="http://schemas.microsoft.com/office/drawing/2014/main" xmlns="" id="{36B48812-6320-5617-7B1E-780BA099D7CB}"/>
               </a:ext>
             </a:extLst>
           </p:cNvPr>
@@ -39143,7 +39364,7 @@
           <p:cNvPr id="25" name="TextBox 24">
             <a:extLst>
               <a:ext uri="{FF2B5EF4-FFF2-40B4-BE49-F238E27FC236}">
-                <a16:creationId xmlns="" xmlns:a16="http://schemas.microsoft.com/office/drawing/2014/main" id="{36B48812-6320-5617-7B1E-780BA099D7CB}"/>
+                <a16:creationId xmlns:a16="http://schemas.microsoft.com/office/drawing/2014/main" xmlns="" id="{36B48812-6320-5617-7B1E-780BA099D7CB}"/>
               </a:ext>
             </a:extLst>
           </p:cNvPr>
@@ -39238,7 +39459,7 @@
           <p:cNvPr id="26" name="TextBox 25">
             <a:extLst>
               <a:ext uri="{FF2B5EF4-FFF2-40B4-BE49-F238E27FC236}">
-                <a16:creationId xmlns="" xmlns:a16="http://schemas.microsoft.com/office/drawing/2014/main" id="{36B48812-6320-5617-7B1E-780BA099D7CB}"/>
+                <a16:creationId xmlns:a16="http://schemas.microsoft.com/office/drawing/2014/main" xmlns="" id="{36B48812-6320-5617-7B1E-780BA099D7CB}"/>
               </a:ext>
             </a:extLst>
           </p:cNvPr>
@@ -39291,7 +39512,7 @@
           <p:cNvPr id="27" name="TextBox 26">
             <a:extLst>
               <a:ext uri="{FF2B5EF4-FFF2-40B4-BE49-F238E27FC236}">
-                <a16:creationId xmlns="" xmlns:a16="http://schemas.microsoft.com/office/drawing/2014/main" id="{36B48812-6320-5617-7B1E-780BA099D7CB}"/>
+                <a16:creationId xmlns:a16="http://schemas.microsoft.com/office/drawing/2014/main" xmlns="" id="{36B48812-6320-5617-7B1E-780BA099D7CB}"/>
               </a:ext>
             </a:extLst>
           </p:cNvPr>
@@ -39342,7 +39563,7 @@
     </p:spTree>
     <p:extLst>
       <p:ext uri="{BB962C8B-B14F-4D97-AF65-F5344CB8AC3E}">
-        <p14:creationId xmlns="" xmlns:p14="http://schemas.microsoft.com/office/powerpoint/2010/main" val="4139899044"/>
+        <p14:creationId xmlns:p14="http://schemas.microsoft.com/office/powerpoint/2010/main" xmlns="" val="4139899044"/>
       </p:ext>
     </p:extLst>
   </p:cSld>
@@ -39350,7 +39571,7 @@
     <a:masterClrMapping/>
   </p:clrMapOvr>
   <mc:AlternateContent xmlns:mc="http://schemas.openxmlformats.org/markup-compatibility/2006">
-    <mc:Choice xmlns="" xmlns:p14="http://schemas.microsoft.com/office/powerpoint/2010/main" Requires="p14">
+    <mc:Choice xmlns:p14="http://schemas.microsoft.com/office/powerpoint/2010/main" xmlns="" Requires="p14">
       <p:transition spd="med" p14:dur="700">
         <p:fade/>
       </p:transition>
@@ -39386,7 +39607,7 @@
           <p:cNvPr id="2" name="직사각형 1">
             <a:extLst>
               <a:ext uri="{FF2B5EF4-FFF2-40B4-BE49-F238E27FC236}">
-                <a16:creationId xmlns:a16="http://schemas.microsoft.com/office/drawing/2014/main" xmlns="" id="{5B745BF1-E258-4F57-8959-96BA37268667}"/>
+                <a16:creationId xmlns="" xmlns:a16="http://schemas.microsoft.com/office/drawing/2014/main" id="{5B745BF1-E258-4F57-8959-96BA37268667}"/>
               </a:ext>
             </a:extLst>
           </p:cNvPr>
@@ -39446,7 +39667,7 @@
           <p:cNvPr id="12" name="직사각형 11">
             <a:extLst>
               <a:ext uri="{FF2B5EF4-FFF2-40B4-BE49-F238E27FC236}">
-                <a16:creationId xmlns:a16="http://schemas.microsoft.com/office/drawing/2014/main" xmlns="" id="{EF2063EC-5C64-4CDD-80D8-A28E4D41C7AD}"/>
+                <a16:creationId xmlns="" xmlns:a16="http://schemas.microsoft.com/office/drawing/2014/main" id="{EF2063EC-5C64-4CDD-80D8-A28E4D41C7AD}"/>
               </a:ext>
             </a:extLst>
           </p:cNvPr>
@@ -39498,7 +39719,7 @@
           <p:cNvPr id="8" name="TextBox 7">
             <a:extLst>
               <a:ext uri="{FF2B5EF4-FFF2-40B4-BE49-F238E27FC236}">
-                <a16:creationId xmlns:a16="http://schemas.microsoft.com/office/drawing/2014/main" xmlns="" id="{D7FA6B07-9DE8-417B-9929-FD64FAE65C5D}"/>
+                <a16:creationId xmlns="" xmlns:a16="http://schemas.microsoft.com/office/drawing/2014/main" id="{D7FA6B07-9DE8-417B-9929-FD64FAE65C5D}"/>
               </a:ext>
             </a:extLst>
           </p:cNvPr>
@@ -39534,7 +39755,7 @@
           <p:cNvPr id="11" name="사각형: 둥근 위쪽 모서리 1">
             <a:extLst>
               <a:ext uri="{FF2B5EF4-FFF2-40B4-BE49-F238E27FC236}">
-                <a16:creationId xmlns="" xmlns:a16="http://schemas.microsoft.com/office/drawing/2014/main" id="{72AD9708-7184-D0D2-8447-0FC756BFA607}"/>
+                <a16:creationId xmlns:a16="http://schemas.microsoft.com/office/drawing/2014/main" xmlns="" id="{72AD9708-7184-D0D2-8447-0FC756BFA607}"/>
               </a:ext>
             </a:extLst>
           </p:cNvPr>
@@ -39586,7 +39807,7 @@
           <p:cNvPr id="13" name="TextBox 12">
             <a:extLst>
               <a:ext uri="{FF2B5EF4-FFF2-40B4-BE49-F238E27FC236}">
-                <a16:creationId xmlns="" xmlns:a16="http://schemas.microsoft.com/office/drawing/2014/main" id="{C8C11F40-27D1-5395-3684-92A7CD1FC542}"/>
+                <a16:creationId xmlns:a16="http://schemas.microsoft.com/office/drawing/2014/main" xmlns="" id="{C8C11F40-27D1-5395-3684-92A7CD1FC542}"/>
               </a:ext>
             </a:extLst>
           </p:cNvPr>
@@ -39654,7 +39875,7 @@
           <p:cNvPr id="14" name="TextBox 13">
             <a:extLst>
               <a:ext uri="{FF2B5EF4-FFF2-40B4-BE49-F238E27FC236}">
-                <a16:creationId xmlns="" xmlns:a16="http://schemas.microsoft.com/office/drawing/2014/main" id="{7C2D047E-1061-5FD3-12F9-1D2A82F1D472}"/>
+                <a16:creationId xmlns:a16="http://schemas.microsoft.com/office/drawing/2014/main" xmlns="" id="{7C2D047E-1061-5FD3-12F9-1D2A82F1D472}"/>
               </a:ext>
             </a:extLst>
           </p:cNvPr>
@@ -39715,7 +39936,7 @@
           <p:cNvPr id="16" name="TextBox 15">
             <a:extLst>
               <a:ext uri="{FF2B5EF4-FFF2-40B4-BE49-F238E27FC236}">
-                <a16:creationId xmlns="" xmlns:a16="http://schemas.microsoft.com/office/drawing/2014/main" id="{46917226-5A41-A010-242B-90432022EB60}"/>
+                <a16:creationId xmlns:a16="http://schemas.microsoft.com/office/drawing/2014/main" xmlns="" id="{46917226-5A41-A010-242B-90432022EB60}"/>
               </a:ext>
             </a:extLst>
           </p:cNvPr>
@@ -39768,7 +39989,7 @@
           <p:cNvPr id="17" name="TextBox 16">
             <a:extLst>
               <a:ext uri="{FF2B5EF4-FFF2-40B4-BE49-F238E27FC236}">
-                <a16:creationId xmlns:a16="http://schemas.microsoft.com/office/drawing/2014/main" xmlns="" id="{D7FA6B07-9DE8-417B-9929-FD64FAE65C5D}"/>
+                <a16:creationId xmlns="" xmlns:a16="http://schemas.microsoft.com/office/drawing/2014/main" id="{D7FA6B07-9DE8-417B-9929-FD64FAE65C5D}"/>
               </a:ext>
             </a:extLst>
           </p:cNvPr>
@@ -39811,7 +40032,7 @@
           <p:cNvPr id="18" name="TextBox 17">
             <a:extLst>
               <a:ext uri="{FF2B5EF4-FFF2-40B4-BE49-F238E27FC236}">
-                <a16:creationId xmlns:a16="http://schemas.microsoft.com/office/drawing/2014/main" xmlns="" id="{D7FA6B07-9DE8-417B-9929-FD64FAE65C5D}"/>
+                <a16:creationId xmlns="" xmlns:a16="http://schemas.microsoft.com/office/drawing/2014/main" id="{D7FA6B07-9DE8-417B-9929-FD64FAE65C5D}"/>
               </a:ext>
             </a:extLst>
           </p:cNvPr>
@@ -39854,7 +40075,7 @@
           <p:cNvPr id="19" name="TextBox 18">
             <a:extLst>
               <a:ext uri="{FF2B5EF4-FFF2-40B4-BE49-F238E27FC236}">
-                <a16:creationId xmlns="" xmlns:a16="http://schemas.microsoft.com/office/drawing/2014/main" id="{36B48812-6320-5617-7B1E-780BA099D7CB}"/>
+                <a16:creationId xmlns:a16="http://schemas.microsoft.com/office/drawing/2014/main" xmlns="" id="{36B48812-6320-5617-7B1E-780BA099D7CB}"/>
               </a:ext>
             </a:extLst>
           </p:cNvPr>
@@ -40090,7 +40311,7 @@
           <p:cNvPr id="20" name="TextBox 19">
             <a:extLst>
               <a:ext uri="{FF2B5EF4-FFF2-40B4-BE49-F238E27FC236}">
-                <a16:creationId xmlns="" xmlns:a16="http://schemas.microsoft.com/office/drawing/2014/main" id="{36B48812-6320-5617-7B1E-780BA099D7CB}"/>
+                <a16:creationId xmlns:a16="http://schemas.microsoft.com/office/drawing/2014/main" xmlns="" id="{36B48812-6320-5617-7B1E-780BA099D7CB}"/>
               </a:ext>
             </a:extLst>
           </p:cNvPr>
@@ -40233,7 +40454,7 @@
     </p:spTree>
     <p:extLst>
       <p:ext uri="{BB962C8B-B14F-4D97-AF65-F5344CB8AC3E}">
-        <p14:creationId xmlns:p14="http://schemas.microsoft.com/office/powerpoint/2010/main" xmlns="" val="1125010594"/>
+        <p14:creationId xmlns="" xmlns:p14="http://schemas.microsoft.com/office/powerpoint/2010/main" val="1125010594"/>
       </p:ext>
     </p:extLst>
   </p:cSld>
@@ -40241,7 +40462,7 @@
     <a:masterClrMapping/>
   </p:clrMapOvr>
   <mc:AlternateContent xmlns:mc="http://schemas.openxmlformats.org/markup-compatibility/2006">
-    <mc:Choice xmlns:p14="http://schemas.microsoft.com/office/powerpoint/2010/main" xmlns="" Requires="p14">
+    <mc:Choice xmlns="" xmlns:p14="http://schemas.microsoft.com/office/powerpoint/2010/main" Requires="p14">
       <p:transition spd="med" p14:dur="700">
         <p:fade/>
       </p:transition>
@@ -40480,7 +40701,7 @@
   <a:extraClrSchemeLst/>
   <a:extLst>
     <a:ext uri="{05A4C25C-085E-4340-85A3-A5531E510DB2}">
-      <thm15:themeFamily xmlns="" xmlns:thm15="http://schemas.microsoft.com/office/thememl/2012/main" name="Office Theme" id="{62F939B6-93AF-4DB8-9C6B-D6C7DFDC589F}" vid="{4A3C46E8-61CC-4603-A589-7422A47A8E4A}"/>
+      <thm15:themeFamily xmlns:thm15="http://schemas.microsoft.com/office/thememl/2012/main" xmlns="" name="Office Theme" id="{62F939B6-93AF-4DB8-9C6B-D6C7DFDC589F}" vid="{4A3C46E8-61CC-4603-A589-7422A47A8E4A}"/>
     </a:ext>
   </a:extLst>
 </a:theme>
